--- a/trunk/Training/GAPQ2017/PPT/14 Generator Model.pptx
+++ b/trunk/Training/GAPQ2017/PPT/14 Generator Model.pptx
@@ -5,13 +5,26 @@
     <p:sldMasterId id="2147483663" r:id="rId4"/>
   </p:sldMasterIdLst>
   <p:notesMasterIdLst>
-    <p:notesMasterId r:id="rId9"/>
+    <p:notesMasterId r:id="rId22"/>
   </p:notesMasterIdLst>
   <p:sldIdLst>
     <p:sldId id="283" r:id="rId5"/>
     <p:sldId id="344" r:id="rId6"/>
     <p:sldId id="345" r:id="rId7"/>
-    <p:sldId id="339" r:id="rId8"/>
+    <p:sldId id="346" r:id="rId8"/>
+    <p:sldId id="357" r:id="rId9"/>
+    <p:sldId id="347" r:id="rId10"/>
+    <p:sldId id="348" r:id="rId11"/>
+    <p:sldId id="349" r:id="rId12"/>
+    <p:sldId id="354" r:id="rId13"/>
+    <p:sldId id="351" r:id="rId14"/>
+    <p:sldId id="352" r:id="rId15"/>
+    <p:sldId id="355" r:id="rId16"/>
+    <p:sldId id="350" r:id="rId17"/>
+    <p:sldId id="353" r:id="rId18"/>
+    <p:sldId id="358" r:id="rId19"/>
+    <p:sldId id="356" r:id="rId20"/>
+    <p:sldId id="339" r:id="rId21"/>
   </p:sldIdLst>
   <p:sldSz cx="9144000" cy="6858000" type="screen4x3"/>
   <p:notesSz cx="7010400" cy="9296400"/>
@@ -230,7 +243,7 @@
           <a:p>
             <a:fld id="{21D603EA-85D6-422C-AB10-17A2A7923832}" type="datetimeFigureOut">
               <a:rPr lang="en-US" smtClean="0"/>
-              <a:t>6/15/2017</a:t>
+              <a:t>6/19/2017</a:t>
             </a:fld>
             <a:endParaRPr lang="en-US" dirty="0"/>
           </a:p>
@@ -961,6 +974,986 @@
     <p:extLst>
       <p:ext uri="{BB962C8B-B14F-4D97-AF65-F5344CB8AC3E}">
         <p14:creationId xmlns:p14="http://schemas.microsoft.com/office/powerpoint/2010/main" val="3020108663"/>
+      </p:ext>
+    </p:extLst>
+  </p:cSld>
+  <p:clrMapOvr>
+    <a:masterClrMapping/>
+  </p:clrMapOvr>
+</p:notes>
+</file>
+
+<file path=ppt/notesSlides/notesSlide3.xml><?xml version="1.0" encoding="utf-8"?>
+<p:notes xmlns:a="http://schemas.openxmlformats.org/drawingml/2006/main" xmlns:r="http://schemas.openxmlformats.org/officeDocument/2006/relationships" xmlns:p="http://schemas.openxmlformats.org/presentationml/2006/main">
+  <p:cSld>
+    <p:spTree>
+      <p:nvGrpSpPr>
+        <p:cNvPr id="1" name=""/>
+        <p:cNvGrpSpPr/>
+        <p:nvPr/>
+      </p:nvGrpSpPr>
+      <p:grpSpPr>
+        <a:xfrm>
+          <a:off x="0" y="0"/>
+          <a:ext cx="0" cy="0"/>
+          <a:chOff x="0" y="0"/>
+          <a:chExt cx="0" cy="0"/>
+        </a:xfrm>
+      </p:grpSpPr>
+      <p:sp>
+        <p:nvSpPr>
+          <p:cNvPr id="339970" name="Rectangle 7"/>
+          <p:cNvSpPr>
+            <a:spLocks noGrp="1" noChangeArrowheads="1"/>
+          </p:cNvSpPr>
+          <p:nvPr>
+            <p:ph type="sldNum" sz="quarter" idx="5"/>
+          </p:nvPr>
+        </p:nvSpPr>
+        <p:spPr>
+          <a:noFill/>
+          <a:ln/>
+          <a:extLst>
+            <a:ext uri="{909E8E84-426E-40DD-AFC4-6F175D3DCCD1}">
+              <a14:hiddenFill xmlns:a14="http://schemas.microsoft.com/office/drawing/2010/main">
+                <a:solidFill>
+                  <a:srgbClr val="FFFFFF"/>
+                </a:solidFill>
+              </a14:hiddenFill>
+            </a:ext>
+            <a:ext uri="{91240B29-F687-4F45-9708-019B960494DF}">
+              <a14:hiddenLine xmlns:a14="http://schemas.microsoft.com/office/drawing/2010/main" w="9525">
+                <a:solidFill>
+                  <a:srgbClr val="000000"/>
+                </a:solidFill>
+                <a:miter lim="800000"/>
+                <a:headEnd/>
+                <a:tailEnd/>
+              </a14:hiddenLine>
+            </a:ext>
+          </a:extLst>
+        </p:spPr>
+        <p:txBody>
+          <a:bodyPr/>
+          <a:lstStyle>
+            <a:lvl1pPr>
+              <a:defRPr sz="1600">
+                <a:solidFill>
+                  <a:srgbClr val="000000"/>
+                </a:solidFill>
+                <a:latin typeface="Arial" panose="020B0604020202020204" pitchFamily="34" charset="0"/>
+              </a:defRPr>
+            </a:lvl1pPr>
+            <a:lvl2pPr marL="742950" indent="-285750">
+              <a:defRPr sz="1600">
+                <a:solidFill>
+                  <a:srgbClr val="000000"/>
+                </a:solidFill>
+                <a:latin typeface="Arial" panose="020B0604020202020204" pitchFamily="34" charset="0"/>
+              </a:defRPr>
+            </a:lvl2pPr>
+            <a:lvl3pPr marL="1143000" indent="-228600">
+              <a:defRPr sz="1600">
+                <a:solidFill>
+                  <a:srgbClr val="000000"/>
+                </a:solidFill>
+                <a:latin typeface="Arial" panose="020B0604020202020204" pitchFamily="34" charset="0"/>
+              </a:defRPr>
+            </a:lvl3pPr>
+            <a:lvl4pPr marL="1600200" indent="-228600">
+              <a:defRPr sz="1600">
+                <a:solidFill>
+                  <a:srgbClr val="000000"/>
+                </a:solidFill>
+                <a:latin typeface="Arial" panose="020B0604020202020204" pitchFamily="34" charset="0"/>
+              </a:defRPr>
+            </a:lvl4pPr>
+            <a:lvl5pPr marL="2057400" indent="-228600">
+              <a:defRPr sz="1600">
+                <a:solidFill>
+                  <a:srgbClr val="000000"/>
+                </a:solidFill>
+                <a:latin typeface="Arial" panose="020B0604020202020204" pitchFamily="34" charset="0"/>
+              </a:defRPr>
+            </a:lvl5pPr>
+            <a:lvl6pPr marL="2514600" indent="-228600" algn="ctr" eaLnBrk="0" fontAlgn="base" hangingPunct="0">
+              <a:spcBef>
+                <a:spcPct val="50000"/>
+              </a:spcBef>
+              <a:spcAft>
+                <a:spcPct val="0"/>
+              </a:spcAft>
+              <a:defRPr sz="1600">
+                <a:solidFill>
+                  <a:srgbClr val="000000"/>
+                </a:solidFill>
+                <a:latin typeface="Arial" panose="020B0604020202020204" pitchFamily="34" charset="0"/>
+              </a:defRPr>
+            </a:lvl6pPr>
+            <a:lvl7pPr marL="2971800" indent="-228600" algn="ctr" eaLnBrk="0" fontAlgn="base" hangingPunct="0">
+              <a:spcBef>
+                <a:spcPct val="50000"/>
+              </a:spcBef>
+              <a:spcAft>
+                <a:spcPct val="0"/>
+              </a:spcAft>
+              <a:defRPr sz="1600">
+                <a:solidFill>
+                  <a:srgbClr val="000000"/>
+                </a:solidFill>
+                <a:latin typeface="Arial" panose="020B0604020202020204" pitchFamily="34" charset="0"/>
+              </a:defRPr>
+            </a:lvl7pPr>
+            <a:lvl8pPr marL="3429000" indent="-228600" algn="ctr" eaLnBrk="0" fontAlgn="base" hangingPunct="0">
+              <a:spcBef>
+                <a:spcPct val="50000"/>
+              </a:spcBef>
+              <a:spcAft>
+                <a:spcPct val="0"/>
+              </a:spcAft>
+              <a:defRPr sz="1600">
+                <a:solidFill>
+                  <a:srgbClr val="000000"/>
+                </a:solidFill>
+                <a:latin typeface="Arial" panose="020B0604020202020204" pitchFamily="34" charset="0"/>
+              </a:defRPr>
+            </a:lvl8pPr>
+            <a:lvl9pPr marL="3886200" indent="-228600" algn="ctr" eaLnBrk="0" fontAlgn="base" hangingPunct="0">
+              <a:spcBef>
+                <a:spcPct val="50000"/>
+              </a:spcBef>
+              <a:spcAft>
+                <a:spcPct val="0"/>
+              </a:spcAft>
+              <a:defRPr sz="1600">
+                <a:solidFill>
+                  <a:srgbClr val="000000"/>
+                </a:solidFill>
+                <a:latin typeface="Arial" panose="020B0604020202020204" pitchFamily="34" charset="0"/>
+              </a:defRPr>
+            </a:lvl9pPr>
+          </a:lstStyle>
+          <a:p>
+            <a:fld id="{F297EBF1-57A8-408D-AC0E-E8FFA8AF7080}" type="slidenum">
+              <a:rPr lang="en-US" altLang="en-US" sz="1200">
+                <a:solidFill>
+                  <a:schemeClr val="tx1"/>
+                </a:solidFill>
+              </a:rPr>
+              <a:pPr/>
+              <a:t>4</a:t>
+            </a:fld>
+            <a:endParaRPr lang="en-US" altLang="en-US" sz="1200">
+              <a:solidFill>
+                <a:schemeClr val="tx1"/>
+              </a:solidFill>
+            </a:endParaRPr>
+          </a:p>
+        </p:txBody>
+      </p:sp>
+      <p:sp>
+        <p:nvSpPr>
+          <p:cNvPr id="339971" name="Rectangle 2"/>
+          <p:cNvSpPr>
+            <a:spLocks noGrp="1" noRot="1" noChangeAspect="1" noChangeArrowheads="1" noTextEdit="1"/>
+          </p:cNvSpPr>
+          <p:nvPr>
+            <p:ph type="sldImg"/>
+          </p:nvPr>
+        </p:nvSpPr>
+        <p:spPr>
+          <a:xfrm>
+            <a:off x="1181100" y="695325"/>
+            <a:ext cx="4649788" cy="3486150"/>
+          </a:xfrm>
+          <a:ln/>
+        </p:spPr>
+      </p:sp>
+      <p:sp>
+        <p:nvSpPr>
+          <p:cNvPr id="339972" name="Rectangle 3"/>
+          <p:cNvSpPr>
+            <a:spLocks noGrp="1" noChangeArrowheads="1"/>
+          </p:cNvSpPr>
+          <p:nvPr>
+            <p:ph type="body" idx="1"/>
+          </p:nvPr>
+        </p:nvSpPr>
+        <p:spPr>
+          <a:xfrm>
+            <a:off x="704850" y="4416425"/>
+            <a:ext cx="5600700" cy="4184650"/>
+          </a:xfrm>
+          <a:noFill/>
+          <a:ln/>
+          <a:extLst>
+            <a:ext uri="{909E8E84-426E-40DD-AFC4-6F175D3DCCD1}">
+              <a14:hiddenFill xmlns:a14="http://schemas.microsoft.com/office/drawing/2010/main">
+                <a:solidFill>
+                  <a:srgbClr val="FFFFFF"/>
+                </a:solidFill>
+              </a14:hiddenFill>
+            </a:ext>
+            <a:ext uri="{91240B29-F687-4F45-9708-019B960494DF}">
+              <a14:hiddenLine xmlns:a14="http://schemas.microsoft.com/office/drawing/2010/main" w="9525">
+                <a:solidFill>
+                  <a:srgbClr val="000000"/>
+                </a:solidFill>
+                <a:miter lim="800000"/>
+                <a:headEnd/>
+                <a:tailEnd/>
+              </a14:hiddenLine>
+            </a:ext>
+          </a:extLst>
+        </p:spPr>
+        <p:txBody>
+          <a:bodyPr/>
+          <a:lstStyle/>
+          <a:p>
+            <a:pPr eaLnBrk="1" hangingPunct="1"/>
+            <a:endParaRPr lang="en-US" altLang="en-US"/>
+          </a:p>
+        </p:txBody>
+      </p:sp>
+    </p:spTree>
+    <p:extLst>
+      <p:ext uri="{BB962C8B-B14F-4D97-AF65-F5344CB8AC3E}">
+        <p14:creationId xmlns:p14="http://schemas.microsoft.com/office/powerpoint/2010/main" val="223908641"/>
+      </p:ext>
+    </p:extLst>
+  </p:cSld>
+  <p:clrMapOvr>
+    <a:masterClrMapping/>
+  </p:clrMapOvr>
+</p:notes>
+</file>
+
+<file path=ppt/notesSlides/notesSlide4.xml><?xml version="1.0" encoding="utf-8"?>
+<p:notes xmlns:a="http://schemas.openxmlformats.org/drawingml/2006/main" xmlns:r="http://schemas.openxmlformats.org/officeDocument/2006/relationships" xmlns:p="http://schemas.openxmlformats.org/presentationml/2006/main">
+  <p:cSld>
+    <p:spTree>
+      <p:nvGrpSpPr>
+        <p:cNvPr id="1" name=""/>
+        <p:cNvGrpSpPr/>
+        <p:nvPr/>
+      </p:nvGrpSpPr>
+      <p:grpSpPr>
+        <a:xfrm>
+          <a:off x="0" y="0"/>
+          <a:ext cx="0" cy="0"/>
+          <a:chOff x="0" y="0"/>
+          <a:chExt cx="0" cy="0"/>
+        </a:xfrm>
+      </p:grpSpPr>
+      <p:sp>
+        <p:nvSpPr>
+          <p:cNvPr id="340994" name="Rectangle 7"/>
+          <p:cNvSpPr>
+            <a:spLocks noGrp="1" noChangeArrowheads="1"/>
+          </p:cNvSpPr>
+          <p:nvPr>
+            <p:ph type="sldNum" sz="quarter" idx="5"/>
+          </p:nvPr>
+        </p:nvSpPr>
+        <p:spPr>
+          <a:noFill/>
+          <a:ln/>
+          <a:extLst>
+            <a:ext uri="{909E8E84-426E-40DD-AFC4-6F175D3DCCD1}">
+              <a14:hiddenFill xmlns:a14="http://schemas.microsoft.com/office/drawing/2010/main">
+                <a:solidFill>
+                  <a:srgbClr val="FFFFFF"/>
+                </a:solidFill>
+              </a14:hiddenFill>
+            </a:ext>
+            <a:ext uri="{91240B29-F687-4F45-9708-019B960494DF}">
+              <a14:hiddenLine xmlns:a14="http://schemas.microsoft.com/office/drawing/2010/main" w="9525">
+                <a:solidFill>
+                  <a:srgbClr val="000000"/>
+                </a:solidFill>
+                <a:miter lim="800000"/>
+                <a:headEnd/>
+                <a:tailEnd/>
+              </a14:hiddenLine>
+            </a:ext>
+          </a:extLst>
+        </p:spPr>
+        <p:txBody>
+          <a:bodyPr/>
+          <a:lstStyle>
+            <a:lvl1pPr>
+              <a:defRPr sz="1600">
+                <a:solidFill>
+                  <a:srgbClr val="000000"/>
+                </a:solidFill>
+                <a:latin typeface="Arial" panose="020B0604020202020204" pitchFamily="34" charset="0"/>
+              </a:defRPr>
+            </a:lvl1pPr>
+            <a:lvl2pPr marL="742950" indent="-285750">
+              <a:defRPr sz="1600">
+                <a:solidFill>
+                  <a:srgbClr val="000000"/>
+                </a:solidFill>
+                <a:latin typeface="Arial" panose="020B0604020202020204" pitchFamily="34" charset="0"/>
+              </a:defRPr>
+            </a:lvl2pPr>
+            <a:lvl3pPr marL="1143000" indent="-228600">
+              <a:defRPr sz="1600">
+                <a:solidFill>
+                  <a:srgbClr val="000000"/>
+                </a:solidFill>
+                <a:latin typeface="Arial" panose="020B0604020202020204" pitchFamily="34" charset="0"/>
+              </a:defRPr>
+            </a:lvl3pPr>
+            <a:lvl4pPr marL="1600200" indent="-228600">
+              <a:defRPr sz="1600">
+                <a:solidFill>
+                  <a:srgbClr val="000000"/>
+                </a:solidFill>
+                <a:latin typeface="Arial" panose="020B0604020202020204" pitchFamily="34" charset="0"/>
+              </a:defRPr>
+            </a:lvl4pPr>
+            <a:lvl5pPr marL="2057400" indent="-228600">
+              <a:defRPr sz="1600">
+                <a:solidFill>
+                  <a:srgbClr val="000000"/>
+                </a:solidFill>
+                <a:latin typeface="Arial" panose="020B0604020202020204" pitchFamily="34" charset="0"/>
+              </a:defRPr>
+            </a:lvl5pPr>
+            <a:lvl6pPr marL="2514600" indent="-228600" algn="ctr" eaLnBrk="0" fontAlgn="base" hangingPunct="0">
+              <a:spcBef>
+                <a:spcPct val="50000"/>
+              </a:spcBef>
+              <a:spcAft>
+                <a:spcPct val="0"/>
+              </a:spcAft>
+              <a:defRPr sz="1600">
+                <a:solidFill>
+                  <a:srgbClr val="000000"/>
+                </a:solidFill>
+                <a:latin typeface="Arial" panose="020B0604020202020204" pitchFamily="34" charset="0"/>
+              </a:defRPr>
+            </a:lvl6pPr>
+            <a:lvl7pPr marL="2971800" indent="-228600" algn="ctr" eaLnBrk="0" fontAlgn="base" hangingPunct="0">
+              <a:spcBef>
+                <a:spcPct val="50000"/>
+              </a:spcBef>
+              <a:spcAft>
+                <a:spcPct val="0"/>
+              </a:spcAft>
+              <a:defRPr sz="1600">
+                <a:solidFill>
+                  <a:srgbClr val="000000"/>
+                </a:solidFill>
+                <a:latin typeface="Arial" panose="020B0604020202020204" pitchFamily="34" charset="0"/>
+              </a:defRPr>
+            </a:lvl7pPr>
+            <a:lvl8pPr marL="3429000" indent="-228600" algn="ctr" eaLnBrk="0" fontAlgn="base" hangingPunct="0">
+              <a:spcBef>
+                <a:spcPct val="50000"/>
+              </a:spcBef>
+              <a:spcAft>
+                <a:spcPct val="0"/>
+              </a:spcAft>
+              <a:defRPr sz="1600">
+                <a:solidFill>
+                  <a:srgbClr val="000000"/>
+                </a:solidFill>
+                <a:latin typeface="Arial" panose="020B0604020202020204" pitchFamily="34" charset="0"/>
+              </a:defRPr>
+            </a:lvl8pPr>
+            <a:lvl9pPr marL="3886200" indent="-228600" algn="ctr" eaLnBrk="0" fontAlgn="base" hangingPunct="0">
+              <a:spcBef>
+                <a:spcPct val="50000"/>
+              </a:spcBef>
+              <a:spcAft>
+                <a:spcPct val="0"/>
+              </a:spcAft>
+              <a:defRPr sz="1600">
+                <a:solidFill>
+                  <a:srgbClr val="000000"/>
+                </a:solidFill>
+                <a:latin typeface="Arial" panose="020B0604020202020204" pitchFamily="34" charset="0"/>
+              </a:defRPr>
+            </a:lvl9pPr>
+          </a:lstStyle>
+          <a:p>
+            <a:fld id="{69EBBB17-52E3-4B48-BD0A-BD96A974E551}" type="slidenum">
+              <a:rPr lang="en-US" altLang="en-US" sz="1200">
+                <a:solidFill>
+                  <a:schemeClr val="tx1"/>
+                </a:solidFill>
+              </a:rPr>
+              <a:pPr/>
+              <a:t>6</a:t>
+            </a:fld>
+            <a:endParaRPr lang="en-US" altLang="en-US" sz="1200">
+              <a:solidFill>
+                <a:schemeClr val="tx1"/>
+              </a:solidFill>
+            </a:endParaRPr>
+          </a:p>
+        </p:txBody>
+      </p:sp>
+      <p:sp>
+        <p:nvSpPr>
+          <p:cNvPr id="340995" name="Rectangle 2"/>
+          <p:cNvSpPr>
+            <a:spLocks noGrp="1" noRot="1" noChangeAspect="1" noChangeArrowheads="1" noTextEdit="1"/>
+          </p:cNvSpPr>
+          <p:nvPr>
+            <p:ph type="sldImg"/>
+          </p:nvPr>
+        </p:nvSpPr>
+        <p:spPr>
+          <a:xfrm>
+            <a:off x="1181100" y="695325"/>
+            <a:ext cx="4649788" cy="3486150"/>
+          </a:xfrm>
+          <a:ln/>
+        </p:spPr>
+      </p:sp>
+      <p:sp>
+        <p:nvSpPr>
+          <p:cNvPr id="340996" name="Rectangle 3"/>
+          <p:cNvSpPr>
+            <a:spLocks noGrp="1" noChangeArrowheads="1"/>
+          </p:cNvSpPr>
+          <p:nvPr>
+            <p:ph type="body" idx="1"/>
+          </p:nvPr>
+        </p:nvSpPr>
+        <p:spPr>
+          <a:xfrm>
+            <a:off x="704850" y="4416425"/>
+            <a:ext cx="5600700" cy="4184650"/>
+          </a:xfrm>
+          <a:noFill/>
+          <a:ln/>
+          <a:extLst>
+            <a:ext uri="{909E8E84-426E-40DD-AFC4-6F175D3DCCD1}">
+              <a14:hiddenFill xmlns:a14="http://schemas.microsoft.com/office/drawing/2010/main">
+                <a:solidFill>
+                  <a:srgbClr val="FFFFFF"/>
+                </a:solidFill>
+              </a14:hiddenFill>
+            </a:ext>
+            <a:ext uri="{91240B29-F687-4F45-9708-019B960494DF}">
+              <a14:hiddenLine xmlns:a14="http://schemas.microsoft.com/office/drawing/2010/main" w="9525">
+                <a:solidFill>
+                  <a:srgbClr val="000000"/>
+                </a:solidFill>
+                <a:miter lim="800000"/>
+                <a:headEnd/>
+                <a:tailEnd/>
+              </a14:hiddenLine>
+            </a:ext>
+          </a:extLst>
+        </p:spPr>
+        <p:txBody>
+          <a:bodyPr/>
+          <a:lstStyle/>
+          <a:p>
+            <a:pPr eaLnBrk="1" hangingPunct="1"/>
+            <a:endParaRPr lang="en-US" altLang="en-US"/>
+          </a:p>
+        </p:txBody>
+      </p:sp>
+    </p:spTree>
+    <p:extLst>
+      <p:ext uri="{BB962C8B-B14F-4D97-AF65-F5344CB8AC3E}">
+        <p14:creationId xmlns:p14="http://schemas.microsoft.com/office/powerpoint/2010/main" val="3456950015"/>
+      </p:ext>
+    </p:extLst>
+  </p:cSld>
+  <p:clrMapOvr>
+    <a:masterClrMapping/>
+  </p:clrMapOvr>
+</p:notes>
+</file>
+
+<file path=ppt/notesSlides/notesSlide5.xml><?xml version="1.0" encoding="utf-8"?>
+<p:notes xmlns:a="http://schemas.openxmlformats.org/drawingml/2006/main" xmlns:r="http://schemas.openxmlformats.org/officeDocument/2006/relationships" xmlns:p="http://schemas.openxmlformats.org/presentationml/2006/main">
+  <p:cSld>
+    <p:spTree>
+      <p:nvGrpSpPr>
+        <p:cNvPr id="1" name=""/>
+        <p:cNvGrpSpPr/>
+        <p:nvPr/>
+      </p:nvGrpSpPr>
+      <p:grpSpPr>
+        <a:xfrm>
+          <a:off x="0" y="0"/>
+          <a:ext cx="0" cy="0"/>
+          <a:chOff x="0" y="0"/>
+          <a:chExt cx="0" cy="0"/>
+        </a:xfrm>
+      </p:grpSpPr>
+      <p:sp>
+        <p:nvSpPr>
+          <p:cNvPr id="342018" name="Rectangle 7"/>
+          <p:cNvSpPr>
+            <a:spLocks noGrp="1" noChangeArrowheads="1"/>
+          </p:cNvSpPr>
+          <p:nvPr>
+            <p:ph type="sldNum" sz="quarter" idx="5"/>
+          </p:nvPr>
+        </p:nvSpPr>
+        <p:spPr>
+          <a:noFill/>
+          <a:ln/>
+          <a:extLst>
+            <a:ext uri="{909E8E84-426E-40DD-AFC4-6F175D3DCCD1}">
+              <a14:hiddenFill xmlns:a14="http://schemas.microsoft.com/office/drawing/2010/main">
+                <a:solidFill>
+                  <a:srgbClr val="FFFFFF"/>
+                </a:solidFill>
+              </a14:hiddenFill>
+            </a:ext>
+            <a:ext uri="{91240B29-F687-4F45-9708-019B960494DF}">
+              <a14:hiddenLine xmlns:a14="http://schemas.microsoft.com/office/drawing/2010/main" w="9525">
+                <a:solidFill>
+                  <a:srgbClr val="000000"/>
+                </a:solidFill>
+                <a:miter lim="800000"/>
+                <a:headEnd/>
+                <a:tailEnd/>
+              </a14:hiddenLine>
+            </a:ext>
+          </a:extLst>
+        </p:spPr>
+        <p:txBody>
+          <a:bodyPr/>
+          <a:lstStyle>
+            <a:lvl1pPr>
+              <a:defRPr sz="1600">
+                <a:solidFill>
+                  <a:srgbClr val="000000"/>
+                </a:solidFill>
+                <a:latin typeface="Arial" panose="020B0604020202020204" pitchFamily="34" charset="0"/>
+              </a:defRPr>
+            </a:lvl1pPr>
+            <a:lvl2pPr marL="742950" indent="-285750">
+              <a:defRPr sz="1600">
+                <a:solidFill>
+                  <a:srgbClr val="000000"/>
+                </a:solidFill>
+                <a:latin typeface="Arial" panose="020B0604020202020204" pitchFamily="34" charset="0"/>
+              </a:defRPr>
+            </a:lvl2pPr>
+            <a:lvl3pPr marL="1143000" indent="-228600">
+              <a:defRPr sz="1600">
+                <a:solidFill>
+                  <a:srgbClr val="000000"/>
+                </a:solidFill>
+                <a:latin typeface="Arial" panose="020B0604020202020204" pitchFamily="34" charset="0"/>
+              </a:defRPr>
+            </a:lvl3pPr>
+            <a:lvl4pPr marL="1600200" indent="-228600">
+              <a:defRPr sz="1600">
+                <a:solidFill>
+                  <a:srgbClr val="000000"/>
+                </a:solidFill>
+                <a:latin typeface="Arial" panose="020B0604020202020204" pitchFamily="34" charset="0"/>
+              </a:defRPr>
+            </a:lvl4pPr>
+            <a:lvl5pPr marL="2057400" indent="-228600">
+              <a:defRPr sz="1600">
+                <a:solidFill>
+                  <a:srgbClr val="000000"/>
+                </a:solidFill>
+                <a:latin typeface="Arial" panose="020B0604020202020204" pitchFamily="34" charset="0"/>
+              </a:defRPr>
+            </a:lvl5pPr>
+            <a:lvl6pPr marL="2514600" indent="-228600" algn="ctr" eaLnBrk="0" fontAlgn="base" hangingPunct="0">
+              <a:spcBef>
+                <a:spcPct val="50000"/>
+              </a:spcBef>
+              <a:spcAft>
+                <a:spcPct val="0"/>
+              </a:spcAft>
+              <a:defRPr sz="1600">
+                <a:solidFill>
+                  <a:srgbClr val="000000"/>
+                </a:solidFill>
+                <a:latin typeface="Arial" panose="020B0604020202020204" pitchFamily="34" charset="0"/>
+              </a:defRPr>
+            </a:lvl6pPr>
+            <a:lvl7pPr marL="2971800" indent="-228600" algn="ctr" eaLnBrk="0" fontAlgn="base" hangingPunct="0">
+              <a:spcBef>
+                <a:spcPct val="50000"/>
+              </a:spcBef>
+              <a:spcAft>
+                <a:spcPct val="0"/>
+              </a:spcAft>
+              <a:defRPr sz="1600">
+                <a:solidFill>
+                  <a:srgbClr val="000000"/>
+                </a:solidFill>
+                <a:latin typeface="Arial" panose="020B0604020202020204" pitchFamily="34" charset="0"/>
+              </a:defRPr>
+            </a:lvl7pPr>
+            <a:lvl8pPr marL="3429000" indent="-228600" algn="ctr" eaLnBrk="0" fontAlgn="base" hangingPunct="0">
+              <a:spcBef>
+                <a:spcPct val="50000"/>
+              </a:spcBef>
+              <a:spcAft>
+                <a:spcPct val="0"/>
+              </a:spcAft>
+              <a:defRPr sz="1600">
+                <a:solidFill>
+                  <a:srgbClr val="000000"/>
+                </a:solidFill>
+                <a:latin typeface="Arial" panose="020B0604020202020204" pitchFamily="34" charset="0"/>
+              </a:defRPr>
+            </a:lvl8pPr>
+            <a:lvl9pPr marL="3886200" indent="-228600" algn="ctr" eaLnBrk="0" fontAlgn="base" hangingPunct="0">
+              <a:spcBef>
+                <a:spcPct val="50000"/>
+              </a:spcBef>
+              <a:spcAft>
+                <a:spcPct val="0"/>
+              </a:spcAft>
+              <a:defRPr sz="1600">
+                <a:solidFill>
+                  <a:srgbClr val="000000"/>
+                </a:solidFill>
+                <a:latin typeface="Arial" panose="020B0604020202020204" pitchFamily="34" charset="0"/>
+              </a:defRPr>
+            </a:lvl9pPr>
+          </a:lstStyle>
+          <a:p>
+            <a:fld id="{E9D26962-C937-4E4A-B2AE-9567FB2C1492}" type="slidenum">
+              <a:rPr lang="en-US" altLang="en-US" sz="1200">
+                <a:solidFill>
+                  <a:schemeClr val="tx1"/>
+                </a:solidFill>
+              </a:rPr>
+              <a:pPr/>
+              <a:t>7</a:t>
+            </a:fld>
+            <a:endParaRPr lang="en-US" altLang="en-US" sz="1200">
+              <a:solidFill>
+                <a:schemeClr val="tx1"/>
+              </a:solidFill>
+            </a:endParaRPr>
+          </a:p>
+        </p:txBody>
+      </p:sp>
+      <p:sp>
+        <p:nvSpPr>
+          <p:cNvPr id="342019" name="Rectangle 2"/>
+          <p:cNvSpPr>
+            <a:spLocks noGrp="1" noRot="1" noChangeAspect="1" noChangeArrowheads="1" noTextEdit="1"/>
+          </p:cNvSpPr>
+          <p:nvPr>
+            <p:ph type="sldImg"/>
+          </p:nvPr>
+        </p:nvSpPr>
+        <p:spPr>
+          <a:xfrm>
+            <a:off x="1181100" y="695325"/>
+            <a:ext cx="4649788" cy="3486150"/>
+          </a:xfrm>
+          <a:ln/>
+        </p:spPr>
+      </p:sp>
+      <p:sp>
+        <p:nvSpPr>
+          <p:cNvPr id="342020" name="Rectangle 3"/>
+          <p:cNvSpPr>
+            <a:spLocks noGrp="1" noChangeArrowheads="1"/>
+          </p:cNvSpPr>
+          <p:nvPr>
+            <p:ph type="body" idx="1"/>
+          </p:nvPr>
+        </p:nvSpPr>
+        <p:spPr>
+          <a:xfrm>
+            <a:off x="704850" y="4416425"/>
+            <a:ext cx="5600700" cy="4184650"/>
+          </a:xfrm>
+          <a:noFill/>
+          <a:ln/>
+          <a:extLst>
+            <a:ext uri="{909E8E84-426E-40DD-AFC4-6F175D3DCCD1}">
+              <a14:hiddenFill xmlns:a14="http://schemas.microsoft.com/office/drawing/2010/main">
+                <a:solidFill>
+                  <a:srgbClr val="FFFFFF"/>
+                </a:solidFill>
+              </a14:hiddenFill>
+            </a:ext>
+            <a:ext uri="{91240B29-F687-4F45-9708-019B960494DF}">
+              <a14:hiddenLine xmlns:a14="http://schemas.microsoft.com/office/drawing/2010/main" w="9525">
+                <a:solidFill>
+                  <a:srgbClr val="000000"/>
+                </a:solidFill>
+                <a:miter lim="800000"/>
+                <a:headEnd/>
+                <a:tailEnd/>
+              </a14:hiddenLine>
+            </a:ext>
+          </a:extLst>
+        </p:spPr>
+        <p:txBody>
+          <a:bodyPr/>
+          <a:lstStyle/>
+          <a:p>
+            <a:pPr eaLnBrk="1" hangingPunct="1"/>
+            <a:endParaRPr lang="en-US" altLang="en-US"/>
+          </a:p>
+        </p:txBody>
+      </p:sp>
+    </p:spTree>
+    <p:extLst>
+      <p:ext uri="{BB962C8B-B14F-4D97-AF65-F5344CB8AC3E}">
+        <p14:creationId xmlns:p14="http://schemas.microsoft.com/office/powerpoint/2010/main" val="3294449417"/>
+      </p:ext>
+    </p:extLst>
+  </p:cSld>
+  <p:clrMapOvr>
+    <a:masterClrMapping/>
+  </p:clrMapOvr>
+</p:notes>
+</file>
+
+<file path=ppt/notesSlides/notesSlide6.xml><?xml version="1.0" encoding="utf-8"?>
+<p:notes xmlns:a="http://schemas.openxmlformats.org/drawingml/2006/main" xmlns:r="http://schemas.openxmlformats.org/officeDocument/2006/relationships" xmlns:p="http://schemas.openxmlformats.org/presentationml/2006/main">
+  <p:cSld>
+    <p:spTree>
+      <p:nvGrpSpPr>
+        <p:cNvPr id="1" name=""/>
+        <p:cNvGrpSpPr/>
+        <p:nvPr/>
+      </p:nvGrpSpPr>
+      <p:grpSpPr>
+        <a:xfrm>
+          <a:off x="0" y="0"/>
+          <a:ext cx="0" cy="0"/>
+          <a:chOff x="0" y="0"/>
+          <a:chExt cx="0" cy="0"/>
+        </a:xfrm>
+      </p:grpSpPr>
+      <p:sp>
+        <p:nvSpPr>
+          <p:cNvPr id="343042" name="Rectangle 7"/>
+          <p:cNvSpPr>
+            <a:spLocks noGrp="1" noChangeArrowheads="1"/>
+          </p:cNvSpPr>
+          <p:nvPr>
+            <p:ph type="sldNum" sz="quarter" idx="5"/>
+          </p:nvPr>
+        </p:nvSpPr>
+        <p:spPr>
+          <a:noFill/>
+          <a:ln/>
+          <a:extLst>
+            <a:ext uri="{909E8E84-426E-40DD-AFC4-6F175D3DCCD1}">
+              <a14:hiddenFill xmlns:a14="http://schemas.microsoft.com/office/drawing/2010/main">
+                <a:solidFill>
+                  <a:srgbClr val="FFFFFF"/>
+                </a:solidFill>
+              </a14:hiddenFill>
+            </a:ext>
+            <a:ext uri="{91240B29-F687-4F45-9708-019B960494DF}">
+              <a14:hiddenLine xmlns:a14="http://schemas.microsoft.com/office/drawing/2010/main" w="9525">
+                <a:solidFill>
+                  <a:srgbClr val="000000"/>
+                </a:solidFill>
+                <a:miter lim="800000"/>
+                <a:headEnd/>
+                <a:tailEnd/>
+              </a14:hiddenLine>
+            </a:ext>
+          </a:extLst>
+        </p:spPr>
+        <p:txBody>
+          <a:bodyPr/>
+          <a:lstStyle>
+            <a:lvl1pPr>
+              <a:defRPr sz="1600">
+                <a:solidFill>
+                  <a:srgbClr val="000000"/>
+                </a:solidFill>
+                <a:latin typeface="Arial" panose="020B0604020202020204" pitchFamily="34" charset="0"/>
+              </a:defRPr>
+            </a:lvl1pPr>
+            <a:lvl2pPr marL="742950" indent="-285750">
+              <a:defRPr sz="1600">
+                <a:solidFill>
+                  <a:srgbClr val="000000"/>
+                </a:solidFill>
+                <a:latin typeface="Arial" panose="020B0604020202020204" pitchFamily="34" charset="0"/>
+              </a:defRPr>
+            </a:lvl2pPr>
+            <a:lvl3pPr marL="1143000" indent="-228600">
+              <a:defRPr sz="1600">
+                <a:solidFill>
+                  <a:srgbClr val="000000"/>
+                </a:solidFill>
+                <a:latin typeface="Arial" panose="020B0604020202020204" pitchFamily="34" charset="0"/>
+              </a:defRPr>
+            </a:lvl3pPr>
+            <a:lvl4pPr marL="1600200" indent="-228600">
+              <a:defRPr sz="1600">
+                <a:solidFill>
+                  <a:srgbClr val="000000"/>
+                </a:solidFill>
+                <a:latin typeface="Arial" panose="020B0604020202020204" pitchFamily="34" charset="0"/>
+              </a:defRPr>
+            </a:lvl4pPr>
+            <a:lvl5pPr marL="2057400" indent="-228600">
+              <a:defRPr sz="1600">
+                <a:solidFill>
+                  <a:srgbClr val="000000"/>
+                </a:solidFill>
+                <a:latin typeface="Arial" panose="020B0604020202020204" pitchFamily="34" charset="0"/>
+              </a:defRPr>
+            </a:lvl5pPr>
+            <a:lvl6pPr marL="2514600" indent="-228600" algn="ctr" eaLnBrk="0" fontAlgn="base" hangingPunct="0">
+              <a:spcBef>
+                <a:spcPct val="50000"/>
+              </a:spcBef>
+              <a:spcAft>
+                <a:spcPct val="0"/>
+              </a:spcAft>
+              <a:defRPr sz="1600">
+                <a:solidFill>
+                  <a:srgbClr val="000000"/>
+                </a:solidFill>
+                <a:latin typeface="Arial" panose="020B0604020202020204" pitchFamily="34" charset="0"/>
+              </a:defRPr>
+            </a:lvl6pPr>
+            <a:lvl7pPr marL="2971800" indent="-228600" algn="ctr" eaLnBrk="0" fontAlgn="base" hangingPunct="0">
+              <a:spcBef>
+                <a:spcPct val="50000"/>
+              </a:spcBef>
+              <a:spcAft>
+                <a:spcPct val="0"/>
+              </a:spcAft>
+              <a:defRPr sz="1600">
+                <a:solidFill>
+                  <a:srgbClr val="000000"/>
+                </a:solidFill>
+                <a:latin typeface="Arial" panose="020B0604020202020204" pitchFamily="34" charset="0"/>
+              </a:defRPr>
+            </a:lvl7pPr>
+            <a:lvl8pPr marL="3429000" indent="-228600" algn="ctr" eaLnBrk="0" fontAlgn="base" hangingPunct="0">
+              <a:spcBef>
+                <a:spcPct val="50000"/>
+              </a:spcBef>
+              <a:spcAft>
+                <a:spcPct val="0"/>
+              </a:spcAft>
+              <a:defRPr sz="1600">
+                <a:solidFill>
+                  <a:srgbClr val="000000"/>
+                </a:solidFill>
+                <a:latin typeface="Arial" panose="020B0604020202020204" pitchFamily="34" charset="0"/>
+              </a:defRPr>
+            </a:lvl8pPr>
+            <a:lvl9pPr marL="3886200" indent="-228600" algn="ctr" eaLnBrk="0" fontAlgn="base" hangingPunct="0">
+              <a:spcBef>
+                <a:spcPct val="50000"/>
+              </a:spcBef>
+              <a:spcAft>
+                <a:spcPct val="0"/>
+              </a:spcAft>
+              <a:defRPr sz="1600">
+                <a:solidFill>
+                  <a:srgbClr val="000000"/>
+                </a:solidFill>
+                <a:latin typeface="Arial" panose="020B0604020202020204" pitchFamily="34" charset="0"/>
+              </a:defRPr>
+            </a:lvl9pPr>
+          </a:lstStyle>
+          <a:p>
+            <a:fld id="{3BBE539E-9305-4442-8C4B-498F4F6DFB14}" type="slidenum">
+              <a:rPr lang="en-US" altLang="en-US" sz="1200">
+                <a:solidFill>
+                  <a:schemeClr val="tx1"/>
+                </a:solidFill>
+              </a:rPr>
+              <a:pPr/>
+              <a:t>8</a:t>
+            </a:fld>
+            <a:endParaRPr lang="en-US" altLang="en-US" sz="1200">
+              <a:solidFill>
+                <a:schemeClr val="tx1"/>
+              </a:solidFill>
+            </a:endParaRPr>
+          </a:p>
+        </p:txBody>
+      </p:sp>
+      <p:sp>
+        <p:nvSpPr>
+          <p:cNvPr id="343043" name="Rectangle 2"/>
+          <p:cNvSpPr>
+            <a:spLocks noGrp="1" noRot="1" noChangeAspect="1" noChangeArrowheads="1" noTextEdit="1"/>
+          </p:cNvSpPr>
+          <p:nvPr>
+            <p:ph type="sldImg"/>
+          </p:nvPr>
+        </p:nvSpPr>
+        <p:spPr>
+          <a:xfrm>
+            <a:off x="1184275" y="695325"/>
+            <a:ext cx="4648200" cy="3486150"/>
+          </a:xfrm>
+          <a:ln/>
+        </p:spPr>
+      </p:sp>
+      <p:sp>
+        <p:nvSpPr>
+          <p:cNvPr id="343044" name="Rectangle 3"/>
+          <p:cNvSpPr>
+            <a:spLocks noGrp="1" noChangeArrowheads="1"/>
+          </p:cNvSpPr>
+          <p:nvPr>
+            <p:ph type="body" idx="1"/>
+          </p:nvPr>
+        </p:nvSpPr>
+        <p:spPr>
+          <a:xfrm>
+            <a:off x="703263" y="4414838"/>
+            <a:ext cx="5603875" cy="4186237"/>
+          </a:xfrm>
+          <a:noFill/>
+          <a:ln/>
+          <a:extLst>
+            <a:ext uri="{909E8E84-426E-40DD-AFC4-6F175D3DCCD1}">
+              <a14:hiddenFill xmlns:a14="http://schemas.microsoft.com/office/drawing/2010/main">
+                <a:solidFill>
+                  <a:srgbClr val="FFFFFF"/>
+                </a:solidFill>
+              </a14:hiddenFill>
+            </a:ext>
+            <a:ext uri="{91240B29-F687-4F45-9708-019B960494DF}">
+              <a14:hiddenLine xmlns:a14="http://schemas.microsoft.com/office/drawing/2010/main" w="9525">
+                <a:solidFill>
+                  <a:srgbClr val="000000"/>
+                </a:solidFill>
+                <a:miter lim="800000"/>
+                <a:headEnd/>
+                <a:tailEnd/>
+              </a14:hiddenLine>
+            </a:ext>
+          </a:extLst>
+        </p:spPr>
+        <p:txBody>
+          <a:bodyPr/>
+          <a:lstStyle/>
+          <a:p>
+            <a:pPr eaLnBrk="1" hangingPunct="1"/>
+            <a:endParaRPr lang="en-US" altLang="en-US"/>
+          </a:p>
+        </p:txBody>
+      </p:sp>
+    </p:spTree>
+    <p:extLst>
+      <p:ext uri="{BB962C8B-B14F-4D97-AF65-F5344CB8AC3E}">
+        <p14:creationId xmlns:p14="http://schemas.microsoft.com/office/powerpoint/2010/main" val="4264823099"/>
       </p:ext>
     </p:extLst>
   </p:cSld>
@@ -4088,6 +5081,1088 @@
 </p:sld>
 </file>
 
+<file path=ppt/slides/slide10.xml><?xml version="1.0" encoding="utf-8"?>
+<p:sld xmlns:a="http://schemas.openxmlformats.org/drawingml/2006/main" xmlns:r="http://schemas.openxmlformats.org/officeDocument/2006/relationships" xmlns:p="http://schemas.openxmlformats.org/presentationml/2006/main">
+  <p:cSld>
+    <p:spTree>
+      <p:nvGrpSpPr>
+        <p:cNvPr id="1" name=""/>
+        <p:cNvGrpSpPr/>
+        <p:nvPr/>
+      </p:nvGrpSpPr>
+      <p:grpSpPr>
+        <a:xfrm>
+          <a:off x="0" y="0"/>
+          <a:ext cx="0" cy="0"/>
+          <a:chOff x="0" y="0"/>
+          <a:chExt cx="0" cy="0"/>
+        </a:xfrm>
+      </p:grpSpPr>
+      <p:sp>
+        <p:nvSpPr>
+          <p:cNvPr id="4" name="Title 3"/>
+          <p:cNvSpPr>
+            <a:spLocks noGrp="1"/>
+          </p:cNvSpPr>
+          <p:nvPr>
+            <p:ph type="title"/>
+          </p:nvPr>
+        </p:nvSpPr>
+        <p:spPr/>
+        <p:txBody>
+          <a:bodyPr/>
+          <a:lstStyle/>
+          <a:p>
+            <a:r>
+              <a:rPr lang="en-US" dirty="0"/>
+              <a:t>Generator Properties</a:t>
+            </a:r>
+          </a:p>
+        </p:txBody>
+      </p:sp>
+      <p:pic>
+        <p:nvPicPr>
+          <p:cNvPr id="5" name="Picture 4"/>
+          <p:cNvPicPr>
+            <a:picLocks noChangeAspect="1"/>
+          </p:cNvPicPr>
+          <p:nvPr/>
+        </p:nvPicPr>
+        <p:blipFill>
+          <a:blip r:embed="rId2"/>
+          <a:stretch>
+            <a:fillRect/>
+          </a:stretch>
+        </p:blipFill>
+        <p:spPr>
+          <a:xfrm>
+            <a:off x="511155" y="1200993"/>
+            <a:ext cx="2232045" cy="5026003"/>
+          </a:xfrm>
+          <a:prstGeom prst="rect">
+            <a:avLst/>
+          </a:prstGeom>
+        </p:spPr>
+      </p:pic>
+      <p:pic>
+        <p:nvPicPr>
+          <p:cNvPr id="6" name="Picture 5"/>
+          <p:cNvPicPr>
+            <a:picLocks noChangeAspect="1"/>
+          </p:cNvPicPr>
+          <p:nvPr/>
+        </p:nvPicPr>
+        <p:blipFill>
+          <a:blip r:embed="rId3"/>
+          <a:stretch>
+            <a:fillRect/>
+          </a:stretch>
+        </p:blipFill>
+        <p:spPr>
+          <a:xfrm>
+            <a:off x="3862387" y="1051916"/>
+            <a:ext cx="2202747" cy="5322074"/>
+          </a:xfrm>
+          <a:prstGeom prst="rect">
+            <a:avLst/>
+          </a:prstGeom>
+        </p:spPr>
+      </p:pic>
+    </p:spTree>
+    <p:extLst>
+      <p:ext uri="{BB962C8B-B14F-4D97-AF65-F5344CB8AC3E}">
+        <p14:creationId xmlns:p14="http://schemas.microsoft.com/office/powerpoint/2010/main" val="1964766979"/>
+      </p:ext>
+    </p:extLst>
+  </p:cSld>
+  <p:clrMapOvr>
+    <a:masterClrMapping/>
+  </p:clrMapOvr>
+</p:sld>
+</file>
+
+<file path=ppt/slides/slide11.xml><?xml version="1.0" encoding="utf-8"?>
+<p:sld xmlns:a="http://schemas.openxmlformats.org/drawingml/2006/main" xmlns:r="http://schemas.openxmlformats.org/officeDocument/2006/relationships" xmlns:p="http://schemas.openxmlformats.org/presentationml/2006/main">
+  <p:cSld>
+    <p:spTree>
+      <p:nvGrpSpPr>
+        <p:cNvPr id="1" name=""/>
+        <p:cNvGrpSpPr/>
+        <p:nvPr/>
+      </p:nvGrpSpPr>
+      <p:grpSpPr>
+        <a:xfrm>
+          <a:off x="0" y="0"/>
+          <a:ext cx="0" cy="0"/>
+          <a:chOff x="0" y="0"/>
+          <a:chExt cx="0" cy="0"/>
+        </a:xfrm>
+      </p:grpSpPr>
+      <p:sp>
+        <p:nvSpPr>
+          <p:cNvPr id="3" name="Title 2"/>
+          <p:cNvSpPr>
+            <a:spLocks noGrp="1"/>
+          </p:cNvSpPr>
+          <p:nvPr>
+            <p:ph type="title"/>
+          </p:nvPr>
+        </p:nvSpPr>
+        <p:spPr/>
+        <p:txBody>
+          <a:bodyPr/>
+          <a:lstStyle/>
+          <a:p>
+            <a:r>
+              <a:rPr lang="en-US" dirty="0"/>
+              <a:t>Generator in Dynamics Mode</a:t>
+            </a:r>
+          </a:p>
+        </p:txBody>
+      </p:sp>
+      <p:sp>
+        <p:nvSpPr>
+          <p:cNvPr id="4" name="Text Placeholder 3"/>
+          <p:cNvSpPr>
+            <a:spLocks noGrp="1"/>
+          </p:cNvSpPr>
+          <p:nvPr>
+            <p:ph type="body" idx="1"/>
+          </p:nvPr>
+        </p:nvSpPr>
+        <p:spPr/>
+        <p:txBody>
+          <a:bodyPr/>
+          <a:lstStyle/>
+          <a:p>
+            <a:endParaRPr lang="en-US"/>
+          </a:p>
+        </p:txBody>
+      </p:sp>
+    </p:spTree>
+    <p:extLst>
+      <p:ext uri="{BB962C8B-B14F-4D97-AF65-F5344CB8AC3E}">
+        <p14:creationId xmlns:p14="http://schemas.microsoft.com/office/powerpoint/2010/main" val="760913918"/>
+      </p:ext>
+    </p:extLst>
+  </p:cSld>
+  <p:clrMapOvr>
+    <a:masterClrMapping/>
+  </p:clrMapOvr>
+</p:sld>
+</file>
+
+<file path=ppt/slides/slide12.xml><?xml version="1.0" encoding="utf-8"?>
+<p:sld xmlns:a="http://schemas.openxmlformats.org/drawingml/2006/main" xmlns:r="http://schemas.openxmlformats.org/officeDocument/2006/relationships" xmlns:p="http://schemas.openxmlformats.org/presentationml/2006/main">
+  <p:cSld>
+    <p:spTree>
+      <p:nvGrpSpPr>
+        <p:cNvPr id="1" name=""/>
+        <p:cNvGrpSpPr/>
+        <p:nvPr/>
+      </p:nvGrpSpPr>
+      <p:grpSpPr>
+        <a:xfrm>
+          <a:off x="0" y="0"/>
+          <a:ext cx="0" cy="0"/>
+          <a:chOff x="0" y="0"/>
+          <a:chExt cx="0" cy="0"/>
+        </a:xfrm>
+      </p:grpSpPr>
+      <p:sp>
+        <p:nvSpPr>
+          <p:cNvPr id="4" name="Title 3"/>
+          <p:cNvSpPr>
+            <a:spLocks noGrp="1"/>
+          </p:cNvSpPr>
+          <p:nvPr>
+            <p:ph type="title"/>
+          </p:nvPr>
+        </p:nvSpPr>
+        <p:spPr/>
+        <p:txBody>
+          <a:bodyPr>
+            <a:normAutofit fontScale="90000"/>
+          </a:bodyPr>
+          <a:lstStyle/>
+          <a:p>
+            <a:r>
+              <a:rPr lang="en-US" dirty="0"/>
+              <a:t>Dynamics Mode performs a basic Predictor-Corrector integration of state variables</a:t>
+            </a:r>
+          </a:p>
+        </p:txBody>
+      </p:sp>
+      <p:sp>
+        <p:nvSpPr>
+          <p:cNvPr id="5" name="Content Placeholder 4"/>
+          <p:cNvSpPr>
+            <a:spLocks noGrp="1"/>
+          </p:cNvSpPr>
+          <p:nvPr>
+            <p:ph idx="1"/>
+          </p:nvPr>
+        </p:nvSpPr>
+        <p:spPr>
+          <a:xfrm>
+            <a:off x="274320" y="1250066"/>
+            <a:ext cx="8595360" cy="5150733"/>
+          </a:xfrm>
+        </p:spPr>
+        <p:txBody>
+          <a:bodyPr>
+            <a:normAutofit fontScale="77500" lnSpcReduction="20000"/>
+          </a:bodyPr>
+          <a:lstStyle/>
+          <a:p>
+            <a:r>
+              <a:rPr lang="en-US" dirty="0"/>
+              <a:t>The following three steps are performed for both the predictor and corrector steps:</a:t>
+            </a:r>
+          </a:p>
+          <a:p>
+            <a:pPr lvl="1"/>
+            <a:r>
+              <a:rPr lang="en-US" dirty="0"/>
+              <a:t>Compute derivatives for this time step</a:t>
+            </a:r>
+          </a:p>
+          <a:p>
+            <a:pPr lvl="1"/>
+            <a:r>
+              <a:rPr lang="en-US" dirty="0"/>
+              <a:t>Integrate state variables</a:t>
+            </a:r>
+          </a:p>
+          <a:p>
+            <a:pPr lvl="1"/>
+            <a:r>
+              <a:rPr lang="en-US" dirty="0"/>
+              <a:t>Solve the circuit with this guess</a:t>
+            </a:r>
+          </a:p>
+          <a:p>
+            <a:r>
+              <a:rPr lang="en-US" dirty="0"/>
+              <a:t>The Code:</a:t>
+            </a:r>
+          </a:p>
+          <a:p>
+            <a:pPr marL="0" indent="0">
+              <a:buNone/>
+            </a:pPr>
+            <a:r>
+              <a:rPr lang="en-US" dirty="0"/>
+              <a:t>         </a:t>
+            </a:r>
+            <a:r>
+              <a:rPr lang="en-US" dirty="0" err="1"/>
+              <a:t>Increment_time</a:t>
+            </a:r>
+            <a:r>
+              <a:rPr lang="en-US" dirty="0"/>
+              <a:t>;</a:t>
+            </a:r>
+          </a:p>
+          <a:p>
+            <a:pPr marL="0" indent="0">
+              <a:buNone/>
+            </a:pPr>
+            <a:r>
+              <a:rPr lang="en-US" dirty="0"/>
+              <a:t> </a:t>
+            </a:r>
+          </a:p>
+          <a:p>
+            <a:pPr marL="0" indent="0">
+              <a:buNone/>
+            </a:pPr>
+            <a:r>
+              <a:rPr lang="en-US" b="1" dirty="0"/>
+              <a:t>       {Predictor}</a:t>
+            </a:r>
+            <a:endParaRPr lang="en-US" dirty="0"/>
+          </a:p>
+          <a:p>
+            <a:pPr marL="0" indent="0">
+              <a:buNone/>
+            </a:pPr>
+            <a:r>
+              <a:rPr lang="en-US" dirty="0"/>
+              <a:t>          </a:t>
+            </a:r>
+            <a:r>
+              <a:rPr lang="en-US" dirty="0" err="1"/>
+              <a:t>IterationFlag</a:t>
+            </a:r>
+            <a:r>
+              <a:rPr lang="en-US" dirty="0"/>
+              <a:t> := 0;</a:t>
+            </a:r>
+          </a:p>
+          <a:p>
+            <a:pPr marL="0" indent="0">
+              <a:buNone/>
+            </a:pPr>
+            <a:r>
+              <a:rPr lang="en-US" dirty="0"/>
+              <a:t>          </a:t>
+            </a:r>
+            <a:r>
+              <a:rPr lang="en-US" dirty="0" err="1"/>
+              <a:t>IntegratePCStates</a:t>
+            </a:r>
+            <a:r>
+              <a:rPr lang="en-US" dirty="0"/>
+              <a:t>;  </a:t>
+            </a:r>
+          </a:p>
+          <a:p>
+            <a:pPr marL="0" indent="0">
+              <a:buNone/>
+            </a:pPr>
+            <a:r>
+              <a:rPr lang="en-US" dirty="0"/>
+              <a:t>          </a:t>
+            </a:r>
+            <a:r>
+              <a:rPr lang="en-US" dirty="0" err="1"/>
+              <a:t>SolveSnap</a:t>
+            </a:r>
+            <a:r>
+              <a:rPr lang="en-US" dirty="0"/>
+              <a:t>;</a:t>
+            </a:r>
+          </a:p>
+          <a:p>
+            <a:pPr marL="0" indent="0">
+              <a:buNone/>
+            </a:pPr>
+            <a:r>
+              <a:rPr lang="en-US" dirty="0"/>
+              <a:t> </a:t>
+            </a:r>
+          </a:p>
+          <a:p>
+            <a:pPr marL="0" indent="0">
+              <a:buNone/>
+            </a:pPr>
+            <a:r>
+              <a:rPr lang="en-US" b="1" dirty="0"/>
+              <a:t>       {Corrector}</a:t>
+            </a:r>
+            <a:endParaRPr lang="en-US" dirty="0"/>
+          </a:p>
+          <a:p>
+            <a:pPr marL="0" indent="0">
+              <a:buNone/>
+            </a:pPr>
+            <a:r>
+              <a:rPr lang="en-US" dirty="0"/>
+              <a:t>          </a:t>
+            </a:r>
+            <a:r>
+              <a:rPr lang="en-US" dirty="0" err="1"/>
+              <a:t>IterationFlag</a:t>
+            </a:r>
+            <a:r>
+              <a:rPr lang="en-US" dirty="0"/>
+              <a:t> := 1;</a:t>
+            </a:r>
+          </a:p>
+          <a:p>
+            <a:pPr marL="0" indent="0">
+              <a:buNone/>
+            </a:pPr>
+            <a:r>
+              <a:rPr lang="en-US" dirty="0"/>
+              <a:t>          </a:t>
+            </a:r>
+            <a:r>
+              <a:rPr lang="en-US" dirty="0" err="1"/>
+              <a:t>IntegratePCStates</a:t>
+            </a:r>
+            <a:r>
+              <a:rPr lang="en-US" dirty="0"/>
+              <a:t>;</a:t>
+            </a:r>
+          </a:p>
+          <a:p>
+            <a:pPr marL="0" indent="0">
+              <a:buNone/>
+            </a:pPr>
+            <a:r>
+              <a:rPr lang="en-US" dirty="0"/>
+              <a:t>          </a:t>
+            </a:r>
+            <a:r>
+              <a:rPr lang="en-US" dirty="0" err="1"/>
+              <a:t>SolveSnap</a:t>
+            </a:r>
+            <a:r>
+              <a:rPr lang="en-US" dirty="0"/>
+              <a:t>;</a:t>
+            </a:r>
+          </a:p>
+          <a:p>
+            <a:endParaRPr lang="en-US" dirty="0"/>
+          </a:p>
+        </p:txBody>
+      </p:sp>
+    </p:spTree>
+    <p:extLst>
+      <p:ext uri="{BB962C8B-B14F-4D97-AF65-F5344CB8AC3E}">
+        <p14:creationId xmlns:p14="http://schemas.microsoft.com/office/powerpoint/2010/main" val="2728774062"/>
+      </p:ext>
+    </p:extLst>
+  </p:cSld>
+  <p:clrMapOvr>
+    <a:masterClrMapping/>
+  </p:clrMapOvr>
+</p:sld>
+</file>
+
+<file path=ppt/slides/slide13.xml><?xml version="1.0" encoding="utf-8"?>
+<p:sld xmlns:a="http://schemas.openxmlformats.org/drawingml/2006/main" xmlns:r="http://schemas.openxmlformats.org/officeDocument/2006/relationships" xmlns:p="http://schemas.openxmlformats.org/presentationml/2006/main">
+  <p:cSld>
+    <p:spTree>
+      <p:nvGrpSpPr>
+        <p:cNvPr id="1" name=""/>
+        <p:cNvGrpSpPr/>
+        <p:nvPr/>
+      </p:nvGrpSpPr>
+      <p:grpSpPr>
+        <a:xfrm>
+          <a:off x="0" y="0"/>
+          <a:ext cx="0" cy="0"/>
+          <a:chOff x="0" y="0"/>
+          <a:chExt cx="0" cy="0"/>
+        </a:xfrm>
+      </p:grpSpPr>
+      <p:sp>
+        <p:nvSpPr>
+          <p:cNvPr id="2" name="Title 1"/>
+          <p:cNvSpPr>
+            <a:spLocks noGrp="1"/>
+          </p:cNvSpPr>
+          <p:nvPr>
+            <p:ph type="title"/>
+          </p:nvPr>
+        </p:nvSpPr>
+        <p:spPr/>
+        <p:txBody>
+          <a:bodyPr/>
+          <a:lstStyle/>
+          <a:p>
+            <a:r>
+              <a:rPr lang="en-US" dirty="0"/>
+              <a:t>Dynamics Model</a:t>
+            </a:r>
+          </a:p>
+        </p:txBody>
+      </p:sp>
+      <p:pic>
+        <p:nvPicPr>
+          <p:cNvPr id="4" name="Content Placeholder 3"/>
+          <p:cNvPicPr>
+            <a:picLocks noGrp="1" noChangeAspect="1"/>
+          </p:cNvPicPr>
+          <p:nvPr>
+            <p:ph idx="1"/>
+          </p:nvPr>
+        </p:nvPicPr>
+        <p:blipFill>
+          <a:blip r:embed="rId2">
+            <a:extLst>
+              <a:ext uri="{28A0092B-C50C-407E-A947-70E740481C1C}">
+                <a14:useLocalDpi xmlns:a14="http://schemas.microsoft.com/office/drawing/2010/main" val="0"/>
+              </a:ext>
+            </a:extLst>
+          </a:blip>
+          <a:stretch>
+            <a:fillRect/>
+          </a:stretch>
+        </p:blipFill>
+        <p:spPr>
+          <a:xfrm>
+            <a:off x="1062113" y="1632030"/>
+            <a:ext cx="6868789" cy="4236335"/>
+          </a:xfrm>
+        </p:spPr>
+      </p:pic>
+    </p:spTree>
+    <p:extLst>
+      <p:ext uri="{BB962C8B-B14F-4D97-AF65-F5344CB8AC3E}">
+        <p14:creationId xmlns:p14="http://schemas.microsoft.com/office/powerpoint/2010/main" val="415325081"/>
+      </p:ext>
+    </p:extLst>
+  </p:cSld>
+  <p:clrMapOvr>
+    <a:masterClrMapping/>
+  </p:clrMapOvr>
+</p:sld>
+</file>
+
+<file path=ppt/slides/slide14.xml><?xml version="1.0" encoding="utf-8"?>
+<p:sld xmlns:a="http://schemas.openxmlformats.org/drawingml/2006/main" xmlns:r="http://schemas.openxmlformats.org/officeDocument/2006/relationships" xmlns:p="http://schemas.openxmlformats.org/presentationml/2006/main">
+  <p:cSld>
+    <p:spTree>
+      <p:nvGrpSpPr>
+        <p:cNvPr id="1" name=""/>
+        <p:cNvGrpSpPr/>
+        <p:nvPr/>
+      </p:nvGrpSpPr>
+      <p:grpSpPr>
+        <a:xfrm>
+          <a:off x="0" y="0"/>
+          <a:ext cx="0" cy="0"/>
+          <a:chOff x="0" y="0"/>
+          <a:chExt cx="0" cy="0"/>
+        </a:xfrm>
+      </p:grpSpPr>
+      <p:sp>
+        <p:nvSpPr>
+          <p:cNvPr id="4" name="Title 3"/>
+          <p:cNvSpPr>
+            <a:spLocks noGrp="1"/>
+          </p:cNvSpPr>
+          <p:nvPr>
+            <p:ph type="title"/>
+          </p:nvPr>
+        </p:nvSpPr>
+        <p:spPr/>
+        <p:txBody>
+          <a:bodyPr/>
+          <a:lstStyle/>
+          <a:p>
+            <a:r>
+              <a:rPr lang="en-US" dirty="0"/>
+              <a:t>Swing Equation in Default Generator Model</a:t>
+            </a:r>
+          </a:p>
+        </p:txBody>
+      </p:sp>
+      <p:pic>
+        <p:nvPicPr>
+          <p:cNvPr id="5" name="Picture 4"/>
+          <p:cNvPicPr>
+            <a:picLocks noChangeAspect="1"/>
+          </p:cNvPicPr>
+          <p:nvPr/>
+        </p:nvPicPr>
+        <p:blipFill>
+          <a:blip r:embed="rId2"/>
+          <a:stretch>
+            <a:fillRect/>
+          </a:stretch>
+        </p:blipFill>
+        <p:spPr>
+          <a:xfrm>
+            <a:off x="1433452" y="1343266"/>
+            <a:ext cx="6115050" cy="4819650"/>
+          </a:xfrm>
+          <a:prstGeom prst="rect">
+            <a:avLst/>
+          </a:prstGeom>
+        </p:spPr>
+      </p:pic>
+    </p:spTree>
+    <p:extLst>
+      <p:ext uri="{BB962C8B-B14F-4D97-AF65-F5344CB8AC3E}">
+        <p14:creationId xmlns:p14="http://schemas.microsoft.com/office/powerpoint/2010/main" val="1186332420"/>
+      </p:ext>
+    </p:extLst>
+  </p:cSld>
+  <p:clrMapOvr>
+    <a:masterClrMapping/>
+  </p:clrMapOvr>
+</p:sld>
+</file>
+
+<file path=ppt/slides/slide15.xml><?xml version="1.0" encoding="utf-8"?>
+<p:sld xmlns:a="http://schemas.openxmlformats.org/drawingml/2006/main" xmlns:r="http://schemas.openxmlformats.org/officeDocument/2006/relationships" xmlns:p="http://schemas.openxmlformats.org/presentationml/2006/main">
+  <p:cSld>
+    <p:spTree>
+      <p:nvGrpSpPr>
+        <p:cNvPr id="1" name=""/>
+        <p:cNvGrpSpPr/>
+        <p:nvPr/>
+      </p:nvGrpSpPr>
+      <p:grpSpPr>
+        <a:xfrm>
+          <a:off x="0" y="0"/>
+          <a:ext cx="0" cy="0"/>
+          <a:chOff x="0" y="0"/>
+          <a:chExt cx="0" cy="0"/>
+        </a:xfrm>
+      </p:grpSpPr>
+      <p:sp>
+        <p:nvSpPr>
+          <p:cNvPr id="3" name="Title 2"/>
+          <p:cNvSpPr>
+            <a:spLocks noGrp="1"/>
+          </p:cNvSpPr>
+          <p:nvPr>
+            <p:ph type="title"/>
+          </p:nvPr>
+        </p:nvSpPr>
+        <p:spPr/>
+        <p:txBody>
+          <a:bodyPr/>
+          <a:lstStyle/>
+          <a:p>
+            <a:r>
+              <a:rPr lang="en-US" dirty="0"/>
+              <a:t>There are No Exciter or Governor Models Built in</a:t>
+            </a:r>
+          </a:p>
+        </p:txBody>
+      </p:sp>
+      <p:sp>
+        <p:nvSpPr>
+          <p:cNvPr id="4" name="Content Placeholder 3"/>
+          <p:cNvSpPr>
+            <a:spLocks noGrp="1"/>
+          </p:cNvSpPr>
+          <p:nvPr>
+            <p:ph idx="1"/>
+          </p:nvPr>
+        </p:nvSpPr>
+        <p:spPr/>
+        <p:txBody>
+          <a:bodyPr/>
+          <a:lstStyle/>
+          <a:p>
+            <a:r>
+              <a:rPr lang="en-US" dirty="0"/>
+              <a:t>Shaft power and </a:t>
+            </a:r>
+            <a:r>
+              <a:rPr lang="en-US" dirty="0" err="1"/>
+              <a:t>Thevenin</a:t>
+            </a:r>
+            <a:r>
+              <a:rPr lang="en-US" dirty="0"/>
+              <a:t> voltage do not change for default usage</a:t>
+            </a:r>
+          </a:p>
+          <a:p>
+            <a:endParaRPr lang="en-US" dirty="0"/>
+          </a:p>
+          <a:p>
+            <a:r>
+              <a:rPr lang="en-US" dirty="0"/>
+              <a:t>User must provide a user-written DLL, either:</a:t>
+            </a:r>
+          </a:p>
+          <a:p>
+            <a:pPr lvl="1"/>
+            <a:r>
+              <a:rPr lang="en-US" dirty="0"/>
+              <a:t>“</a:t>
+            </a:r>
+            <a:r>
+              <a:rPr lang="en-US" dirty="0" err="1"/>
+              <a:t>UserModel</a:t>
+            </a:r>
+            <a:r>
+              <a:rPr lang="en-US" dirty="0"/>
+              <a:t>” for exciter and governor models</a:t>
+            </a:r>
+          </a:p>
+          <a:p>
+            <a:pPr lvl="1"/>
+            <a:r>
+              <a:rPr lang="en-US" dirty="0"/>
+              <a:t>“</a:t>
+            </a:r>
+            <a:r>
+              <a:rPr lang="en-US" dirty="0" err="1"/>
+              <a:t>ShaftModel</a:t>
+            </a:r>
+            <a:r>
+              <a:rPr lang="en-US" dirty="0"/>
+              <a:t>” for advances shaft dynamics</a:t>
+            </a:r>
+          </a:p>
+          <a:p>
+            <a:pPr lvl="1"/>
+            <a:endParaRPr lang="en-US" dirty="0"/>
+          </a:p>
+          <a:p>
+            <a:r>
+              <a:rPr lang="en-US" dirty="0"/>
+              <a:t>Note: You may need to set the “</a:t>
+            </a:r>
+            <a:r>
+              <a:rPr lang="en-US" dirty="0" err="1"/>
+              <a:t>XRdp</a:t>
+            </a:r>
+            <a:r>
+              <a:rPr lang="en-US" dirty="0"/>
+              <a:t>” property for Generator to match short circuit calculations by other programs.</a:t>
+            </a:r>
+          </a:p>
+          <a:p>
+            <a:pPr lvl="1"/>
+            <a:endParaRPr lang="en-US" dirty="0"/>
+          </a:p>
+          <a:p>
+            <a:pPr lvl="1"/>
+            <a:endParaRPr lang="en-US" dirty="0"/>
+          </a:p>
+        </p:txBody>
+      </p:sp>
+    </p:spTree>
+    <p:extLst>
+      <p:ext uri="{BB962C8B-B14F-4D97-AF65-F5344CB8AC3E}">
+        <p14:creationId xmlns:p14="http://schemas.microsoft.com/office/powerpoint/2010/main" val="932080560"/>
+      </p:ext>
+    </p:extLst>
+  </p:cSld>
+  <p:clrMapOvr>
+    <a:masterClrMapping/>
+  </p:clrMapOvr>
+</p:sld>
+</file>
+
+<file path=ppt/slides/slide16.xml><?xml version="1.0" encoding="utf-8"?>
+<p:sld xmlns:a="http://schemas.openxmlformats.org/drawingml/2006/main" xmlns:r="http://schemas.openxmlformats.org/officeDocument/2006/relationships" xmlns:p="http://schemas.openxmlformats.org/presentationml/2006/main">
+  <p:cSld>
+    <p:spTree>
+      <p:nvGrpSpPr>
+        <p:cNvPr id="1" name=""/>
+        <p:cNvGrpSpPr/>
+        <p:nvPr/>
+      </p:nvGrpSpPr>
+      <p:grpSpPr>
+        <a:xfrm>
+          <a:off x="0" y="0"/>
+          <a:ext cx="0" cy="0"/>
+          <a:chOff x="0" y="0"/>
+          <a:chExt cx="0" cy="0"/>
+        </a:xfrm>
+      </p:grpSpPr>
+      <p:sp>
+        <p:nvSpPr>
+          <p:cNvPr id="2" name="Title 1"/>
+          <p:cNvSpPr>
+            <a:spLocks noGrp="1"/>
+          </p:cNvSpPr>
+          <p:nvPr>
+            <p:ph type="title"/>
+          </p:nvPr>
+        </p:nvSpPr>
+        <p:spPr/>
+        <p:txBody>
+          <a:bodyPr/>
+          <a:lstStyle/>
+          <a:p>
+            <a:r>
+              <a:rPr lang="en-US" dirty="0"/>
+              <a:t>Example with </a:t>
+            </a:r>
+            <a:r>
+              <a:rPr lang="en-US" dirty="0" err="1"/>
+              <a:t>UserModel</a:t>
+            </a:r>
+            <a:endParaRPr lang="en-US" dirty="0"/>
+          </a:p>
+        </p:txBody>
+      </p:sp>
+      <p:sp>
+        <p:nvSpPr>
+          <p:cNvPr id="3" name="Content Placeholder 2"/>
+          <p:cNvSpPr>
+            <a:spLocks noGrp="1"/>
+          </p:cNvSpPr>
+          <p:nvPr>
+            <p:ph idx="1"/>
+          </p:nvPr>
+        </p:nvSpPr>
+        <p:spPr/>
+        <p:txBody>
+          <a:bodyPr/>
+          <a:lstStyle/>
+          <a:p>
+            <a:pPr marL="0" indent="0">
+              <a:buNone/>
+            </a:pPr>
+            <a:r>
+              <a:rPr lang="en-US" sz="1800" b="1" dirty="0">
+                <a:latin typeface="Courier New" panose="02070309020205020404" pitchFamily="49" charset="0"/>
+                <a:cs typeface="Courier New" panose="02070309020205020404" pitchFamily="49" charset="0"/>
+              </a:rPr>
+              <a:t>New "Generator.windgen1" bus1=Bg2 </a:t>
+            </a:r>
+            <a:r>
+              <a:rPr lang="en-US" sz="1800" b="1" dirty="0" err="1">
+                <a:latin typeface="Courier New" panose="02070309020205020404" pitchFamily="49" charset="0"/>
+                <a:cs typeface="Courier New" panose="02070309020205020404" pitchFamily="49" charset="0"/>
+              </a:rPr>
+              <a:t>kv</a:t>
+            </a:r>
+            <a:r>
+              <a:rPr lang="en-US" sz="1800" b="1" dirty="0">
+                <a:latin typeface="Courier New" panose="02070309020205020404" pitchFamily="49" charset="0"/>
+                <a:cs typeface="Courier New" panose="02070309020205020404" pitchFamily="49" charset="0"/>
+              </a:rPr>
+              <a:t>=0.48 kW=1200 </a:t>
+            </a:r>
+          </a:p>
+          <a:p>
+            <a:pPr marL="0" indent="0">
+              <a:buNone/>
+            </a:pPr>
+            <a:r>
+              <a:rPr lang="en-US" sz="1800" b="1" dirty="0">
+                <a:latin typeface="Courier New" panose="02070309020205020404" pitchFamily="49" charset="0"/>
+                <a:cs typeface="Courier New" panose="02070309020205020404" pitchFamily="49" charset="0"/>
+              </a:rPr>
+              <a:t>~ conn=delta kVA=1500.000 H=6 duty=Wind2400 </a:t>
+            </a:r>
+          </a:p>
+          <a:p>
+            <a:pPr marL="0" indent="0">
+              <a:buNone/>
+            </a:pPr>
+            <a:r>
+              <a:rPr lang="en-US" sz="1800" b="1" dirty="0">
+                <a:latin typeface="Courier New" panose="02070309020205020404" pitchFamily="49" charset="0"/>
+                <a:cs typeface="Courier New" panose="02070309020205020404" pitchFamily="49" charset="0"/>
+              </a:rPr>
+              <a:t>~ model=6   </a:t>
+            </a:r>
+            <a:r>
+              <a:rPr lang="en-US" sz="1800" b="1" dirty="0" err="1">
+                <a:latin typeface="Courier New" panose="02070309020205020404" pitchFamily="49" charset="0"/>
+                <a:cs typeface="Courier New" panose="02070309020205020404" pitchFamily="49" charset="0"/>
+              </a:rPr>
+              <a:t>Xdp</a:t>
+            </a:r>
+            <a:r>
+              <a:rPr lang="en-US" sz="1800" b="1" dirty="0">
+                <a:latin typeface="Courier New" panose="02070309020205020404" pitchFamily="49" charset="0"/>
+                <a:cs typeface="Courier New" panose="02070309020205020404" pitchFamily="49" charset="0"/>
+              </a:rPr>
+              <a:t>=0.192 </a:t>
+            </a:r>
+          </a:p>
+          <a:p>
+            <a:pPr marL="0" indent="0">
+              <a:buNone/>
+            </a:pPr>
+            <a:r>
+              <a:rPr lang="en-US" sz="1800" b="1" dirty="0">
+                <a:latin typeface="Courier New" panose="02070309020205020404" pitchFamily="49" charset="0"/>
+                <a:cs typeface="Courier New" panose="02070309020205020404" pitchFamily="49" charset="0"/>
+              </a:rPr>
+              <a:t>~ </a:t>
+            </a:r>
+            <a:r>
+              <a:rPr lang="en-US" sz="1800" b="1" dirty="0" err="1">
+                <a:latin typeface="Courier New" panose="02070309020205020404" pitchFamily="49" charset="0"/>
+                <a:cs typeface="Courier New" panose="02070309020205020404" pitchFamily="49" charset="0"/>
+              </a:rPr>
+              <a:t>UserModel</a:t>
+            </a:r>
+            <a:r>
+              <a:rPr lang="en-US" sz="1800" b="1" dirty="0">
+                <a:latin typeface="Courier New" panose="02070309020205020404" pitchFamily="49" charset="0"/>
+                <a:cs typeface="Courier New" panose="02070309020205020404" pitchFamily="49" charset="0"/>
+              </a:rPr>
+              <a:t>=IndMach012a </a:t>
+            </a:r>
+          </a:p>
+          <a:p>
+            <a:pPr marL="0" indent="0">
+              <a:buNone/>
+            </a:pPr>
+            <a:r>
+              <a:rPr lang="en-US" sz="1800" b="1" dirty="0">
+                <a:latin typeface="Courier New" panose="02070309020205020404" pitchFamily="49" charset="0"/>
+                <a:cs typeface="Courier New" panose="02070309020205020404" pitchFamily="49" charset="0"/>
+              </a:rPr>
+              <a:t>~ </a:t>
+            </a:r>
+            <a:r>
+              <a:rPr lang="en-US" sz="1800" b="1" dirty="0" err="1">
+                <a:latin typeface="Courier New" panose="02070309020205020404" pitchFamily="49" charset="0"/>
+                <a:cs typeface="Courier New" panose="02070309020205020404" pitchFamily="49" charset="0"/>
+              </a:rPr>
+              <a:t>UserData</a:t>
+            </a:r>
+            <a:r>
+              <a:rPr lang="en-US" sz="1800" b="1" dirty="0">
+                <a:latin typeface="Courier New" panose="02070309020205020404" pitchFamily="49" charset="0"/>
+                <a:cs typeface="Courier New" panose="02070309020205020404" pitchFamily="49" charset="0"/>
+              </a:rPr>
+              <a:t>=(</a:t>
+            </a:r>
+            <a:r>
+              <a:rPr lang="en-US" sz="1800" b="1" dirty="0" err="1">
+                <a:latin typeface="Courier New" panose="02070309020205020404" pitchFamily="49" charset="0"/>
+                <a:cs typeface="Courier New" panose="02070309020205020404" pitchFamily="49" charset="0"/>
+              </a:rPr>
+              <a:t>rs</a:t>
+            </a:r>
+            <a:r>
+              <a:rPr lang="en-US" sz="1800" b="1" dirty="0">
+                <a:latin typeface="Courier New" panose="02070309020205020404" pitchFamily="49" charset="0"/>
+                <a:cs typeface="Courier New" panose="02070309020205020404" pitchFamily="49" charset="0"/>
+              </a:rPr>
+              <a:t>=0.048 </a:t>
+            </a:r>
+            <a:r>
+              <a:rPr lang="en-US" sz="1800" b="1" dirty="0" err="1">
+                <a:latin typeface="Courier New" panose="02070309020205020404" pitchFamily="49" charset="0"/>
+                <a:cs typeface="Courier New" panose="02070309020205020404" pitchFamily="49" charset="0"/>
+              </a:rPr>
+              <a:t>xs</a:t>
+            </a:r>
+            <a:r>
+              <a:rPr lang="en-US" sz="1800" b="1" dirty="0">
+                <a:latin typeface="Courier New" panose="02070309020205020404" pitchFamily="49" charset="0"/>
+                <a:cs typeface="Courier New" panose="02070309020205020404" pitchFamily="49" charset="0"/>
+              </a:rPr>
+              <a:t>=0.075 </a:t>
+            </a:r>
+            <a:r>
+              <a:rPr lang="en-US" sz="1800" b="1" dirty="0" err="1">
+                <a:latin typeface="Courier New" panose="02070309020205020404" pitchFamily="49" charset="0"/>
+                <a:cs typeface="Courier New" panose="02070309020205020404" pitchFamily="49" charset="0"/>
+              </a:rPr>
+              <a:t>rr</a:t>
+            </a:r>
+            <a:r>
+              <a:rPr lang="en-US" sz="1800" b="1" dirty="0">
+                <a:latin typeface="Courier New" panose="02070309020205020404" pitchFamily="49" charset="0"/>
+                <a:cs typeface="Courier New" panose="02070309020205020404" pitchFamily="49" charset="0"/>
+              </a:rPr>
+              <a:t>=0.018 </a:t>
+            </a:r>
+            <a:r>
+              <a:rPr lang="en-US" sz="1800" b="1" dirty="0" err="1">
+                <a:latin typeface="Courier New" panose="02070309020205020404" pitchFamily="49" charset="0"/>
+                <a:cs typeface="Courier New" panose="02070309020205020404" pitchFamily="49" charset="0"/>
+              </a:rPr>
+              <a:t>xr</a:t>
+            </a:r>
+            <a:r>
+              <a:rPr lang="en-US" sz="1800" b="1" dirty="0">
+                <a:latin typeface="Courier New" panose="02070309020205020404" pitchFamily="49" charset="0"/>
+                <a:cs typeface="Courier New" panose="02070309020205020404" pitchFamily="49" charset="0"/>
+              </a:rPr>
+              <a:t>=0.12 </a:t>
+            </a:r>
+            <a:r>
+              <a:rPr lang="en-US" sz="1800" b="1" dirty="0" err="1">
+                <a:latin typeface="Courier New" panose="02070309020205020404" pitchFamily="49" charset="0"/>
+                <a:cs typeface="Courier New" panose="02070309020205020404" pitchFamily="49" charset="0"/>
+              </a:rPr>
+              <a:t>xm</a:t>
+            </a:r>
+            <a:r>
+              <a:rPr lang="en-US" sz="1800" b="1" dirty="0">
+                <a:latin typeface="Courier New" panose="02070309020205020404" pitchFamily="49" charset="0"/>
+                <a:cs typeface="Courier New" panose="02070309020205020404" pitchFamily="49" charset="0"/>
+              </a:rPr>
+              <a:t>=3.8 option=</a:t>
+            </a:r>
+            <a:r>
+              <a:rPr lang="en-US" sz="1800" b="1" dirty="0" err="1">
+                <a:latin typeface="Courier New" panose="02070309020205020404" pitchFamily="49" charset="0"/>
+                <a:cs typeface="Courier New" panose="02070309020205020404" pitchFamily="49" charset="0"/>
+              </a:rPr>
+              <a:t>variableslip</a:t>
+            </a:r>
+            <a:r>
+              <a:rPr lang="en-US" sz="1800" b="1" dirty="0">
+                <a:latin typeface="Courier New" panose="02070309020205020404" pitchFamily="49" charset="0"/>
+                <a:cs typeface="Courier New" panose="02070309020205020404" pitchFamily="49" charset="0"/>
+              </a:rPr>
+              <a:t>)</a:t>
+            </a:r>
+          </a:p>
+          <a:p>
+            <a:endParaRPr lang="en-US" dirty="0"/>
+          </a:p>
+          <a:p>
+            <a:endParaRPr lang="en-US" dirty="0"/>
+          </a:p>
+          <a:p>
+            <a:r>
+              <a:rPr lang="en-US" dirty="0"/>
+              <a:t>(IndMach012a = name of DLL)</a:t>
+            </a:r>
+          </a:p>
+          <a:p>
+            <a:endParaRPr lang="en-US" dirty="0"/>
+          </a:p>
+          <a:p>
+            <a:r>
+              <a:rPr lang="en-US" dirty="0"/>
+              <a:t>Note: </a:t>
+            </a:r>
+            <a:r>
+              <a:rPr lang="en-US" b="1" dirty="0"/>
+              <a:t>IndMach012</a:t>
+            </a:r>
+            <a:r>
+              <a:rPr lang="en-US" dirty="0"/>
+              <a:t> is now a permanent model in </a:t>
+            </a:r>
+            <a:r>
+              <a:rPr lang="en-US" dirty="0" err="1"/>
+              <a:t>OpenDSS</a:t>
+            </a:r>
+            <a:endParaRPr lang="en-US" dirty="0"/>
+          </a:p>
+        </p:txBody>
+      </p:sp>
+    </p:spTree>
+    <p:extLst>
+      <p:ext uri="{BB962C8B-B14F-4D97-AF65-F5344CB8AC3E}">
+        <p14:creationId xmlns:p14="http://schemas.microsoft.com/office/powerpoint/2010/main" val="3594777382"/>
+      </p:ext>
+    </p:extLst>
+  </p:cSld>
+  <p:clrMapOvr>
+    <a:masterClrMapping/>
+  </p:clrMapOvr>
+</p:sld>
+</file>
+
+<file path=ppt/slides/slide17.xml><?xml version="1.0" encoding="utf-8"?>
+<p:sld xmlns:a="http://schemas.openxmlformats.org/drawingml/2006/main" xmlns:r="http://schemas.openxmlformats.org/officeDocument/2006/relationships" xmlns:p="http://schemas.openxmlformats.org/presentationml/2006/main">
+  <p:cSld>
+    <p:spTree>
+      <p:nvGrpSpPr>
+        <p:cNvPr id="1" name=""/>
+        <p:cNvGrpSpPr/>
+        <p:nvPr/>
+      </p:nvGrpSpPr>
+      <p:grpSpPr>
+        <a:xfrm>
+          <a:off x="0" y="0"/>
+          <a:ext cx="0" cy="0"/>
+          <a:chOff x="0" y="0"/>
+          <a:chExt cx="0" cy="0"/>
+        </a:xfrm>
+      </p:grpSpPr>
+    </p:spTree>
+    <p:extLst>
+      <p:ext uri="{BB962C8B-B14F-4D97-AF65-F5344CB8AC3E}">
+        <p14:creationId xmlns:p14="http://schemas.microsoft.com/office/powerpoint/2010/main" val="3574618644"/>
+      </p:ext>
+    </p:extLst>
+  </p:cSld>
+  <p:clrMapOvr>
+    <a:masterClrMapping/>
+  </p:clrMapOvr>
+</p:sld>
+</file>
+
 <file path=ppt/slides/slide2.xml><?xml version="1.0" encoding="utf-8"?>
 <p:sld xmlns:a="http://schemas.openxmlformats.org/drawingml/2006/main" xmlns:r="http://schemas.openxmlformats.org/officeDocument/2006/relationships" xmlns:p="http://schemas.openxmlformats.org/presentationml/2006/main">
   <p:cSld>
@@ -4341,10 +6416,5804 @@
           <a:chExt cx="0" cy="0"/>
         </a:xfrm>
       </p:grpSpPr>
+      <p:sp>
+        <p:nvSpPr>
+          <p:cNvPr id="77826" name="Rectangle 2"/>
+          <p:cNvSpPr>
+            <a:spLocks noGrp="1" noChangeArrowheads="1"/>
+          </p:cNvSpPr>
+          <p:nvPr>
+            <p:ph type="title"/>
+          </p:nvPr>
+        </p:nvSpPr>
+        <p:spPr/>
+        <p:txBody>
+          <a:bodyPr/>
+          <a:lstStyle/>
+          <a:p>
+            <a:pPr eaLnBrk="1" hangingPunct="1"/>
+            <a:r>
+              <a:rPr lang="en-US" altLang="en-US" dirty="0"/>
+              <a:t>Like Load, A Generator is a PC Element</a:t>
+            </a:r>
+          </a:p>
+        </p:txBody>
+      </p:sp>
+      <p:pic>
+        <p:nvPicPr>
+          <p:cNvPr id="77827" name="Picture 3"/>
+          <p:cNvPicPr>
+            <a:picLocks noChangeAspect="1" noChangeArrowheads="1"/>
+          </p:cNvPicPr>
+          <p:nvPr/>
+        </p:nvPicPr>
+        <p:blipFill>
+          <a:blip r:embed="rId3" cstate="print">
+            <a:extLst>
+              <a:ext uri="{28A0092B-C50C-407E-A947-70E740481C1C}">
+                <a14:useLocalDpi xmlns:a14="http://schemas.microsoft.com/office/drawing/2010/main" val="0"/>
+              </a:ext>
+            </a:extLst>
+          </a:blip>
+          <a:srcRect/>
+          <a:stretch>
+            <a:fillRect/>
+          </a:stretch>
+        </p:blipFill>
+        <p:spPr bwMode="auto">
+          <a:xfrm>
+            <a:off x="2135188" y="2419350"/>
+            <a:ext cx="5799137" cy="2297113"/>
+          </a:xfrm>
+          <a:prstGeom prst="rect">
+            <a:avLst/>
+          </a:prstGeom>
+          <a:noFill/>
+          <a:ln>
+            <a:noFill/>
+          </a:ln>
+          <a:extLst>
+            <a:ext uri="{909E8E84-426E-40DD-AFC4-6F175D3DCCD1}">
+              <a14:hiddenFill xmlns:a14="http://schemas.microsoft.com/office/drawing/2010/main">
+                <a:solidFill>
+                  <a:srgbClr val="FFFFFF"/>
+                </a:solidFill>
+              </a14:hiddenFill>
+            </a:ext>
+            <a:ext uri="{91240B29-F687-4F45-9708-019B960494DF}">
+              <a14:hiddenLine xmlns:a14="http://schemas.microsoft.com/office/drawing/2010/main" w="9525">
+                <a:solidFill>
+                  <a:srgbClr val="000000"/>
+                </a:solidFill>
+                <a:miter lim="800000"/>
+                <a:headEnd/>
+                <a:tailEnd/>
+              </a14:hiddenLine>
+            </a:ext>
+          </a:extLst>
+        </p:spPr>
+      </p:pic>
+      <p:sp>
+        <p:nvSpPr>
+          <p:cNvPr id="77828" name="Text Box 4"/>
+          <p:cNvSpPr txBox="1">
+            <a:spLocks noChangeArrowheads="1"/>
+          </p:cNvSpPr>
+          <p:nvPr/>
+        </p:nvSpPr>
+        <p:spPr bwMode="auto">
+          <a:xfrm>
+            <a:off x="1690688" y="4697413"/>
+            <a:ext cx="4219575" cy="336550"/>
+          </a:xfrm>
+          <a:prstGeom prst="rect">
+            <a:avLst/>
+          </a:prstGeom>
+          <a:noFill/>
+          <a:ln>
+            <a:noFill/>
+          </a:ln>
+          <a:extLst>
+            <a:ext uri="{909E8E84-426E-40DD-AFC4-6F175D3DCCD1}">
+              <a14:hiddenFill xmlns:a14="http://schemas.microsoft.com/office/drawing/2010/main">
+                <a:solidFill>
+                  <a:srgbClr val="FFFFFF"/>
+                </a:solidFill>
+              </a14:hiddenFill>
+            </a:ext>
+            <a:ext uri="{91240B29-F687-4F45-9708-019B960494DF}">
+              <a14:hiddenLine xmlns:a14="http://schemas.microsoft.com/office/drawing/2010/main" w="9525">
+                <a:solidFill>
+                  <a:srgbClr val="000000"/>
+                </a:solidFill>
+                <a:miter lim="800000"/>
+                <a:headEnd/>
+                <a:tailEnd/>
+              </a14:hiddenLine>
+            </a:ext>
+          </a:extLst>
+        </p:spPr>
+        <p:txBody>
+          <a:bodyPr>
+            <a:spAutoFit/>
+          </a:bodyPr>
+          <a:lstStyle>
+            <a:lvl1pPr marL="219075" indent="-219075">
+              <a:defRPr sz="1600">
+                <a:solidFill>
+                  <a:srgbClr val="000000"/>
+                </a:solidFill>
+                <a:latin typeface="Arial" panose="020B0604020202020204" pitchFamily="34" charset="0"/>
+              </a:defRPr>
+            </a:lvl1pPr>
+            <a:lvl2pPr marL="742950" indent="-285750">
+              <a:defRPr sz="1600">
+                <a:solidFill>
+                  <a:srgbClr val="000000"/>
+                </a:solidFill>
+                <a:latin typeface="Arial" panose="020B0604020202020204" pitchFamily="34" charset="0"/>
+              </a:defRPr>
+            </a:lvl2pPr>
+            <a:lvl3pPr marL="1143000" indent="-228600">
+              <a:defRPr sz="1600">
+                <a:solidFill>
+                  <a:srgbClr val="000000"/>
+                </a:solidFill>
+                <a:latin typeface="Arial" panose="020B0604020202020204" pitchFamily="34" charset="0"/>
+              </a:defRPr>
+            </a:lvl3pPr>
+            <a:lvl4pPr marL="1600200" indent="-228600">
+              <a:defRPr sz="1600">
+                <a:solidFill>
+                  <a:srgbClr val="000000"/>
+                </a:solidFill>
+                <a:latin typeface="Arial" panose="020B0604020202020204" pitchFamily="34" charset="0"/>
+              </a:defRPr>
+            </a:lvl4pPr>
+            <a:lvl5pPr marL="2057400" indent="-228600">
+              <a:defRPr sz="1600">
+                <a:solidFill>
+                  <a:srgbClr val="000000"/>
+                </a:solidFill>
+                <a:latin typeface="Arial" panose="020B0604020202020204" pitchFamily="34" charset="0"/>
+              </a:defRPr>
+            </a:lvl5pPr>
+            <a:lvl6pPr marL="2514600" indent="-228600" algn="ctr" eaLnBrk="0" fontAlgn="base" hangingPunct="0">
+              <a:spcBef>
+                <a:spcPct val="50000"/>
+              </a:spcBef>
+              <a:spcAft>
+                <a:spcPct val="0"/>
+              </a:spcAft>
+              <a:defRPr sz="1600">
+                <a:solidFill>
+                  <a:srgbClr val="000000"/>
+                </a:solidFill>
+                <a:latin typeface="Arial" panose="020B0604020202020204" pitchFamily="34" charset="0"/>
+              </a:defRPr>
+            </a:lvl6pPr>
+            <a:lvl7pPr marL="2971800" indent="-228600" algn="ctr" eaLnBrk="0" fontAlgn="base" hangingPunct="0">
+              <a:spcBef>
+                <a:spcPct val="50000"/>
+              </a:spcBef>
+              <a:spcAft>
+                <a:spcPct val="0"/>
+              </a:spcAft>
+              <a:defRPr sz="1600">
+                <a:solidFill>
+                  <a:srgbClr val="000000"/>
+                </a:solidFill>
+                <a:latin typeface="Arial" panose="020B0604020202020204" pitchFamily="34" charset="0"/>
+              </a:defRPr>
+            </a:lvl7pPr>
+            <a:lvl8pPr marL="3429000" indent="-228600" algn="ctr" eaLnBrk="0" fontAlgn="base" hangingPunct="0">
+              <a:spcBef>
+                <a:spcPct val="50000"/>
+              </a:spcBef>
+              <a:spcAft>
+                <a:spcPct val="0"/>
+              </a:spcAft>
+              <a:defRPr sz="1600">
+                <a:solidFill>
+                  <a:srgbClr val="000000"/>
+                </a:solidFill>
+                <a:latin typeface="Arial" panose="020B0604020202020204" pitchFamily="34" charset="0"/>
+              </a:defRPr>
+            </a:lvl8pPr>
+            <a:lvl9pPr marL="3886200" indent="-228600" algn="ctr" eaLnBrk="0" fontAlgn="base" hangingPunct="0">
+              <a:spcBef>
+                <a:spcPct val="50000"/>
+              </a:spcBef>
+              <a:spcAft>
+                <a:spcPct val="0"/>
+              </a:spcAft>
+              <a:defRPr sz="1600">
+                <a:solidFill>
+                  <a:srgbClr val="000000"/>
+                </a:solidFill>
+                <a:latin typeface="Arial" panose="020B0604020202020204" pitchFamily="34" charset="0"/>
+              </a:defRPr>
+            </a:lvl9pPr>
+          </a:lstStyle>
+          <a:p>
+            <a:r>
+              <a:rPr lang="en-US" altLang="en-US"/>
+              <a:t>(One-Line Diagram)</a:t>
+            </a:r>
+          </a:p>
+        </p:txBody>
+      </p:sp>
+      <p:sp>
+        <p:nvSpPr>
+          <p:cNvPr id="77829" name="Text Box 5"/>
+          <p:cNvSpPr txBox="1">
+            <a:spLocks noChangeArrowheads="1"/>
+          </p:cNvSpPr>
+          <p:nvPr/>
+        </p:nvSpPr>
+        <p:spPr bwMode="auto">
+          <a:xfrm>
+            <a:off x="354013" y="1509713"/>
+            <a:ext cx="4197350" cy="457200"/>
+          </a:xfrm>
+          <a:prstGeom prst="rect">
+            <a:avLst/>
+          </a:prstGeom>
+          <a:noFill/>
+          <a:ln>
+            <a:noFill/>
+          </a:ln>
+          <a:extLst>
+            <a:ext uri="{909E8E84-426E-40DD-AFC4-6F175D3DCCD1}">
+              <a14:hiddenFill xmlns:a14="http://schemas.microsoft.com/office/drawing/2010/main">
+                <a:solidFill>
+                  <a:srgbClr val="FFFFFF"/>
+                </a:solidFill>
+              </a14:hiddenFill>
+            </a:ext>
+            <a:ext uri="{91240B29-F687-4F45-9708-019B960494DF}">
+              <a14:hiddenLine xmlns:a14="http://schemas.microsoft.com/office/drawing/2010/main" w="9525">
+                <a:solidFill>
+                  <a:srgbClr val="000000"/>
+                </a:solidFill>
+                <a:miter lim="800000"/>
+                <a:headEnd/>
+                <a:tailEnd/>
+              </a14:hiddenLine>
+            </a:ext>
+          </a:extLst>
+        </p:spPr>
+        <p:txBody>
+          <a:bodyPr>
+            <a:spAutoFit/>
+          </a:bodyPr>
+          <a:lstStyle>
+            <a:lvl1pPr marL="219075" indent="-219075">
+              <a:defRPr sz="1600">
+                <a:solidFill>
+                  <a:srgbClr val="000000"/>
+                </a:solidFill>
+                <a:latin typeface="Arial" panose="020B0604020202020204" pitchFamily="34" charset="0"/>
+              </a:defRPr>
+            </a:lvl1pPr>
+            <a:lvl2pPr marL="742950" indent="-285750">
+              <a:defRPr sz="1600">
+                <a:solidFill>
+                  <a:srgbClr val="000000"/>
+                </a:solidFill>
+                <a:latin typeface="Arial" panose="020B0604020202020204" pitchFamily="34" charset="0"/>
+              </a:defRPr>
+            </a:lvl2pPr>
+            <a:lvl3pPr marL="1143000" indent="-228600">
+              <a:defRPr sz="1600">
+                <a:solidFill>
+                  <a:srgbClr val="000000"/>
+                </a:solidFill>
+                <a:latin typeface="Arial" panose="020B0604020202020204" pitchFamily="34" charset="0"/>
+              </a:defRPr>
+            </a:lvl3pPr>
+            <a:lvl4pPr marL="1600200" indent="-228600">
+              <a:defRPr sz="1600">
+                <a:solidFill>
+                  <a:srgbClr val="000000"/>
+                </a:solidFill>
+                <a:latin typeface="Arial" panose="020B0604020202020204" pitchFamily="34" charset="0"/>
+              </a:defRPr>
+            </a:lvl4pPr>
+            <a:lvl5pPr marL="2057400" indent="-228600">
+              <a:defRPr sz="1600">
+                <a:solidFill>
+                  <a:srgbClr val="000000"/>
+                </a:solidFill>
+                <a:latin typeface="Arial" panose="020B0604020202020204" pitchFamily="34" charset="0"/>
+              </a:defRPr>
+            </a:lvl5pPr>
+            <a:lvl6pPr marL="2514600" indent="-228600" algn="ctr" eaLnBrk="0" fontAlgn="base" hangingPunct="0">
+              <a:spcBef>
+                <a:spcPct val="50000"/>
+              </a:spcBef>
+              <a:spcAft>
+                <a:spcPct val="0"/>
+              </a:spcAft>
+              <a:defRPr sz="1600">
+                <a:solidFill>
+                  <a:srgbClr val="000000"/>
+                </a:solidFill>
+                <a:latin typeface="Arial" panose="020B0604020202020204" pitchFamily="34" charset="0"/>
+              </a:defRPr>
+            </a:lvl6pPr>
+            <a:lvl7pPr marL="2971800" indent="-228600" algn="ctr" eaLnBrk="0" fontAlgn="base" hangingPunct="0">
+              <a:spcBef>
+                <a:spcPct val="50000"/>
+              </a:spcBef>
+              <a:spcAft>
+                <a:spcPct val="0"/>
+              </a:spcAft>
+              <a:defRPr sz="1600">
+                <a:solidFill>
+                  <a:srgbClr val="000000"/>
+                </a:solidFill>
+                <a:latin typeface="Arial" panose="020B0604020202020204" pitchFamily="34" charset="0"/>
+              </a:defRPr>
+            </a:lvl7pPr>
+            <a:lvl8pPr marL="3429000" indent="-228600" algn="ctr" eaLnBrk="0" fontAlgn="base" hangingPunct="0">
+              <a:spcBef>
+                <a:spcPct val="50000"/>
+              </a:spcBef>
+              <a:spcAft>
+                <a:spcPct val="0"/>
+              </a:spcAft>
+              <a:defRPr sz="1600">
+                <a:solidFill>
+                  <a:srgbClr val="000000"/>
+                </a:solidFill>
+                <a:latin typeface="Arial" panose="020B0604020202020204" pitchFamily="34" charset="0"/>
+              </a:defRPr>
+            </a:lvl8pPr>
+            <a:lvl9pPr marL="3886200" indent="-228600" algn="ctr" eaLnBrk="0" fontAlgn="base" hangingPunct="0">
+              <a:spcBef>
+                <a:spcPct val="50000"/>
+              </a:spcBef>
+              <a:spcAft>
+                <a:spcPct val="0"/>
+              </a:spcAft>
+              <a:defRPr sz="1600">
+                <a:solidFill>
+                  <a:srgbClr val="000000"/>
+                </a:solidFill>
+                <a:latin typeface="Arial" panose="020B0604020202020204" pitchFamily="34" charset="0"/>
+              </a:defRPr>
+            </a:lvl9pPr>
+          </a:lstStyle>
+          <a:p>
+            <a:pPr algn="l"/>
+            <a:r>
+              <a:rPr lang="en-US" altLang="en-US" sz="2400"/>
+              <a:t>General Concept</a:t>
+            </a:r>
+          </a:p>
+        </p:txBody>
+      </p:sp>
+      <p:sp>
+        <p:nvSpPr>
+          <p:cNvPr id="77830" name="Text Box 6"/>
+          <p:cNvSpPr txBox="1">
+            <a:spLocks noChangeArrowheads="1"/>
+          </p:cNvSpPr>
+          <p:nvPr/>
+        </p:nvSpPr>
+        <p:spPr bwMode="auto">
+          <a:xfrm>
+            <a:off x="6046788" y="4529138"/>
+            <a:ext cx="2678112" cy="336550"/>
+          </a:xfrm>
+          <a:prstGeom prst="rect">
+            <a:avLst/>
+          </a:prstGeom>
+          <a:noFill/>
+          <a:ln>
+            <a:noFill/>
+          </a:ln>
+          <a:extLst>
+            <a:ext uri="{909E8E84-426E-40DD-AFC4-6F175D3DCCD1}">
+              <a14:hiddenFill xmlns:a14="http://schemas.microsoft.com/office/drawing/2010/main">
+                <a:solidFill>
+                  <a:srgbClr val="FFFFFF"/>
+                </a:solidFill>
+              </a14:hiddenFill>
+            </a:ext>
+            <a:ext uri="{91240B29-F687-4F45-9708-019B960494DF}">
+              <a14:hiddenLine xmlns:a14="http://schemas.microsoft.com/office/drawing/2010/main" w="9525">
+                <a:solidFill>
+                  <a:srgbClr val="000000"/>
+                </a:solidFill>
+                <a:miter lim="800000"/>
+                <a:headEnd/>
+                <a:tailEnd/>
+              </a14:hiddenLine>
+            </a:ext>
+          </a:extLst>
+        </p:spPr>
+        <p:txBody>
+          <a:bodyPr>
+            <a:spAutoFit/>
+          </a:bodyPr>
+          <a:lstStyle>
+            <a:lvl1pPr marL="219075" indent="-219075">
+              <a:defRPr sz="1600">
+                <a:solidFill>
+                  <a:srgbClr val="000000"/>
+                </a:solidFill>
+                <a:latin typeface="Arial" panose="020B0604020202020204" pitchFamily="34" charset="0"/>
+              </a:defRPr>
+            </a:lvl1pPr>
+            <a:lvl2pPr marL="742950" indent="-285750">
+              <a:defRPr sz="1600">
+                <a:solidFill>
+                  <a:srgbClr val="000000"/>
+                </a:solidFill>
+                <a:latin typeface="Arial" panose="020B0604020202020204" pitchFamily="34" charset="0"/>
+              </a:defRPr>
+            </a:lvl2pPr>
+            <a:lvl3pPr marL="1143000" indent="-228600">
+              <a:defRPr sz="1600">
+                <a:solidFill>
+                  <a:srgbClr val="000000"/>
+                </a:solidFill>
+                <a:latin typeface="Arial" panose="020B0604020202020204" pitchFamily="34" charset="0"/>
+              </a:defRPr>
+            </a:lvl3pPr>
+            <a:lvl4pPr marL="1600200" indent="-228600">
+              <a:defRPr sz="1600">
+                <a:solidFill>
+                  <a:srgbClr val="000000"/>
+                </a:solidFill>
+                <a:latin typeface="Arial" panose="020B0604020202020204" pitchFamily="34" charset="0"/>
+              </a:defRPr>
+            </a:lvl4pPr>
+            <a:lvl5pPr marL="2057400" indent="-228600">
+              <a:defRPr sz="1600">
+                <a:solidFill>
+                  <a:srgbClr val="000000"/>
+                </a:solidFill>
+                <a:latin typeface="Arial" panose="020B0604020202020204" pitchFamily="34" charset="0"/>
+              </a:defRPr>
+            </a:lvl5pPr>
+            <a:lvl6pPr marL="2514600" indent="-228600" algn="ctr" eaLnBrk="0" fontAlgn="base" hangingPunct="0">
+              <a:spcBef>
+                <a:spcPct val="50000"/>
+              </a:spcBef>
+              <a:spcAft>
+                <a:spcPct val="0"/>
+              </a:spcAft>
+              <a:defRPr sz="1600">
+                <a:solidFill>
+                  <a:srgbClr val="000000"/>
+                </a:solidFill>
+                <a:latin typeface="Arial" panose="020B0604020202020204" pitchFamily="34" charset="0"/>
+              </a:defRPr>
+            </a:lvl6pPr>
+            <a:lvl7pPr marL="2971800" indent="-228600" algn="ctr" eaLnBrk="0" fontAlgn="base" hangingPunct="0">
+              <a:spcBef>
+                <a:spcPct val="50000"/>
+              </a:spcBef>
+              <a:spcAft>
+                <a:spcPct val="0"/>
+              </a:spcAft>
+              <a:defRPr sz="1600">
+                <a:solidFill>
+                  <a:srgbClr val="000000"/>
+                </a:solidFill>
+                <a:latin typeface="Arial" panose="020B0604020202020204" pitchFamily="34" charset="0"/>
+              </a:defRPr>
+            </a:lvl7pPr>
+            <a:lvl8pPr marL="3429000" indent="-228600" algn="ctr" eaLnBrk="0" fontAlgn="base" hangingPunct="0">
+              <a:spcBef>
+                <a:spcPct val="50000"/>
+              </a:spcBef>
+              <a:spcAft>
+                <a:spcPct val="0"/>
+              </a:spcAft>
+              <a:defRPr sz="1600">
+                <a:solidFill>
+                  <a:srgbClr val="000000"/>
+                </a:solidFill>
+                <a:latin typeface="Arial" panose="020B0604020202020204" pitchFamily="34" charset="0"/>
+              </a:defRPr>
+            </a:lvl8pPr>
+            <a:lvl9pPr marL="3886200" indent="-228600" algn="ctr" eaLnBrk="0" fontAlgn="base" hangingPunct="0">
+              <a:spcBef>
+                <a:spcPct val="50000"/>
+              </a:spcBef>
+              <a:spcAft>
+                <a:spcPct val="0"/>
+              </a:spcAft>
+              <a:defRPr sz="1600">
+                <a:solidFill>
+                  <a:srgbClr val="000000"/>
+                </a:solidFill>
+                <a:latin typeface="Arial" panose="020B0604020202020204" pitchFamily="34" charset="0"/>
+              </a:defRPr>
+            </a:lvl9pPr>
+          </a:lstStyle>
+          <a:p>
+            <a:r>
+              <a:rPr lang="en-US" altLang="en-US"/>
+              <a:t>Goes into System Y Matrix</a:t>
+            </a:r>
+          </a:p>
+        </p:txBody>
+      </p:sp>
+      <p:sp>
+        <p:nvSpPr>
+          <p:cNvPr id="77831" name="Line 7"/>
+          <p:cNvSpPr>
+            <a:spLocks noChangeShapeType="1"/>
+          </p:cNvSpPr>
+          <p:nvPr/>
+        </p:nvSpPr>
+        <p:spPr bwMode="auto">
+          <a:xfrm flipH="1" flipV="1">
+            <a:off x="3733800" y="3889375"/>
+            <a:ext cx="2381250" cy="814388"/>
+          </a:xfrm>
+          <a:prstGeom prst="line">
+            <a:avLst/>
+          </a:prstGeom>
+          <a:noFill/>
+          <a:ln w="38100">
+            <a:solidFill>
+              <a:schemeClr val="tx1"/>
+            </a:solidFill>
+            <a:round/>
+            <a:headEnd/>
+            <a:tailEnd type="triangle" w="med" len="med"/>
+          </a:ln>
+          <a:extLst>
+            <a:ext uri="{909E8E84-426E-40DD-AFC4-6F175D3DCCD1}">
+              <a14:hiddenFill xmlns:a14="http://schemas.microsoft.com/office/drawing/2010/main">
+                <a:noFill/>
+              </a14:hiddenFill>
+            </a:ext>
+          </a:extLst>
+        </p:spPr>
+        <p:txBody>
+          <a:bodyPr anchor="ctr"/>
+          <a:lstStyle/>
+          <a:p>
+            <a:endParaRPr lang="en-US"/>
+          </a:p>
+        </p:txBody>
+      </p:sp>
+      <p:sp>
+        <p:nvSpPr>
+          <p:cNvPr id="77832" name="Text Box 8"/>
+          <p:cNvSpPr txBox="1">
+            <a:spLocks noChangeArrowheads="1"/>
+          </p:cNvSpPr>
+          <p:nvPr/>
+        </p:nvSpPr>
+        <p:spPr bwMode="auto">
+          <a:xfrm>
+            <a:off x="5991225" y="1819275"/>
+            <a:ext cx="2678113" cy="581025"/>
+          </a:xfrm>
+          <a:prstGeom prst="rect">
+            <a:avLst/>
+          </a:prstGeom>
+          <a:noFill/>
+          <a:ln>
+            <a:noFill/>
+          </a:ln>
+          <a:extLst>
+            <a:ext uri="{909E8E84-426E-40DD-AFC4-6F175D3DCCD1}">
+              <a14:hiddenFill xmlns:a14="http://schemas.microsoft.com/office/drawing/2010/main">
+                <a:solidFill>
+                  <a:srgbClr val="FFFFFF"/>
+                </a:solidFill>
+              </a14:hiddenFill>
+            </a:ext>
+            <a:ext uri="{91240B29-F687-4F45-9708-019B960494DF}">
+              <a14:hiddenLine xmlns:a14="http://schemas.microsoft.com/office/drawing/2010/main" w="9525">
+                <a:solidFill>
+                  <a:srgbClr val="000000"/>
+                </a:solidFill>
+                <a:miter lim="800000"/>
+                <a:headEnd/>
+                <a:tailEnd/>
+              </a14:hiddenLine>
+            </a:ext>
+          </a:extLst>
+        </p:spPr>
+        <p:txBody>
+          <a:bodyPr>
+            <a:spAutoFit/>
+          </a:bodyPr>
+          <a:lstStyle>
+            <a:lvl1pPr>
+              <a:defRPr sz="1600">
+                <a:solidFill>
+                  <a:srgbClr val="000000"/>
+                </a:solidFill>
+                <a:latin typeface="Arial" panose="020B0604020202020204" pitchFamily="34" charset="0"/>
+              </a:defRPr>
+            </a:lvl1pPr>
+            <a:lvl2pPr marL="742950" indent="-285750">
+              <a:defRPr sz="1600">
+                <a:solidFill>
+                  <a:srgbClr val="000000"/>
+                </a:solidFill>
+                <a:latin typeface="Arial" panose="020B0604020202020204" pitchFamily="34" charset="0"/>
+              </a:defRPr>
+            </a:lvl2pPr>
+            <a:lvl3pPr marL="1143000" indent="-228600">
+              <a:defRPr sz="1600">
+                <a:solidFill>
+                  <a:srgbClr val="000000"/>
+                </a:solidFill>
+                <a:latin typeface="Arial" panose="020B0604020202020204" pitchFamily="34" charset="0"/>
+              </a:defRPr>
+            </a:lvl3pPr>
+            <a:lvl4pPr marL="1600200" indent="-228600">
+              <a:defRPr sz="1600">
+                <a:solidFill>
+                  <a:srgbClr val="000000"/>
+                </a:solidFill>
+                <a:latin typeface="Arial" panose="020B0604020202020204" pitchFamily="34" charset="0"/>
+              </a:defRPr>
+            </a:lvl4pPr>
+            <a:lvl5pPr marL="2057400" indent="-228600">
+              <a:defRPr sz="1600">
+                <a:solidFill>
+                  <a:srgbClr val="000000"/>
+                </a:solidFill>
+                <a:latin typeface="Arial" panose="020B0604020202020204" pitchFamily="34" charset="0"/>
+              </a:defRPr>
+            </a:lvl5pPr>
+            <a:lvl6pPr marL="2514600" indent="-228600" algn="ctr" eaLnBrk="0" fontAlgn="base" hangingPunct="0">
+              <a:spcBef>
+                <a:spcPct val="50000"/>
+              </a:spcBef>
+              <a:spcAft>
+                <a:spcPct val="0"/>
+              </a:spcAft>
+              <a:defRPr sz="1600">
+                <a:solidFill>
+                  <a:srgbClr val="000000"/>
+                </a:solidFill>
+                <a:latin typeface="Arial" panose="020B0604020202020204" pitchFamily="34" charset="0"/>
+              </a:defRPr>
+            </a:lvl6pPr>
+            <a:lvl7pPr marL="2971800" indent="-228600" algn="ctr" eaLnBrk="0" fontAlgn="base" hangingPunct="0">
+              <a:spcBef>
+                <a:spcPct val="50000"/>
+              </a:spcBef>
+              <a:spcAft>
+                <a:spcPct val="0"/>
+              </a:spcAft>
+              <a:defRPr sz="1600">
+                <a:solidFill>
+                  <a:srgbClr val="000000"/>
+                </a:solidFill>
+                <a:latin typeface="Arial" panose="020B0604020202020204" pitchFamily="34" charset="0"/>
+              </a:defRPr>
+            </a:lvl7pPr>
+            <a:lvl8pPr marL="3429000" indent="-228600" algn="ctr" eaLnBrk="0" fontAlgn="base" hangingPunct="0">
+              <a:spcBef>
+                <a:spcPct val="50000"/>
+              </a:spcBef>
+              <a:spcAft>
+                <a:spcPct val="0"/>
+              </a:spcAft>
+              <a:defRPr sz="1600">
+                <a:solidFill>
+                  <a:srgbClr val="000000"/>
+                </a:solidFill>
+                <a:latin typeface="Arial" panose="020B0604020202020204" pitchFamily="34" charset="0"/>
+              </a:defRPr>
+            </a:lvl8pPr>
+            <a:lvl9pPr marL="3886200" indent="-228600" algn="ctr" eaLnBrk="0" fontAlgn="base" hangingPunct="0">
+              <a:spcBef>
+                <a:spcPct val="50000"/>
+              </a:spcBef>
+              <a:spcAft>
+                <a:spcPct val="0"/>
+              </a:spcAft>
+              <a:defRPr sz="1600">
+                <a:solidFill>
+                  <a:srgbClr val="000000"/>
+                </a:solidFill>
+                <a:latin typeface="Arial" panose="020B0604020202020204" pitchFamily="34" charset="0"/>
+              </a:defRPr>
+            </a:lvl9pPr>
+          </a:lstStyle>
+          <a:p>
+            <a:r>
+              <a:rPr lang="en-US" altLang="en-US"/>
+              <a:t>Added into Injection Current Vector</a:t>
+            </a:r>
+          </a:p>
+        </p:txBody>
+      </p:sp>
+      <p:sp>
+        <p:nvSpPr>
+          <p:cNvPr id="77833" name="Line 9"/>
+          <p:cNvSpPr>
+            <a:spLocks noChangeShapeType="1"/>
+          </p:cNvSpPr>
+          <p:nvPr/>
+        </p:nvSpPr>
+        <p:spPr bwMode="auto">
+          <a:xfrm flipH="1">
+            <a:off x="5078413" y="2259013"/>
+            <a:ext cx="1312862" cy="979487"/>
+          </a:xfrm>
+          <a:prstGeom prst="line">
+            <a:avLst/>
+          </a:prstGeom>
+          <a:noFill/>
+          <a:ln w="38100">
+            <a:solidFill>
+              <a:schemeClr val="tx1"/>
+            </a:solidFill>
+            <a:round/>
+            <a:headEnd/>
+            <a:tailEnd type="triangle" w="med" len="med"/>
+          </a:ln>
+          <a:extLst>
+            <a:ext uri="{909E8E84-426E-40DD-AFC4-6F175D3DCCD1}">
+              <a14:hiddenFill xmlns:a14="http://schemas.microsoft.com/office/drawing/2010/main">
+                <a:noFill/>
+              </a14:hiddenFill>
+            </a:ext>
+          </a:extLst>
+        </p:spPr>
+        <p:txBody>
+          <a:bodyPr anchor="ctr"/>
+          <a:lstStyle/>
+          <a:p>
+            <a:endParaRPr lang="en-US"/>
+          </a:p>
+        </p:txBody>
+      </p:sp>
+      <p:sp>
+        <p:nvSpPr>
+          <p:cNvPr id="77834" name="Text Box 10"/>
+          <p:cNvSpPr txBox="1">
+            <a:spLocks noChangeArrowheads="1"/>
+          </p:cNvSpPr>
+          <p:nvPr/>
+        </p:nvSpPr>
+        <p:spPr bwMode="auto">
+          <a:xfrm>
+            <a:off x="506413" y="5553075"/>
+            <a:ext cx="6356350" cy="584775"/>
+          </a:xfrm>
+          <a:prstGeom prst="rect">
+            <a:avLst/>
+          </a:prstGeom>
+          <a:noFill/>
+          <a:ln>
+            <a:noFill/>
+          </a:ln>
+          <a:extLst>
+            <a:ext uri="{909E8E84-426E-40DD-AFC4-6F175D3DCCD1}">
+              <a14:hiddenFill xmlns:a14="http://schemas.microsoft.com/office/drawing/2010/main">
+                <a:solidFill>
+                  <a:srgbClr val="FFFFFF"/>
+                </a:solidFill>
+              </a14:hiddenFill>
+            </a:ext>
+            <a:ext uri="{91240B29-F687-4F45-9708-019B960494DF}">
+              <a14:hiddenLine xmlns:a14="http://schemas.microsoft.com/office/drawing/2010/main" w="9525">
+                <a:solidFill>
+                  <a:srgbClr val="000000"/>
+                </a:solidFill>
+                <a:miter lim="800000"/>
+                <a:headEnd/>
+                <a:tailEnd/>
+              </a14:hiddenLine>
+            </a:ext>
+          </a:extLst>
+        </p:spPr>
+        <p:txBody>
+          <a:bodyPr>
+            <a:spAutoFit/>
+          </a:bodyPr>
+          <a:lstStyle>
+            <a:lvl1pPr marL="219075" indent="-219075">
+              <a:defRPr sz="1600">
+                <a:solidFill>
+                  <a:srgbClr val="000000"/>
+                </a:solidFill>
+                <a:latin typeface="Arial" panose="020B0604020202020204" pitchFamily="34" charset="0"/>
+              </a:defRPr>
+            </a:lvl1pPr>
+            <a:lvl2pPr marL="742950" indent="-285750">
+              <a:defRPr sz="1600">
+                <a:solidFill>
+                  <a:srgbClr val="000000"/>
+                </a:solidFill>
+                <a:latin typeface="Arial" panose="020B0604020202020204" pitchFamily="34" charset="0"/>
+              </a:defRPr>
+            </a:lvl2pPr>
+            <a:lvl3pPr marL="1143000" indent="-228600">
+              <a:defRPr sz="1600">
+                <a:solidFill>
+                  <a:srgbClr val="000000"/>
+                </a:solidFill>
+                <a:latin typeface="Arial" panose="020B0604020202020204" pitchFamily="34" charset="0"/>
+              </a:defRPr>
+            </a:lvl3pPr>
+            <a:lvl4pPr marL="1600200" indent="-228600">
+              <a:defRPr sz="1600">
+                <a:solidFill>
+                  <a:srgbClr val="000000"/>
+                </a:solidFill>
+                <a:latin typeface="Arial" panose="020B0604020202020204" pitchFamily="34" charset="0"/>
+              </a:defRPr>
+            </a:lvl4pPr>
+            <a:lvl5pPr marL="2057400" indent="-228600">
+              <a:defRPr sz="1600">
+                <a:solidFill>
+                  <a:srgbClr val="000000"/>
+                </a:solidFill>
+                <a:latin typeface="Arial" panose="020B0604020202020204" pitchFamily="34" charset="0"/>
+              </a:defRPr>
+            </a:lvl5pPr>
+            <a:lvl6pPr marL="2514600" indent="-228600" algn="ctr" eaLnBrk="0" fontAlgn="base" hangingPunct="0">
+              <a:spcBef>
+                <a:spcPct val="50000"/>
+              </a:spcBef>
+              <a:spcAft>
+                <a:spcPct val="0"/>
+              </a:spcAft>
+              <a:defRPr sz="1600">
+                <a:solidFill>
+                  <a:srgbClr val="000000"/>
+                </a:solidFill>
+                <a:latin typeface="Arial" panose="020B0604020202020204" pitchFamily="34" charset="0"/>
+              </a:defRPr>
+            </a:lvl6pPr>
+            <a:lvl7pPr marL="2971800" indent="-228600" algn="ctr" eaLnBrk="0" fontAlgn="base" hangingPunct="0">
+              <a:spcBef>
+                <a:spcPct val="50000"/>
+              </a:spcBef>
+              <a:spcAft>
+                <a:spcPct val="0"/>
+              </a:spcAft>
+              <a:defRPr sz="1600">
+                <a:solidFill>
+                  <a:srgbClr val="000000"/>
+                </a:solidFill>
+                <a:latin typeface="Arial" panose="020B0604020202020204" pitchFamily="34" charset="0"/>
+              </a:defRPr>
+            </a:lvl7pPr>
+            <a:lvl8pPr marL="3429000" indent="-228600" algn="ctr" eaLnBrk="0" fontAlgn="base" hangingPunct="0">
+              <a:spcBef>
+                <a:spcPct val="50000"/>
+              </a:spcBef>
+              <a:spcAft>
+                <a:spcPct val="0"/>
+              </a:spcAft>
+              <a:defRPr sz="1600">
+                <a:solidFill>
+                  <a:srgbClr val="000000"/>
+                </a:solidFill>
+                <a:latin typeface="Arial" panose="020B0604020202020204" pitchFamily="34" charset="0"/>
+              </a:defRPr>
+            </a:lvl8pPr>
+            <a:lvl9pPr marL="3886200" indent="-228600" algn="ctr" eaLnBrk="0" fontAlgn="base" hangingPunct="0">
+              <a:spcBef>
+                <a:spcPct val="50000"/>
+              </a:spcBef>
+              <a:spcAft>
+                <a:spcPct val="0"/>
+              </a:spcAft>
+              <a:defRPr sz="1600">
+                <a:solidFill>
+                  <a:srgbClr val="000000"/>
+                </a:solidFill>
+                <a:latin typeface="Arial" panose="020B0604020202020204" pitchFamily="34" charset="0"/>
+              </a:defRPr>
+            </a:lvl9pPr>
+          </a:lstStyle>
+          <a:p>
+            <a:pPr algn="l"/>
+            <a:r>
+              <a:rPr lang="en-US" altLang="en-US" dirty="0"/>
+              <a:t>Most Power Conversion (PC) Elements are Modeled Like This for power flow analysis</a:t>
+            </a:r>
+          </a:p>
+        </p:txBody>
+      </p:sp>
     </p:spTree>
     <p:extLst>
       <p:ext uri="{BB962C8B-B14F-4D97-AF65-F5344CB8AC3E}">
-        <p14:creationId xmlns:p14="http://schemas.microsoft.com/office/powerpoint/2010/main" val="3574618644"/>
+        <p14:creationId xmlns:p14="http://schemas.microsoft.com/office/powerpoint/2010/main" val="872493746"/>
+      </p:ext>
+    </p:extLst>
+  </p:cSld>
+  <p:clrMapOvr>
+    <a:masterClrMapping/>
+  </p:clrMapOvr>
+</p:sld>
+</file>
+
+<file path=ppt/slides/slide5.xml><?xml version="1.0" encoding="utf-8"?>
+<p:sld xmlns:a="http://schemas.openxmlformats.org/drawingml/2006/main" xmlns:r="http://schemas.openxmlformats.org/officeDocument/2006/relationships" xmlns:p="http://schemas.openxmlformats.org/presentationml/2006/main">
+  <p:cSld>
+    <p:spTree>
+      <p:nvGrpSpPr>
+        <p:cNvPr id="1" name=""/>
+        <p:cNvGrpSpPr/>
+        <p:nvPr/>
+      </p:nvGrpSpPr>
+      <p:grpSpPr>
+        <a:xfrm>
+          <a:off x="0" y="0"/>
+          <a:ext cx="0" cy="0"/>
+          <a:chOff x="0" y="0"/>
+          <a:chExt cx="0" cy="0"/>
+        </a:xfrm>
+      </p:grpSpPr>
+      <p:sp>
+        <p:nvSpPr>
+          <p:cNvPr id="3" name="Title 2"/>
+          <p:cNvSpPr>
+            <a:spLocks noGrp="1"/>
+          </p:cNvSpPr>
+          <p:nvPr>
+            <p:ph type="title"/>
+          </p:nvPr>
+        </p:nvSpPr>
+        <p:spPr/>
+        <p:txBody>
+          <a:bodyPr/>
+          <a:lstStyle/>
+          <a:p>
+            <a:r>
+              <a:rPr lang="en-US" dirty="0"/>
+              <a:t>The </a:t>
+            </a:r>
+            <a:r>
+              <a:rPr lang="en-US" dirty="0" err="1"/>
+              <a:t>OpenDSS</a:t>
+            </a:r>
+            <a:r>
+              <a:rPr lang="en-US" dirty="0"/>
+              <a:t> Generator Model</a:t>
+            </a:r>
+          </a:p>
+        </p:txBody>
+      </p:sp>
+      <p:sp>
+        <p:nvSpPr>
+          <p:cNvPr id="4" name="Content Placeholder 3"/>
+          <p:cNvSpPr>
+            <a:spLocks noGrp="1"/>
+          </p:cNvSpPr>
+          <p:nvPr>
+            <p:ph idx="1"/>
+          </p:nvPr>
+        </p:nvSpPr>
+        <p:spPr/>
+        <p:txBody>
+          <a:bodyPr/>
+          <a:lstStyle/>
+          <a:p>
+            <a:r>
+              <a:rPr lang="en-US" dirty="0"/>
+              <a:t>For most power flow solutions, the GENERATOR model acts as a negative load</a:t>
+            </a:r>
+          </a:p>
+          <a:p>
+            <a:r>
+              <a:rPr lang="en-US" dirty="0"/>
+              <a:t>Differences</a:t>
+            </a:r>
+          </a:p>
+          <a:p>
+            <a:pPr lvl="1"/>
+            <a:r>
+              <a:rPr lang="en-US" dirty="0"/>
+              <a:t>Different models available</a:t>
+            </a:r>
+          </a:p>
+          <a:p>
+            <a:pPr lvl="1"/>
+            <a:r>
+              <a:rPr lang="en-US" dirty="0"/>
+              <a:t>Single-mass swing model for Dynamics-mode simulations</a:t>
+            </a:r>
+          </a:p>
+          <a:p>
+            <a:pPr lvl="1"/>
+            <a:r>
+              <a:rPr lang="en-US" dirty="0"/>
+              <a:t>Harmonics mode is a </a:t>
+            </a:r>
+            <a:r>
+              <a:rPr lang="en-US" u="sng" dirty="0"/>
+              <a:t>Voltage</a:t>
+            </a:r>
+            <a:r>
+              <a:rPr lang="en-US" dirty="0"/>
+              <a:t> behind </a:t>
+            </a:r>
+            <a:r>
+              <a:rPr lang="en-US" dirty="0" err="1"/>
+              <a:t>Xd</a:t>
+            </a:r>
+            <a:r>
+              <a:rPr lang="en-US" dirty="0"/>
+              <a:t>’’</a:t>
+            </a:r>
+          </a:p>
+          <a:p>
+            <a:pPr lvl="2"/>
+            <a:r>
+              <a:rPr lang="en-US" dirty="0"/>
+              <a:t>Originally meant to model small distortion in generator voltage</a:t>
+            </a:r>
+          </a:p>
+          <a:p>
+            <a:pPr lvl="1"/>
+            <a:r>
+              <a:rPr lang="en-US" dirty="0"/>
+              <a:t>Approximations for inverter-based models (Model 7)</a:t>
+            </a:r>
+          </a:p>
+          <a:p>
+            <a:pPr lvl="1"/>
+            <a:r>
+              <a:rPr lang="en-US" dirty="0"/>
+              <a:t>Follows LOADSHAPE like Load objects, but can also be dispatched</a:t>
+            </a:r>
+          </a:p>
+          <a:p>
+            <a:pPr lvl="1"/>
+            <a:r>
+              <a:rPr lang="en-US" dirty="0"/>
+              <a:t>GENERATOR has a built-in energy meter (reported by ENERGYMETER object reports)</a:t>
+            </a:r>
+          </a:p>
+        </p:txBody>
+      </p:sp>
+    </p:spTree>
+    <p:extLst>
+      <p:ext uri="{BB962C8B-B14F-4D97-AF65-F5344CB8AC3E}">
+        <p14:creationId xmlns:p14="http://schemas.microsoft.com/office/powerpoint/2010/main" val="1906040726"/>
+      </p:ext>
+    </p:extLst>
+  </p:cSld>
+  <p:clrMapOvr>
+    <a:masterClrMapping/>
+  </p:clrMapOvr>
+</p:sld>
+</file>
+
+<file path=ppt/slides/slide6.xml><?xml version="1.0" encoding="utf-8"?>
+<p:sld xmlns:a="http://schemas.openxmlformats.org/drawingml/2006/main" xmlns:r="http://schemas.openxmlformats.org/officeDocument/2006/relationships" xmlns:p="http://schemas.openxmlformats.org/presentationml/2006/main">
+  <p:cSld>
+    <p:spTree>
+      <p:nvGrpSpPr>
+        <p:cNvPr id="1" name=""/>
+        <p:cNvGrpSpPr/>
+        <p:nvPr/>
+      </p:nvGrpSpPr>
+      <p:grpSpPr>
+        <a:xfrm>
+          <a:off x="0" y="0"/>
+          <a:ext cx="0" cy="0"/>
+          <a:chOff x="0" y="0"/>
+          <a:chExt cx="0" cy="0"/>
+        </a:xfrm>
+      </p:grpSpPr>
+      <p:sp>
+        <p:nvSpPr>
+          <p:cNvPr id="78850" name="Rectangle 2"/>
+          <p:cNvSpPr>
+            <a:spLocks noGrp="1" noChangeArrowheads="1"/>
+          </p:cNvSpPr>
+          <p:nvPr>
+            <p:ph type="title"/>
+          </p:nvPr>
+        </p:nvSpPr>
+        <p:spPr/>
+        <p:txBody>
+          <a:bodyPr/>
+          <a:lstStyle/>
+          <a:p>
+            <a:pPr eaLnBrk="1" hangingPunct="1"/>
+            <a:r>
+              <a:rPr lang="en-US" altLang="en-US" dirty="0"/>
+              <a:t>Generator - 3-phase Y connected</a:t>
+            </a:r>
+          </a:p>
+        </p:txBody>
+      </p:sp>
+      <p:pic>
+        <p:nvPicPr>
+          <p:cNvPr id="78851" name="Picture 3"/>
+          <p:cNvPicPr>
+            <a:picLocks noChangeAspect="1" noChangeArrowheads="1"/>
+          </p:cNvPicPr>
+          <p:nvPr/>
+        </p:nvPicPr>
+        <p:blipFill>
+          <a:blip r:embed="rId3" cstate="print">
+            <a:extLst>
+              <a:ext uri="{28A0092B-C50C-407E-A947-70E740481C1C}">
+                <a14:useLocalDpi xmlns:a14="http://schemas.microsoft.com/office/drawing/2010/main" val="0"/>
+              </a:ext>
+            </a:extLst>
+          </a:blip>
+          <a:srcRect/>
+          <a:stretch>
+            <a:fillRect/>
+          </a:stretch>
+        </p:blipFill>
+        <p:spPr bwMode="auto">
+          <a:xfrm>
+            <a:off x="3124200" y="1371600"/>
+            <a:ext cx="3684588" cy="1458913"/>
+          </a:xfrm>
+          <a:prstGeom prst="rect">
+            <a:avLst/>
+          </a:prstGeom>
+          <a:noFill/>
+          <a:ln>
+            <a:noFill/>
+          </a:ln>
+          <a:extLst>
+            <a:ext uri="{909E8E84-426E-40DD-AFC4-6F175D3DCCD1}">
+              <a14:hiddenFill xmlns:a14="http://schemas.microsoft.com/office/drawing/2010/main">
+                <a:solidFill>
+                  <a:srgbClr val="FFFFFF"/>
+                </a:solidFill>
+              </a14:hiddenFill>
+            </a:ext>
+            <a:ext uri="{91240B29-F687-4F45-9708-019B960494DF}">
+              <a14:hiddenLine xmlns:a14="http://schemas.microsoft.com/office/drawing/2010/main" w="9525">
+                <a:solidFill>
+                  <a:srgbClr val="000000"/>
+                </a:solidFill>
+                <a:miter lim="800000"/>
+                <a:headEnd/>
+                <a:tailEnd/>
+              </a14:hiddenLine>
+            </a:ext>
+          </a:extLst>
+        </p:spPr>
+      </p:pic>
+      <p:pic>
+        <p:nvPicPr>
+          <p:cNvPr id="78852" name="Picture 4"/>
+          <p:cNvPicPr>
+            <a:picLocks noChangeAspect="1" noChangeArrowheads="1"/>
+          </p:cNvPicPr>
+          <p:nvPr/>
+        </p:nvPicPr>
+        <p:blipFill>
+          <a:blip r:embed="rId3" cstate="print">
+            <a:extLst>
+              <a:ext uri="{28A0092B-C50C-407E-A947-70E740481C1C}">
+                <a14:useLocalDpi xmlns:a14="http://schemas.microsoft.com/office/drawing/2010/main" val="0"/>
+              </a:ext>
+            </a:extLst>
+          </a:blip>
+          <a:srcRect/>
+          <a:stretch>
+            <a:fillRect/>
+          </a:stretch>
+        </p:blipFill>
+        <p:spPr bwMode="auto">
+          <a:xfrm>
+            <a:off x="3124200" y="3124200"/>
+            <a:ext cx="3684588" cy="1458913"/>
+          </a:xfrm>
+          <a:prstGeom prst="rect">
+            <a:avLst/>
+          </a:prstGeom>
+          <a:noFill/>
+          <a:ln>
+            <a:noFill/>
+          </a:ln>
+          <a:extLst>
+            <a:ext uri="{909E8E84-426E-40DD-AFC4-6F175D3DCCD1}">
+              <a14:hiddenFill xmlns:a14="http://schemas.microsoft.com/office/drawing/2010/main">
+                <a:solidFill>
+                  <a:srgbClr val="FFFFFF"/>
+                </a:solidFill>
+              </a14:hiddenFill>
+            </a:ext>
+            <a:ext uri="{91240B29-F687-4F45-9708-019B960494DF}">
+              <a14:hiddenLine xmlns:a14="http://schemas.microsoft.com/office/drawing/2010/main" w="9525">
+                <a:solidFill>
+                  <a:srgbClr val="000000"/>
+                </a:solidFill>
+                <a:miter lim="800000"/>
+                <a:headEnd/>
+                <a:tailEnd/>
+              </a14:hiddenLine>
+            </a:ext>
+          </a:extLst>
+        </p:spPr>
+      </p:pic>
+      <p:pic>
+        <p:nvPicPr>
+          <p:cNvPr id="78853" name="Picture 5"/>
+          <p:cNvPicPr>
+            <a:picLocks noChangeAspect="1" noChangeArrowheads="1"/>
+          </p:cNvPicPr>
+          <p:nvPr/>
+        </p:nvPicPr>
+        <p:blipFill>
+          <a:blip r:embed="rId3" cstate="print">
+            <a:extLst>
+              <a:ext uri="{28A0092B-C50C-407E-A947-70E740481C1C}">
+                <a14:useLocalDpi xmlns:a14="http://schemas.microsoft.com/office/drawing/2010/main" val="0"/>
+              </a:ext>
+            </a:extLst>
+          </a:blip>
+          <a:srcRect/>
+          <a:stretch>
+            <a:fillRect/>
+          </a:stretch>
+        </p:blipFill>
+        <p:spPr bwMode="auto">
+          <a:xfrm>
+            <a:off x="3124200" y="4953000"/>
+            <a:ext cx="3684588" cy="1458913"/>
+          </a:xfrm>
+          <a:prstGeom prst="rect">
+            <a:avLst/>
+          </a:prstGeom>
+          <a:noFill/>
+          <a:ln>
+            <a:noFill/>
+          </a:ln>
+          <a:extLst>
+            <a:ext uri="{909E8E84-426E-40DD-AFC4-6F175D3DCCD1}">
+              <a14:hiddenFill xmlns:a14="http://schemas.microsoft.com/office/drawing/2010/main">
+                <a:solidFill>
+                  <a:srgbClr val="FFFFFF"/>
+                </a:solidFill>
+              </a14:hiddenFill>
+            </a:ext>
+            <a:ext uri="{91240B29-F687-4F45-9708-019B960494DF}">
+              <a14:hiddenLine xmlns:a14="http://schemas.microsoft.com/office/drawing/2010/main" w="9525">
+                <a:solidFill>
+                  <a:srgbClr val="000000"/>
+                </a:solidFill>
+                <a:miter lim="800000"/>
+                <a:headEnd/>
+                <a:tailEnd/>
+              </a14:hiddenLine>
+            </a:ext>
+          </a:extLst>
+        </p:spPr>
+      </p:pic>
+      <p:sp>
+        <p:nvSpPr>
+          <p:cNvPr id="78854" name="Text Box 6"/>
+          <p:cNvSpPr txBox="1">
+            <a:spLocks noChangeArrowheads="1"/>
+          </p:cNvSpPr>
+          <p:nvPr/>
+        </p:nvSpPr>
+        <p:spPr bwMode="auto">
+          <a:xfrm>
+            <a:off x="6553200" y="1752600"/>
+            <a:ext cx="1447800" cy="336550"/>
+          </a:xfrm>
+          <a:prstGeom prst="rect">
+            <a:avLst/>
+          </a:prstGeom>
+          <a:noFill/>
+          <a:ln>
+            <a:noFill/>
+          </a:ln>
+          <a:extLst>
+            <a:ext uri="{909E8E84-426E-40DD-AFC4-6F175D3DCCD1}">
+              <a14:hiddenFill xmlns:a14="http://schemas.microsoft.com/office/drawing/2010/main">
+                <a:solidFill>
+                  <a:srgbClr val="FFFFFF"/>
+                </a:solidFill>
+              </a14:hiddenFill>
+            </a:ext>
+            <a:ext uri="{91240B29-F687-4F45-9708-019B960494DF}">
+              <a14:hiddenLine xmlns:a14="http://schemas.microsoft.com/office/drawing/2010/main" w="9525">
+                <a:solidFill>
+                  <a:srgbClr val="000000"/>
+                </a:solidFill>
+                <a:miter lim="800000"/>
+                <a:headEnd/>
+                <a:tailEnd/>
+              </a14:hiddenLine>
+            </a:ext>
+          </a:extLst>
+        </p:spPr>
+        <p:txBody>
+          <a:bodyPr>
+            <a:spAutoFit/>
+          </a:bodyPr>
+          <a:lstStyle>
+            <a:lvl1pPr marL="219075" indent="-219075">
+              <a:defRPr sz="1600">
+                <a:solidFill>
+                  <a:srgbClr val="000000"/>
+                </a:solidFill>
+                <a:latin typeface="Arial" panose="020B0604020202020204" pitchFamily="34" charset="0"/>
+              </a:defRPr>
+            </a:lvl1pPr>
+            <a:lvl2pPr marL="742950" indent="-285750">
+              <a:defRPr sz="1600">
+                <a:solidFill>
+                  <a:srgbClr val="000000"/>
+                </a:solidFill>
+                <a:latin typeface="Arial" panose="020B0604020202020204" pitchFamily="34" charset="0"/>
+              </a:defRPr>
+            </a:lvl2pPr>
+            <a:lvl3pPr marL="1143000" indent="-228600">
+              <a:defRPr sz="1600">
+                <a:solidFill>
+                  <a:srgbClr val="000000"/>
+                </a:solidFill>
+                <a:latin typeface="Arial" panose="020B0604020202020204" pitchFamily="34" charset="0"/>
+              </a:defRPr>
+            </a:lvl3pPr>
+            <a:lvl4pPr marL="1600200" indent="-228600">
+              <a:defRPr sz="1600">
+                <a:solidFill>
+                  <a:srgbClr val="000000"/>
+                </a:solidFill>
+                <a:latin typeface="Arial" panose="020B0604020202020204" pitchFamily="34" charset="0"/>
+              </a:defRPr>
+            </a:lvl4pPr>
+            <a:lvl5pPr marL="2057400" indent="-228600">
+              <a:defRPr sz="1600">
+                <a:solidFill>
+                  <a:srgbClr val="000000"/>
+                </a:solidFill>
+                <a:latin typeface="Arial" panose="020B0604020202020204" pitchFamily="34" charset="0"/>
+              </a:defRPr>
+            </a:lvl5pPr>
+            <a:lvl6pPr marL="2514600" indent="-228600" algn="ctr" eaLnBrk="0" fontAlgn="base" hangingPunct="0">
+              <a:spcBef>
+                <a:spcPct val="50000"/>
+              </a:spcBef>
+              <a:spcAft>
+                <a:spcPct val="0"/>
+              </a:spcAft>
+              <a:defRPr sz="1600">
+                <a:solidFill>
+                  <a:srgbClr val="000000"/>
+                </a:solidFill>
+                <a:latin typeface="Arial" panose="020B0604020202020204" pitchFamily="34" charset="0"/>
+              </a:defRPr>
+            </a:lvl6pPr>
+            <a:lvl7pPr marL="2971800" indent="-228600" algn="ctr" eaLnBrk="0" fontAlgn="base" hangingPunct="0">
+              <a:spcBef>
+                <a:spcPct val="50000"/>
+              </a:spcBef>
+              <a:spcAft>
+                <a:spcPct val="0"/>
+              </a:spcAft>
+              <a:defRPr sz="1600">
+                <a:solidFill>
+                  <a:srgbClr val="000000"/>
+                </a:solidFill>
+                <a:latin typeface="Arial" panose="020B0604020202020204" pitchFamily="34" charset="0"/>
+              </a:defRPr>
+            </a:lvl7pPr>
+            <a:lvl8pPr marL="3429000" indent="-228600" algn="ctr" eaLnBrk="0" fontAlgn="base" hangingPunct="0">
+              <a:spcBef>
+                <a:spcPct val="50000"/>
+              </a:spcBef>
+              <a:spcAft>
+                <a:spcPct val="0"/>
+              </a:spcAft>
+              <a:defRPr sz="1600">
+                <a:solidFill>
+                  <a:srgbClr val="000000"/>
+                </a:solidFill>
+                <a:latin typeface="Arial" panose="020B0604020202020204" pitchFamily="34" charset="0"/>
+              </a:defRPr>
+            </a:lvl8pPr>
+            <a:lvl9pPr marL="3886200" indent="-228600" algn="ctr" eaLnBrk="0" fontAlgn="base" hangingPunct="0">
+              <a:spcBef>
+                <a:spcPct val="50000"/>
+              </a:spcBef>
+              <a:spcAft>
+                <a:spcPct val="0"/>
+              </a:spcAft>
+              <a:defRPr sz="1600">
+                <a:solidFill>
+                  <a:srgbClr val="000000"/>
+                </a:solidFill>
+                <a:latin typeface="Arial" panose="020B0604020202020204" pitchFamily="34" charset="0"/>
+              </a:defRPr>
+            </a:lvl9pPr>
+          </a:lstStyle>
+          <a:p>
+            <a:r>
+              <a:rPr lang="en-US" altLang="en-US"/>
+              <a:t>Phase 1</a:t>
+            </a:r>
+          </a:p>
+        </p:txBody>
+      </p:sp>
+      <p:sp>
+        <p:nvSpPr>
+          <p:cNvPr id="78855" name="Text Box 7"/>
+          <p:cNvSpPr txBox="1">
+            <a:spLocks noChangeArrowheads="1"/>
+          </p:cNvSpPr>
+          <p:nvPr/>
+        </p:nvSpPr>
+        <p:spPr bwMode="auto">
+          <a:xfrm>
+            <a:off x="6553200" y="3581400"/>
+            <a:ext cx="1447800" cy="336550"/>
+          </a:xfrm>
+          <a:prstGeom prst="rect">
+            <a:avLst/>
+          </a:prstGeom>
+          <a:noFill/>
+          <a:ln>
+            <a:noFill/>
+          </a:ln>
+          <a:extLst>
+            <a:ext uri="{909E8E84-426E-40DD-AFC4-6F175D3DCCD1}">
+              <a14:hiddenFill xmlns:a14="http://schemas.microsoft.com/office/drawing/2010/main">
+                <a:solidFill>
+                  <a:srgbClr val="FFFFFF"/>
+                </a:solidFill>
+              </a14:hiddenFill>
+            </a:ext>
+            <a:ext uri="{91240B29-F687-4F45-9708-019B960494DF}">
+              <a14:hiddenLine xmlns:a14="http://schemas.microsoft.com/office/drawing/2010/main" w="9525">
+                <a:solidFill>
+                  <a:srgbClr val="000000"/>
+                </a:solidFill>
+                <a:miter lim="800000"/>
+                <a:headEnd/>
+                <a:tailEnd/>
+              </a14:hiddenLine>
+            </a:ext>
+          </a:extLst>
+        </p:spPr>
+        <p:txBody>
+          <a:bodyPr>
+            <a:spAutoFit/>
+          </a:bodyPr>
+          <a:lstStyle>
+            <a:lvl1pPr marL="219075" indent="-219075">
+              <a:defRPr sz="1600">
+                <a:solidFill>
+                  <a:srgbClr val="000000"/>
+                </a:solidFill>
+                <a:latin typeface="Arial" panose="020B0604020202020204" pitchFamily="34" charset="0"/>
+              </a:defRPr>
+            </a:lvl1pPr>
+            <a:lvl2pPr marL="742950" indent="-285750">
+              <a:defRPr sz="1600">
+                <a:solidFill>
+                  <a:srgbClr val="000000"/>
+                </a:solidFill>
+                <a:latin typeface="Arial" panose="020B0604020202020204" pitchFamily="34" charset="0"/>
+              </a:defRPr>
+            </a:lvl2pPr>
+            <a:lvl3pPr marL="1143000" indent="-228600">
+              <a:defRPr sz="1600">
+                <a:solidFill>
+                  <a:srgbClr val="000000"/>
+                </a:solidFill>
+                <a:latin typeface="Arial" panose="020B0604020202020204" pitchFamily="34" charset="0"/>
+              </a:defRPr>
+            </a:lvl3pPr>
+            <a:lvl4pPr marL="1600200" indent="-228600">
+              <a:defRPr sz="1600">
+                <a:solidFill>
+                  <a:srgbClr val="000000"/>
+                </a:solidFill>
+                <a:latin typeface="Arial" panose="020B0604020202020204" pitchFamily="34" charset="0"/>
+              </a:defRPr>
+            </a:lvl4pPr>
+            <a:lvl5pPr marL="2057400" indent="-228600">
+              <a:defRPr sz="1600">
+                <a:solidFill>
+                  <a:srgbClr val="000000"/>
+                </a:solidFill>
+                <a:latin typeface="Arial" panose="020B0604020202020204" pitchFamily="34" charset="0"/>
+              </a:defRPr>
+            </a:lvl5pPr>
+            <a:lvl6pPr marL="2514600" indent="-228600" algn="ctr" eaLnBrk="0" fontAlgn="base" hangingPunct="0">
+              <a:spcBef>
+                <a:spcPct val="50000"/>
+              </a:spcBef>
+              <a:spcAft>
+                <a:spcPct val="0"/>
+              </a:spcAft>
+              <a:defRPr sz="1600">
+                <a:solidFill>
+                  <a:srgbClr val="000000"/>
+                </a:solidFill>
+                <a:latin typeface="Arial" panose="020B0604020202020204" pitchFamily="34" charset="0"/>
+              </a:defRPr>
+            </a:lvl6pPr>
+            <a:lvl7pPr marL="2971800" indent="-228600" algn="ctr" eaLnBrk="0" fontAlgn="base" hangingPunct="0">
+              <a:spcBef>
+                <a:spcPct val="50000"/>
+              </a:spcBef>
+              <a:spcAft>
+                <a:spcPct val="0"/>
+              </a:spcAft>
+              <a:defRPr sz="1600">
+                <a:solidFill>
+                  <a:srgbClr val="000000"/>
+                </a:solidFill>
+                <a:latin typeface="Arial" panose="020B0604020202020204" pitchFamily="34" charset="0"/>
+              </a:defRPr>
+            </a:lvl7pPr>
+            <a:lvl8pPr marL="3429000" indent="-228600" algn="ctr" eaLnBrk="0" fontAlgn="base" hangingPunct="0">
+              <a:spcBef>
+                <a:spcPct val="50000"/>
+              </a:spcBef>
+              <a:spcAft>
+                <a:spcPct val="0"/>
+              </a:spcAft>
+              <a:defRPr sz="1600">
+                <a:solidFill>
+                  <a:srgbClr val="000000"/>
+                </a:solidFill>
+                <a:latin typeface="Arial" panose="020B0604020202020204" pitchFamily="34" charset="0"/>
+              </a:defRPr>
+            </a:lvl8pPr>
+            <a:lvl9pPr marL="3886200" indent="-228600" algn="ctr" eaLnBrk="0" fontAlgn="base" hangingPunct="0">
+              <a:spcBef>
+                <a:spcPct val="50000"/>
+              </a:spcBef>
+              <a:spcAft>
+                <a:spcPct val="0"/>
+              </a:spcAft>
+              <a:defRPr sz="1600">
+                <a:solidFill>
+                  <a:srgbClr val="000000"/>
+                </a:solidFill>
+                <a:latin typeface="Arial" panose="020B0604020202020204" pitchFamily="34" charset="0"/>
+              </a:defRPr>
+            </a:lvl9pPr>
+          </a:lstStyle>
+          <a:p>
+            <a:r>
+              <a:rPr lang="en-US" altLang="en-US"/>
+              <a:t>Phase 2</a:t>
+            </a:r>
+          </a:p>
+        </p:txBody>
+      </p:sp>
+      <p:sp>
+        <p:nvSpPr>
+          <p:cNvPr id="78856" name="Text Box 8"/>
+          <p:cNvSpPr txBox="1">
+            <a:spLocks noChangeArrowheads="1"/>
+          </p:cNvSpPr>
+          <p:nvPr/>
+        </p:nvSpPr>
+        <p:spPr bwMode="auto">
+          <a:xfrm>
+            <a:off x="6553200" y="5410200"/>
+            <a:ext cx="1447800" cy="336550"/>
+          </a:xfrm>
+          <a:prstGeom prst="rect">
+            <a:avLst/>
+          </a:prstGeom>
+          <a:noFill/>
+          <a:ln>
+            <a:noFill/>
+          </a:ln>
+          <a:extLst>
+            <a:ext uri="{909E8E84-426E-40DD-AFC4-6F175D3DCCD1}">
+              <a14:hiddenFill xmlns:a14="http://schemas.microsoft.com/office/drawing/2010/main">
+                <a:solidFill>
+                  <a:srgbClr val="FFFFFF"/>
+                </a:solidFill>
+              </a14:hiddenFill>
+            </a:ext>
+            <a:ext uri="{91240B29-F687-4F45-9708-019B960494DF}">
+              <a14:hiddenLine xmlns:a14="http://schemas.microsoft.com/office/drawing/2010/main" w="9525">
+                <a:solidFill>
+                  <a:srgbClr val="000000"/>
+                </a:solidFill>
+                <a:miter lim="800000"/>
+                <a:headEnd/>
+                <a:tailEnd/>
+              </a14:hiddenLine>
+            </a:ext>
+          </a:extLst>
+        </p:spPr>
+        <p:txBody>
+          <a:bodyPr>
+            <a:spAutoFit/>
+          </a:bodyPr>
+          <a:lstStyle>
+            <a:lvl1pPr marL="219075" indent="-219075">
+              <a:defRPr sz="1600">
+                <a:solidFill>
+                  <a:srgbClr val="000000"/>
+                </a:solidFill>
+                <a:latin typeface="Arial" panose="020B0604020202020204" pitchFamily="34" charset="0"/>
+              </a:defRPr>
+            </a:lvl1pPr>
+            <a:lvl2pPr marL="742950" indent="-285750">
+              <a:defRPr sz="1600">
+                <a:solidFill>
+                  <a:srgbClr val="000000"/>
+                </a:solidFill>
+                <a:latin typeface="Arial" panose="020B0604020202020204" pitchFamily="34" charset="0"/>
+              </a:defRPr>
+            </a:lvl2pPr>
+            <a:lvl3pPr marL="1143000" indent="-228600">
+              <a:defRPr sz="1600">
+                <a:solidFill>
+                  <a:srgbClr val="000000"/>
+                </a:solidFill>
+                <a:latin typeface="Arial" panose="020B0604020202020204" pitchFamily="34" charset="0"/>
+              </a:defRPr>
+            </a:lvl3pPr>
+            <a:lvl4pPr marL="1600200" indent="-228600">
+              <a:defRPr sz="1600">
+                <a:solidFill>
+                  <a:srgbClr val="000000"/>
+                </a:solidFill>
+                <a:latin typeface="Arial" panose="020B0604020202020204" pitchFamily="34" charset="0"/>
+              </a:defRPr>
+            </a:lvl4pPr>
+            <a:lvl5pPr marL="2057400" indent="-228600">
+              <a:defRPr sz="1600">
+                <a:solidFill>
+                  <a:srgbClr val="000000"/>
+                </a:solidFill>
+                <a:latin typeface="Arial" panose="020B0604020202020204" pitchFamily="34" charset="0"/>
+              </a:defRPr>
+            </a:lvl5pPr>
+            <a:lvl6pPr marL="2514600" indent="-228600" algn="ctr" eaLnBrk="0" fontAlgn="base" hangingPunct="0">
+              <a:spcBef>
+                <a:spcPct val="50000"/>
+              </a:spcBef>
+              <a:spcAft>
+                <a:spcPct val="0"/>
+              </a:spcAft>
+              <a:defRPr sz="1600">
+                <a:solidFill>
+                  <a:srgbClr val="000000"/>
+                </a:solidFill>
+                <a:latin typeface="Arial" panose="020B0604020202020204" pitchFamily="34" charset="0"/>
+              </a:defRPr>
+            </a:lvl6pPr>
+            <a:lvl7pPr marL="2971800" indent="-228600" algn="ctr" eaLnBrk="0" fontAlgn="base" hangingPunct="0">
+              <a:spcBef>
+                <a:spcPct val="50000"/>
+              </a:spcBef>
+              <a:spcAft>
+                <a:spcPct val="0"/>
+              </a:spcAft>
+              <a:defRPr sz="1600">
+                <a:solidFill>
+                  <a:srgbClr val="000000"/>
+                </a:solidFill>
+                <a:latin typeface="Arial" panose="020B0604020202020204" pitchFamily="34" charset="0"/>
+              </a:defRPr>
+            </a:lvl7pPr>
+            <a:lvl8pPr marL="3429000" indent="-228600" algn="ctr" eaLnBrk="0" fontAlgn="base" hangingPunct="0">
+              <a:spcBef>
+                <a:spcPct val="50000"/>
+              </a:spcBef>
+              <a:spcAft>
+                <a:spcPct val="0"/>
+              </a:spcAft>
+              <a:defRPr sz="1600">
+                <a:solidFill>
+                  <a:srgbClr val="000000"/>
+                </a:solidFill>
+                <a:latin typeface="Arial" panose="020B0604020202020204" pitchFamily="34" charset="0"/>
+              </a:defRPr>
+            </a:lvl8pPr>
+            <a:lvl9pPr marL="3886200" indent="-228600" algn="ctr" eaLnBrk="0" fontAlgn="base" hangingPunct="0">
+              <a:spcBef>
+                <a:spcPct val="50000"/>
+              </a:spcBef>
+              <a:spcAft>
+                <a:spcPct val="0"/>
+              </a:spcAft>
+              <a:defRPr sz="1600">
+                <a:solidFill>
+                  <a:srgbClr val="000000"/>
+                </a:solidFill>
+                <a:latin typeface="Arial" panose="020B0604020202020204" pitchFamily="34" charset="0"/>
+              </a:defRPr>
+            </a:lvl9pPr>
+          </a:lstStyle>
+          <a:p>
+            <a:r>
+              <a:rPr lang="en-US" altLang="en-US"/>
+              <a:t>Phase 3</a:t>
+            </a:r>
+          </a:p>
+        </p:txBody>
+      </p:sp>
+      <p:sp>
+        <p:nvSpPr>
+          <p:cNvPr id="78857" name="Freeform 9"/>
+          <p:cNvSpPr>
+            <a:spLocks/>
+          </p:cNvSpPr>
+          <p:nvPr/>
+        </p:nvSpPr>
+        <p:spPr bwMode="auto">
+          <a:xfrm>
+            <a:off x="609600" y="1447800"/>
+            <a:ext cx="2743200" cy="1219200"/>
+          </a:xfrm>
+          <a:custGeom>
+            <a:avLst/>
+            <a:gdLst>
+              <a:gd name="T0" fmla="*/ 2147483647 w 1728"/>
+              <a:gd name="T1" fmla="*/ 0 h 768"/>
+              <a:gd name="T2" fmla="*/ 2147483647 w 1728"/>
+              <a:gd name="T3" fmla="*/ 0 h 768"/>
+              <a:gd name="T4" fmla="*/ 2147483647 w 1728"/>
+              <a:gd name="T5" fmla="*/ 2147483647 h 768"/>
+              <a:gd name="T6" fmla="*/ 0 w 1728"/>
+              <a:gd name="T7" fmla="*/ 2147483647 h 768"/>
+              <a:gd name="T8" fmla="*/ 0 60000 65536"/>
+              <a:gd name="T9" fmla="*/ 0 60000 65536"/>
+              <a:gd name="T10" fmla="*/ 0 60000 65536"/>
+              <a:gd name="T11" fmla="*/ 0 60000 65536"/>
+              <a:gd name="T12" fmla="*/ 0 w 1728"/>
+              <a:gd name="T13" fmla="*/ 0 h 768"/>
+              <a:gd name="T14" fmla="*/ 1728 w 1728"/>
+              <a:gd name="T15" fmla="*/ 768 h 768"/>
+            </a:gdLst>
+            <a:ahLst/>
+            <a:cxnLst>
+              <a:cxn ang="T8">
+                <a:pos x="T0" y="T1"/>
+              </a:cxn>
+              <a:cxn ang="T9">
+                <a:pos x="T2" y="T3"/>
+              </a:cxn>
+              <a:cxn ang="T10">
+                <a:pos x="T4" y="T5"/>
+              </a:cxn>
+              <a:cxn ang="T11">
+                <a:pos x="T6" y="T7"/>
+              </a:cxn>
+            </a:cxnLst>
+            <a:rect l="T12" t="T13" r="T14" b="T15"/>
+            <a:pathLst>
+              <a:path w="1728" h="768">
+                <a:moveTo>
+                  <a:pt x="1728" y="0"/>
+                </a:moveTo>
+                <a:lnTo>
+                  <a:pt x="576" y="0"/>
+                </a:lnTo>
+                <a:lnTo>
+                  <a:pt x="576" y="768"/>
+                </a:lnTo>
+                <a:lnTo>
+                  <a:pt x="0" y="768"/>
+                </a:lnTo>
+              </a:path>
+            </a:pathLst>
+          </a:custGeom>
+          <a:noFill/>
+          <a:ln w="28575" cap="flat" cmpd="sng">
+            <a:solidFill>
+              <a:schemeClr val="tx1"/>
+            </a:solidFill>
+            <a:prstDash val="solid"/>
+            <a:round/>
+            <a:headEnd/>
+            <a:tailEnd/>
+          </a:ln>
+          <a:extLst>
+            <a:ext uri="{909E8E84-426E-40DD-AFC4-6F175D3DCCD1}">
+              <a14:hiddenFill xmlns:a14="http://schemas.microsoft.com/office/drawing/2010/main">
+                <a:solidFill>
+                  <a:srgbClr val="FFFFFF"/>
+                </a:solidFill>
+              </a14:hiddenFill>
+            </a:ext>
+          </a:extLst>
+        </p:spPr>
+        <p:txBody>
+          <a:bodyPr anchor="ctr"/>
+          <a:lstStyle/>
+          <a:p>
+            <a:endParaRPr lang="en-US"/>
+          </a:p>
+        </p:txBody>
+      </p:sp>
+      <p:sp>
+        <p:nvSpPr>
+          <p:cNvPr id="78858" name="Line 10"/>
+          <p:cNvSpPr>
+            <a:spLocks noChangeShapeType="1"/>
+          </p:cNvSpPr>
+          <p:nvPr/>
+        </p:nvSpPr>
+        <p:spPr bwMode="auto">
+          <a:xfrm flipH="1">
+            <a:off x="609600" y="3200400"/>
+            <a:ext cx="2743200" cy="1588"/>
+          </a:xfrm>
+          <a:prstGeom prst="line">
+            <a:avLst/>
+          </a:prstGeom>
+          <a:noFill/>
+          <a:ln w="28575">
+            <a:solidFill>
+              <a:schemeClr val="tx1"/>
+            </a:solidFill>
+            <a:round/>
+            <a:headEnd/>
+            <a:tailEnd/>
+          </a:ln>
+          <a:extLst>
+            <a:ext uri="{909E8E84-426E-40DD-AFC4-6F175D3DCCD1}">
+              <a14:hiddenFill xmlns:a14="http://schemas.microsoft.com/office/drawing/2010/main">
+                <a:noFill/>
+              </a14:hiddenFill>
+            </a:ext>
+          </a:extLst>
+        </p:spPr>
+        <p:txBody>
+          <a:bodyPr anchor="ctr"/>
+          <a:lstStyle/>
+          <a:p>
+            <a:endParaRPr lang="en-US"/>
+          </a:p>
+        </p:txBody>
+      </p:sp>
+      <p:sp>
+        <p:nvSpPr>
+          <p:cNvPr id="78859" name="Freeform 11"/>
+          <p:cNvSpPr>
+            <a:spLocks/>
+          </p:cNvSpPr>
+          <p:nvPr/>
+        </p:nvSpPr>
+        <p:spPr bwMode="auto">
+          <a:xfrm>
+            <a:off x="609600" y="3886200"/>
+            <a:ext cx="2743200" cy="1143000"/>
+          </a:xfrm>
+          <a:custGeom>
+            <a:avLst/>
+            <a:gdLst>
+              <a:gd name="T0" fmla="*/ 2147483647 w 1728"/>
+              <a:gd name="T1" fmla="*/ 2147483647 h 720"/>
+              <a:gd name="T2" fmla="*/ 2147483647 w 1728"/>
+              <a:gd name="T3" fmla="*/ 2147483647 h 720"/>
+              <a:gd name="T4" fmla="*/ 2147483647 w 1728"/>
+              <a:gd name="T5" fmla="*/ 0 h 720"/>
+              <a:gd name="T6" fmla="*/ 0 w 1728"/>
+              <a:gd name="T7" fmla="*/ 0 h 720"/>
+              <a:gd name="T8" fmla="*/ 0 60000 65536"/>
+              <a:gd name="T9" fmla="*/ 0 60000 65536"/>
+              <a:gd name="T10" fmla="*/ 0 60000 65536"/>
+              <a:gd name="T11" fmla="*/ 0 60000 65536"/>
+              <a:gd name="T12" fmla="*/ 0 w 1728"/>
+              <a:gd name="T13" fmla="*/ 0 h 720"/>
+              <a:gd name="T14" fmla="*/ 1728 w 1728"/>
+              <a:gd name="T15" fmla="*/ 720 h 720"/>
+            </a:gdLst>
+            <a:ahLst/>
+            <a:cxnLst>
+              <a:cxn ang="T8">
+                <a:pos x="T0" y="T1"/>
+              </a:cxn>
+              <a:cxn ang="T9">
+                <a:pos x="T2" y="T3"/>
+              </a:cxn>
+              <a:cxn ang="T10">
+                <a:pos x="T4" y="T5"/>
+              </a:cxn>
+              <a:cxn ang="T11">
+                <a:pos x="T6" y="T7"/>
+              </a:cxn>
+            </a:cxnLst>
+            <a:rect l="T12" t="T13" r="T14" b="T15"/>
+            <a:pathLst>
+              <a:path w="1728" h="720">
+                <a:moveTo>
+                  <a:pt x="1728" y="720"/>
+                </a:moveTo>
+                <a:lnTo>
+                  <a:pt x="528" y="720"/>
+                </a:lnTo>
+                <a:lnTo>
+                  <a:pt x="528" y="0"/>
+                </a:lnTo>
+                <a:lnTo>
+                  <a:pt x="0" y="0"/>
+                </a:lnTo>
+              </a:path>
+            </a:pathLst>
+          </a:custGeom>
+          <a:noFill/>
+          <a:ln w="28575" cap="flat" cmpd="sng">
+            <a:solidFill>
+              <a:schemeClr val="tx1"/>
+            </a:solidFill>
+            <a:prstDash val="solid"/>
+            <a:round/>
+            <a:headEnd/>
+            <a:tailEnd/>
+          </a:ln>
+          <a:extLst>
+            <a:ext uri="{909E8E84-426E-40DD-AFC4-6F175D3DCCD1}">
+              <a14:hiddenFill xmlns:a14="http://schemas.microsoft.com/office/drawing/2010/main">
+                <a:solidFill>
+                  <a:srgbClr val="FFFFFF"/>
+                </a:solidFill>
+              </a14:hiddenFill>
+            </a:ext>
+          </a:extLst>
+        </p:spPr>
+        <p:txBody>
+          <a:bodyPr anchor="ctr"/>
+          <a:lstStyle/>
+          <a:p>
+            <a:endParaRPr lang="en-US"/>
+          </a:p>
+        </p:txBody>
+      </p:sp>
+      <p:sp>
+        <p:nvSpPr>
+          <p:cNvPr id="78860" name="Freeform 12"/>
+          <p:cNvSpPr>
+            <a:spLocks/>
+          </p:cNvSpPr>
+          <p:nvPr/>
+        </p:nvSpPr>
+        <p:spPr bwMode="auto">
+          <a:xfrm>
+            <a:off x="685800" y="2743200"/>
+            <a:ext cx="2667000" cy="3581400"/>
+          </a:xfrm>
+          <a:custGeom>
+            <a:avLst/>
+            <a:gdLst>
+              <a:gd name="T0" fmla="*/ 2147483647 w 1680"/>
+              <a:gd name="T1" fmla="*/ 0 h 2256"/>
+              <a:gd name="T2" fmla="*/ 2147483647 w 1680"/>
+              <a:gd name="T3" fmla="*/ 0 h 2256"/>
+              <a:gd name="T4" fmla="*/ 2147483647 w 1680"/>
+              <a:gd name="T5" fmla="*/ 2147483647 h 2256"/>
+              <a:gd name="T6" fmla="*/ 0 w 1680"/>
+              <a:gd name="T7" fmla="*/ 2147483647 h 2256"/>
+              <a:gd name="T8" fmla="*/ 0 60000 65536"/>
+              <a:gd name="T9" fmla="*/ 0 60000 65536"/>
+              <a:gd name="T10" fmla="*/ 0 60000 65536"/>
+              <a:gd name="T11" fmla="*/ 0 60000 65536"/>
+              <a:gd name="T12" fmla="*/ 0 w 1680"/>
+              <a:gd name="T13" fmla="*/ 0 h 2256"/>
+              <a:gd name="T14" fmla="*/ 1680 w 1680"/>
+              <a:gd name="T15" fmla="*/ 2256 h 2256"/>
+            </a:gdLst>
+            <a:ahLst/>
+            <a:cxnLst>
+              <a:cxn ang="T8">
+                <a:pos x="T0" y="T1"/>
+              </a:cxn>
+              <a:cxn ang="T9">
+                <a:pos x="T2" y="T3"/>
+              </a:cxn>
+              <a:cxn ang="T10">
+                <a:pos x="T4" y="T5"/>
+              </a:cxn>
+              <a:cxn ang="T11">
+                <a:pos x="T6" y="T7"/>
+              </a:cxn>
+            </a:cxnLst>
+            <a:rect l="T12" t="T13" r="T14" b="T15"/>
+            <a:pathLst>
+              <a:path w="1680" h="2256">
+                <a:moveTo>
+                  <a:pt x="1680" y="0"/>
+                </a:moveTo>
+                <a:lnTo>
+                  <a:pt x="1056" y="0"/>
+                </a:lnTo>
+                <a:lnTo>
+                  <a:pt x="1056" y="2256"/>
+                </a:lnTo>
+                <a:lnTo>
+                  <a:pt x="0" y="2256"/>
+                </a:lnTo>
+              </a:path>
+            </a:pathLst>
+          </a:custGeom>
+          <a:noFill/>
+          <a:ln w="28575" cap="flat" cmpd="sng">
+            <a:solidFill>
+              <a:srgbClr val="FF5050"/>
+            </a:solidFill>
+            <a:prstDash val="solid"/>
+            <a:round/>
+            <a:headEnd/>
+            <a:tailEnd/>
+          </a:ln>
+          <a:extLst>
+            <a:ext uri="{909E8E84-426E-40DD-AFC4-6F175D3DCCD1}">
+              <a14:hiddenFill xmlns:a14="http://schemas.microsoft.com/office/drawing/2010/main">
+                <a:solidFill>
+                  <a:srgbClr val="FFFFFF"/>
+                </a:solidFill>
+              </a14:hiddenFill>
+            </a:ext>
+          </a:extLst>
+        </p:spPr>
+        <p:txBody>
+          <a:bodyPr anchor="ctr"/>
+          <a:lstStyle/>
+          <a:p>
+            <a:endParaRPr lang="en-US"/>
+          </a:p>
+        </p:txBody>
+      </p:sp>
+      <p:sp>
+        <p:nvSpPr>
+          <p:cNvPr id="78861" name="Line 13"/>
+          <p:cNvSpPr>
+            <a:spLocks noChangeShapeType="1"/>
+          </p:cNvSpPr>
+          <p:nvPr/>
+        </p:nvSpPr>
+        <p:spPr bwMode="auto">
+          <a:xfrm flipH="1">
+            <a:off x="2362200" y="4495800"/>
+            <a:ext cx="1066800" cy="0"/>
+          </a:xfrm>
+          <a:prstGeom prst="line">
+            <a:avLst/>
+          </a:prstGeom>
+          <a:noFill/>
+          <a:ln w="28575">
+            <a:solidFill>
+              <a:srgbClr val="FF5050"/>
+            </a:solidFill>
+            <a:round/>
+            <a:headEnd/>
+            <a:tailEnd/>
+          </a:ln>
+          <a:extLst>
+            <a:ext uri="{909E8E84-426E-40DD-AFC4-6F175D3DCCD1}">
+              <a14:hiddenFill xmlns:a14="http://schemas.microsoft.com/office/drawing/2010/main">
+                <a:noFill/>
+              </a14:hiddenFill>
+            </a:ext>
+          </a:extLst>
+        </p:spPr>
+        <p:txBody>
+          <a:bodyPr anchor="ctr"/>
+          <a:lstStyle/>
+          <a:p>
+            <a:endParaRPr lang="en-US"/>
+          </a:p>
+        </p:txBody>
+      </p:sp>
+      <p:sp>
+        <p:nvSpPr>
+          <p:cNvPr id="78862" name="Line 14"/>
+          <p:cNvSpPr>
+            <a:spLocks noChangeShapeType="1"/>
+          </p:cNvSpPr>
+          <p:nvPr/>
+        </p:nvSpPr>
+        <p:spPr bwMode="auto">
+          <a:xfrm flipH="1">
+            <a:off x="2362200" y="6324600"/>
+            <a:ext cx="990600" cy="0"/>
+          </a:xfrm>
+          <a:prstGeom prst="line">
+            <a:avLst/>
+          </a:prstGeom>
+          <a:noFill/>
+          <a:ln w="28575">
+            <a:solidFill>
+              <a:srgbClr val="FF5050"/>
+            </a:solidFill>
+            <a:round/>
+            <a:headEnd/>
+            <a:tailEnd/>
+          </a:ln>
+          <a:extLst>
+            <a:ext uri="{909E8E84-426E-40DD-AFC4-6F175D3DCCD1}">
+              <a14:hiddenFill xmlns:a14="http://schemas.microsoft.com/office/drawing/2010/main">
+                <a:noFill/>
+              </a14:hiddenFill>
+            </a:ext>
+          </a:extLst>
+        </p:spPr>
+        <p:txBody>
+          <a:bodyPr anchor="ctr"/>
+          <a:lstStyle/>
+          <a:p>
+            <a:endParaRPr lang="en-US"/>
+          </a:p>
+        </p:txBody>
+      </p:sp>
+      <p:sp>
+        <p:nvSpPr>
+          <p:cNvPr id="78863" name="Oval 15"/>
+          <p:cNvSpPr>
+            <a:spLocks noChangeArrowheads="1"/>
+          </p:cNvSpPr>
+          <p:nvPr/>
+        </p:nvSpPr>
+        <p:spPr bwMode="auto">
+          <a:xfrm>
+            <a:off x="533400" y="6248400"/>
+            <a:ext cx="152400" cy="152400"/>
+          </a:xfrm>
+          <a:prstGeom prst="ellipse">
+            <a:avLst/>
+          </a:prstGeom>
+          <a:solidFill>
+            <a:srgbClr val="0033CC"/>
+          </a:solidFill>
+          <a:ln w="9525">
+            <a:solidFill>
+              <a:schemeClr val="tx1"/>
+            </a:solidFill>
+            <a:round/>
+            <a:headEnd/>
+            <a:tailEnd/>
+          </a:ln>
+        </p:spPr>
+        <p:txBody>
+          <a:bodyPr wrap="none" anchor="ctr"/>
+          <a:lstStyle>
+            <a:lvl1pPr>
+              <a:defRPr sz="1600">
+                <a:solidFill>
+                  <a:srgbClr val="000000"/>
+                </a:solidFill>
+                <a:latin typeface="Arial" panose="020B0604020202020204" pitchFamily="34" charset="0"/>
+              </a:defRPr>
+            </a:lvl1pPr>
+            <a:lvl2pPr marL="742950" indent="-285750">
+              <a:defRPr sz="1600">
+                <a:solidFill>
+                  <a:srgbClr val="000000"/>
+                </a:solidFill>
+                <a:latin typeface="Arial" panose="020B0604020202020204" pitchFamily="34" charset="0"/>
+              </a:defRPr>
+            </a:lvl2pPr>
+            <a:lvl3pPr marL="1143000" indent="-228600">
+              <a:defRPr sz="1600">
+                <a:solidFill>
+                  <a:srgbClr val="000000"/>
+                </a:solidFill>
+                <a:latin typeface="Arial" panose="020B0604020202020204" pitchFamily="34" charset="0"/>
+              </a:defRPr>
+            </a:lvl3pPr>
+            <a:lvl4pPr marL="1600200" indent="-228600">
+              <a:defRPr sz="1600">
+                <a:solidFill>
+                  <a:srgbClr val="000000"/>
+                </a:solidFill>
+                <a:latin typeface="Arial" panose="020B0604020202020204" pitchFamily="34" charset="0"/>
+              </a:defRPr>
+            </a:lvl4pPr>
+            <a:lvl5pPr marL="2057400" indent="-228600">
+              <a:defRPr sz="1600">
+                <a:solidFill>
+                  <a:srgbClr val="000000"/>
+                </a:solidFill>
+                <a:latin typeface="Arial" panose="020B0604020202020204" pitchFamily="34" charset="0"/>
+              </a:defRPr>
+            </a:lvl5pPr>
+            <a:lvl6pPr marL="2514600" indent="-228600" algn="ctr" eaLnBrk="0" fontAlgn="base" hangingPunct="0">
+              <a:spcBef>
+                <a:spcPct val="50000"/>
+              </a:spcBef>
+              <a:spcAft>
+                <a:spcPct val="0"/>
+              </a:spcAft>
+              <a:defRPr sz="1600">
+                <a:solidFill>
+                  <a:srgbClr val="000000"/>
+                </a:solidFill>
+                <a:latin typeface="Arial" panose="020B0604020202020204" pitchFamily="34" charset="0"/>
+              </a:defRPr>
+            </a:lvl6pPr>
+            <a:lvl7pPr marL="2971800" indent="-228600" algn="ctr" eaLnBrk="0" fontAlgn="base" hangingPunct="0">
+              <a:spcBef>
+                <a:spcPct val="50000"/>
+              </a:spcBef>
+              <a:spcAft>
+                <a:spcPct val="0"/>
+              </a:spcAft>
+              <a:defRPr sz="1600">
+                <a:solidFill>
+                  <a:srgbClr val="000000"/>
+                </a:solidFill>
+                <a:latin typeface="Arial" panose="020B0604020202020204" pitchFamily="34" charset="0"/>
+              </a:defRPr>
+            </a:lvl7pPr>
+            <a:lvl8pPr marL="3429000" indent="-228600" algn="ctr" eaLnBrk="0" fontAlgn="base" hangingPunct="0">
+              <a:spcBef>
+                <a:spcPct val="50000"/>
+              </a:spcBef>
+              <a:spcAft>
+                <a:spcPct val="0"/>
+              </a:spcAft>
+              <a:defRPr sz="1600">
+                <a:solidFill>
+                  <a:srgbClr val="000000"/>
+                </a:solidFill>
+                <a:latin typeface="Arial" panose="020B0604020202020204" pitchFamily="34" charset="0"/>
+              </a:defRPr>
+            </a:lvl8pPr>
+            <a:lvl9pPr marL="3886200" indent="-228600" algn="ctr" eaLnBrk="0" fontAlgn="base" hangingPunct="0">
+              <a:spcBef>
+                <a:spcPct val="50000"/>
+              </a:spcBef>
+              <a:spcAft>
+                <a:spcPct val="0"/>
+              </a:spcAft>
+              <a:defRPr sz="1600">
+                <a:solidFill>
+                  <a:srgbClr val="000000"/>
+                </a:solidFill>
+                <a:latin typeface="Arial" panose="020B0604020202020204" pitchFamily="34" charset="0"/>
+              </a:defRPr>
+            </a:lvl9pPr>
+          </a:lstStyle>
+          <a:p>
+            <a:endParaRPr lang="en-US" altLang="en-US"/>
+          </a:p>
+        </p:txBody>
+      </p:sp>
+      <p:sp>
+        <p:nvSpPr>
+          <p:cNvPr id="78864" name="Oval 16"/>
+          <p:cNvSpPr>
+            <a:spLocks noChangeArrowheads="1"/>
+          </p:cNvSpPr>
+          <p:nvPr/>
+        </p:nvSpPr>
+        <p:spPr bwMode="auto">
+          <a:xfrm>
+            <a:off x="533400" y="3810000"/>
+            <a:ext cx="152400" cy="152400"/>
+          </a:xfrm>
+          <a:prstGeom prst="ellipse">
+            <a:avLst/>
+          </a:prstGeom>
+          <a:solidFill>
+            <a:srgbClr val="0033CC"/>
+          </a:solidFill>
+          <a:ln w="9525">
+            <a:solidFill>
+              <a:schemeClr val="tx1"/>
+            </a:solidFill>
+            <a:round/>
+            <a:headEnd/>
+            <a:tailEnd/>
+          </a:ln>
+        </p:spPr>
+        <p:txBody>
+          <a:bodyPr wrap="none" anchor="ctr"/>
+          <a:lstStyle>
+            <a:lvl1pPr>
+              <a:defRPr sz="1600">
+                <a:solidFill>
+                  <a:srgbClr val="000000"/>
+                </a:solidFill>
+                <a:latin typeface="Arial" panose="020B0604020202020204" pitchFamily="34" charset="0"/>
+              </a:defRPr>
+            </a:lvl1pPr>
+            <a:lvl2pPr marL="742950" indent="-285750">
+              <a:defRPr sz="1600">
+                <a:solidFill>
+                  <a:srgbClr val="000000"/>
+                </a:solidFill>
+                <a:latin typeface="Arial" panose="020B0604020202020204" pitchFamily="34" charset="0"/>
+              </a:defRPr>
+            </a:lvl2pPr>
+            <a:lvl3pPr marL="1143000" indent="-228600">
+              <a:defRPr sz="1600">
+                <a:solidFill>
+                  <a:srgbClr val="000000"/>
+                </a:solidFill>
+                <a:latin typeface="Arial" panose="020B0604020202020204" pitchFamily="34" charset="0"/>
+              </a:defRPr>
+            </a:lvl3pPr>
+            <a:lvl4pPr marL="1600200" indent="-228600">
+              <a:defRPr sz="1600">
+                <a:solidFill>
+                  <a:srgbClr val="000000"/>
+                </a:solidFill>
+                <a:latin typeface="Arial" panose="020B0604020202020204" pitchFamily="34" charset="0"/>
+              </a:defRPr>
+            </a:lvl4pPr>
+            <a:lvl5pPr marL="2057400" indent="-228600">
+              <a:defRPr sz="1600">
+                <a:solidFill>
+                  <a:srgbClr val="000000"/>
+                </a:solidFill>
+                <a:latin typeface="Arial" panose="020B0604020202020204" pitchFamily="34" charset="0"/>
+              </a:defRPr>
+            </a:lvl5pPr>
+            <a:lvl6pPr marL="2514600" indent="-228600" algn="ctr" eaLnBrk="0" fontAlgn="base" hangingPunct="0">
+              <a:spcBef>
+                <a:spcPct val="50000"/>
+              </a:spcBef>
+              <a:spcAft>
+                <a:spcPct val="0"/>
+              </a:spcAft>
+              <a:defRPr sz="1600">
+                <a:solidFill>
+                  <a:srgbClr val="000000"/>
+                </a:solidFill>
+                <a:latin typeface="Arial" panose="020B0604020202020204" pitchFamily="34" charset="0"/>
+              </a:defRPr>
+            </a:lvl6pPr>
+            <a:lvl7pPr marL="2971800" indent="-228600" algn="ctr" eaLnBrk="0" fontAlgn="base" hangingPunct="0">
+              <a:spcBef>
+                <a:spcPct val="50000"/>
+              </a:spcBef>
+              <a:spcAft>
+                <a:spcPct val="0"/>
+              </a:spcAft>
+              <a:defRPr sz="1600">
+                <a:solidFill>
+                  <a:srgbClr val="000000"/>
+                </a:solidFill>
+                <a:latin typeface="Arial" panose="020B0604020202020204" pitchFamily="34" charset="0"/>
+              </a:defRPr>
+            </a:lvl7pPr>
+            <a:lvl8pPr marL="3429000" indent="-228600" algn="ctr" eaLnBrk="0" fontAlgn="base" hangingPunct="0">
+              <a:spcBef>
+                <a:spcPct val="50000"/>
+              </a:spcBef>
+              <a:spcAft>
+                <a:spcPct val="0"/>
+              </a:spcAft>
+              <a:defRPr sz="1600">
+                <a:solidFill>
+                  <a:srgbClr val="000000"/>
+                </a:solidFill>
+                <a:latin typeface="Arial" panose="020B0604020202020204" pitchFamily="34" charset="0"/>
+              </a:defRPr>
+            </a:lvl8pPr>
+            <a:lvl9pPr marL="3886200" indent="-228600" algn="ctr" eaLnBrk="0" fontAlgn="base" hangingPunct="0">
+              <a:spcBef>
+                <a:spcPct val="50000"/>
+              </a:spcBef>
+              <a:spcAft>
+                <a:spcPct val="0"/>
+              </a:spcAft>
+              <a:defRPr sz="1600">
+                <a:solidFill>
+                  <a:srgbClr val="000000"/>
+                </a:solidFill>
+                <a:latin typeface="Arial" panose="020B0604020202020204" pitchFamily="34" charset="0"/>
+              </a:defRPr>
+            </a:lvl9pPr>
+          </a:lstStyle>
+          <a:p>
+            <a:endParaRPr lang="en-US" altLang="en-US"/>
+          </a:p>
+        </p:txBody>
+      </p:sp>
+      <p:sp>
+        <p:nvSpPr>
+          <p:cNvPr id="78865" name="Oval 17"/>
+          <p:cNvSpPr>
+            <a:spLocks noChangeArrowheads="1"/>
+          </p:cNvSpPr>
+          <p:nvPr/>
+        </p:nvSpPr>
+        <p:spPr bwMode="auto">
+          <a:xfrm>
+            <a:off x="533400" y="3124200"/>
+            <a:ext cx="152400" cy="152400"/>
+          </a:xfrm>
+          <a:prstGeom prst="ellipse">
+            <a:avLst/>
+          </a:prstGeom>
+          <a:solidFill>
+            <a:srgbClr val="0033CC"/>
+          </a:solidFill>
+          <a:ln w="9525">
+            <a:solidFill>
+              <a:schemeClr val="tx1"/>
+            </a:solidFill>
+            <a:round/>
+            <a:headEnd/>
+            <a:tailEnd/>
+          </a:ln>
+        </p:spPr>
+        <p:txBody>
+          <a:bodyPr wrap="none" anchor="ctr"/>
+          <a:lstStyle>
+            <a:lvl1pPr>
+              <a:defRPr sz="1600">
+                <a:solidFill>
+                  <a:srgbClr val="000000"/>
+                </a:solidFill>
+                <a:latin typeface="Arial" panose="020B0604020202020204" pitchFamily="34" charset="0"/>
+              </a:defRPr>
+            </a:lvl1pPr>
+            <a:lvl2pPr marL="742950" indent="-285750">
+              <a:defRPr sz="1600">
+                <a:solidFill>
+                  <a:srgbClr val="000000"/>
+                </a:solidFill>
+                <a:latin typeface="Arial" panose="020B0604020202020204" pitchFamily="34" charset="0"/>
+              </a:defRPr>
+            </a:lvl2pPr>
+            <a:lvl3pPr marL="1143000" indent="-228600">
+              <a:defRPr sz="1600">
+                <a:solidFill>
+                  <a:srgbClr val="000000"/>
+                </a:solidFill>
+                <a:latin typeface="Arial" panose="020B0604020202020204" pitchFamily="34" charset="0"/>
+              </a:defRPr>
+            </a:lvl3pPr>
+            <a:lvl4pPr marL="1600200" indent="-228600">
+              <a:defRPr sz="1600">
+                <a:solidFill>
+                  <a:srgbClr val="000000"/>
+                </a:solidFill>
+                <a:latin typeface="Arial" panose="020B0604020202020204" pitchFamily="34" charset="0"/>
+              </a:defRPr>
+            </a:lvl4pPr>
+            <a:lvl5pPr marL="2057400" indent="-228600">
+              <a:defRPr sz="1600">
+                <a:solidFill>
+                  <a:srgbClr val="000000"/>
+                </a:solidFill>
+                <a:latin typeface="Arial" panose="020B0604020202020204" pitchFamily="34" charset="0"/>
+              </a:defRPr>
+            </a:lvl5pPr>
+            <a:lvl6pPr marL="2514600" indent="-228600" algn="ctr" eaLnBrk="0" fontAlgn="base" hangingPunct="0">
+              <a:spcBef>
+                <a:spcPct val="50000"/>
+              </a:spcBef>
+              <a:spcAft>
+                <a:spcPct val="0"/>
+              </a:spcAft>
+              <a:defRPr sz="1600">
+                <a:solidFill>
+                  <a:srgbClr val="000000"/>
+                </a:solidFill>
+                <a:latin typeface="Arial" panose="020B0604020202020204" pitchFamily="34" charset="0"/>
+              </a:defRPr>
+            </a:lvl6pPr>
+            <a:lvl7pPr marL="2971800" indent="-228600" algn="ctr" eaLnBrk="0" fontAlgn="base" hangingPunct="0">
+              <a:spcBef>
+                <a:spcPct val="50000"/>
+              </a:spcBef>
+              <a:spcAft>
+                <a:spcPct val="0"/>
+              </a:spcAft>
+              <a:defRPr sz="1600">
+                <a:solidFill>
+                  <a:srgbClr val="000000"/>
+                </a:solidFill>
+                <a:latin typeface="Arial" panose="020B0604020202020204" pitchFamily="34" charset="0"/>
+              </a:defRPr>
+            </a:lvl7pPr>
+            <a:lvl8pPr marL="3429000" indent="-228600" algn="ctr" eaLnBrk="0" fontAlgn="base" hangingPunct="0">
+              <a:spcBef>
+                <a:spcPct val="50000"/>
+              </a:spcBef>
+              <a:spcAft>
+                <a:spcPct val="0"/>
+              </a:spcAft>
+              <a:defRPr sz="1600">
+                <a:solidFill>
+                  <a:srgbClr val="000000"/>
+                </a:solidFill>
+                <a:latin typeface="Arial" panose="020B0604020202020204" pitchFamily="34" charset="0"/>
+              </a:defRPr>
+            </a:lvl8pPr>
+            <a:lvl9pPr marL="3886200" indent="-228600" algn="ctr" eaLnBrk="0" fontAlgn="base" hangingPunct="0">
+              <a:spcBef>
+                <a:spcPct val="50000"/>
+              </a:spcBef>
+              <a:spcAft>
+                <a:spcPct val="0"/>
+              </a:spcAft>
+              <a:defRPr sz="1600">
+                <a:solidFill>
+                  <a:srgbClr val="000000"/>
+                </a:solidFill>
+                <a:latin typeface="Arial" panose="020B0604020202020204" pitchFamily="34" charset="0"/>
+              </a:defRPr>
+            </a:lvl9pPr>
+          </a:lstStyle>
+          <a:p>
+            <a:endParaRPr lang="en-US" altLang="en-US"/>
+          </a:p>
+        </p:txBody>
+      </p:sp>
+      <p:sp>
+        <p:nvSpPr>
+          <p:cNvPr id="78866" name="Oval 18"/>
+          <p:cNvSpPr>
+            <a:spLocks noChangeArrowheads="1"/>
+          </p:cNvSpPr>
+          <p:nvPr/>
+        </p:nvSpPr>
+        <p:spPr bwMode="auto">
+          <a:xfrm>
+            <a:off x="533400" y="2590800"/>
+            <a:ext cx="152400" cy="152400"/>
+          </a:xfrm>
+          <a:prstGeom prst="ellipse">
+            <a:avLst/>
+          </a:prstGeom>
+          <a:solidFill>
+            <a:srgbClr val="0033CC"/>
+          </a:solidFill>
+          <a:ln w="9525">
+            <a:solidFill>
+              <a:schemeClr val="tx1"/>
+            </a:solidFill>
+            <a:round/>
+            <a:headEnd/>
+            <a:tailEnd/>
+          </a:ln>
+        </p:spPr>
+        <p:txBody>
+          <a:bodyPr wrap="none" anchor="ctr"/>
+          <a:lstStyle>
+            <a:lvl1pPr>
+              <a:defRPr sz="1600">
+                <a:solidFill>
+                  <a:srgbClr val="000000"/>
+                </a:solidFill>
+                <a:latin typeface="Arial" panose="020B0604020202020204" pitchFamily="34" charset="0"/>
+              </a:defRPr>
+            </a:lvl1pPr>
+            <a:lvl2pPr marL="742950" indent="-285750">
+              <a:defRPr sz="1600">
+                <a:solidFill>
+                  <a:srgbClr val="000000"/>
+                </a:solidFill>
+                <a:latin typeface="Arial" panose="020B0604020202020204" pitchFamily="34" charset="0"/>
+              </a:defRPr>
+            </a:lvl2pPr>
+            <a:lvl3pPr marL="1143000" indent="-228600">
+              <a:defRPr sz="1600">
+                <a:solidFill>
+                  <a:srgbClr val="000000"/>
+                </a:solidFill>
+                <a:latin typeface="Arial" panose="020B0604020202020204" pitchFamily="34" charset="0"/>
+              </a:defRPr>
+            </a:lvl3pPr>
+            <a:lvl4pPr marL="1600200" indent="-228600">
+              <a:defRPr sz="1600">
+                <a:solidFill>
+                  <a:srgbClr val="000000"/>
+                </a:solidFill>
+                <a:latin typeface="Arial" panose="020B0604020202020204" pitchFamily="34" charset="0"/>
+              </a:defRPr>
+            </a:lvl4pPr>
+            <a:lvl5pPr marL="2057400" indent="-228600">
+              <a:defRPr sz="1600">
+                <a:solidFill>
+                  <a:srgbClr val="000000"/>
+                </a:solidFill>
+                <a:latin typeface="Arial" panose="020B0604020202020204" pitchFamily="34" charset="0"/>
+              </a:defRPr>
+            </a:lvl5pPr>
+            <a:lvl6pPr marL="2514600" indent="-228600" algn="ctr" eaLnBrk="0" fontAlgn="base" hangingPunct="0">
+              <a:spcBef>
+                <a:spcPct val="50000"/>
+              </a:spcBef>
+              <a:spcAft>
+                <a:spcPct val="0"/>
+              </a:spcAft>
+              <a:defRPr sz="1600">
+                <a:solidFill>
+                  <a:srgbClr val="000000"/>
+                </a:solidFill>
+                <a:latin typeface="Arial" panose="020B0604020202020204" pitchFamily="34" charset="0"/>
+              </a:defRPr>
+            </a:lvl6pPr>
+            <a:lvl7pPr marL="2971800" indent="-228600" algn="ctr" eaLnBrk="0" fontAlgn="base" hangingPunct="0">
+              <a:spcBef>
+                <a:spcPct val="50000"/>
+              </a:spcBef>
+              <a:spcAft>
+                <a:spcPct val="0"/>
+              </a:spcAft>
+              <a:defRPr sz="1600">
+                <a:solidFill>
+                  <a:srgbClr val="000000"/>
+                </a:solidFill>
+                <a:latin typeface="Arial" panose="020B0604020202020204" pitchFamily="34" charset="0"/>
+              </a:defRPr>
+            </a:lvl7pPr>
+            <a:lvl8pPr marL="3429000" indent="-228600" algn="ctr" eaLnBrk="0" fontAlgn="base" hangingPunct="0">
+              <a:spcBef>
+                <a:spcPct val="50000"/>
+              </a:spcBef>
+              <a:spcAft>
+                <a:spcPct val="0"/>
+              </a:spcAft>
+              <a:defRPr sz="1600">
+                <a:solidFill>
+                  <a:srgbClr val="000000"/>
+                </a:solidFill>
+                <a:latin typeface="Arial" panose="020B0604020202020204" pitchFamily="34" charset="0"/>
+              </a:defRPr>
+            </a:lvl8pPr>
+            <a:lvl9pPr marL="3886200" indent="-228600" algn="ctr" eaLnBrk="0" fontAlgn="base" hangingPunct="0">
+              <a:spcBef>
+                <a:spcPct val="50000"/>
+              </a:spcBef>
+              <a:spcAft>
+                <a:spcPct val="0"/>
+              </a:spcAft>
+              <a:defRPr sz="1600">
+                <a:solidFill>
+                  <a:srgbClr val="000000"/>
+                </a:solidFill>
+                <a:latin typeface="Arial" panose="020B0604020202020204" pitchFamily="34" charset="0"/>
+              </a:defRPr>
+            </a:lvl9pPr>
+          </a:lstStyle>
+          <a:p>
+            <a:endParaRPr lang="en-US" altLang="en-US"/>
+          </a:p>
+        </p:txBody>
+      </p:sp>
+      <p:sp>
+        <p:nvSpPr>
+          <p:cNvPr id="78867" name="Text Box 19"/>
+          <p:cNvSpPr txBox="1">
+            <a:spLocks noChangeArrowheads="1"/>
+          </p:cNvSpPr>
+          <p:nvPr/>
+        </p:nvSpPr>
+        <p:spPr bwMode="auto">
+          <a:xfrm>
+            <a:off x="152400" y="3733800"/>
+            <a:ext cx="304800" cy="336550"/>
+          </a:xfrm>
+          <a:prstGeom prst="rect">
+            <a:avLst/>
+          </a:prstGeom>
+          <a:noFill/>
+          <a:ln>
+            <a:noFill/>
+          </a:ln>
+          <a:extLst>
+            <a:ext uri="{909E8E84-426E-40DD-AFC4-6F175D3DCCD1}">
+              <a14:hiddenFill xmlns:a14="http://schemas.microsoft.com/office/drawing/2010/main">
+                <a:solidFill>
+                  <a:srgbClr val="FFFFFF"/>
+                </a:solidFill>
+              </a14:hiddenFill>
+            </a:ext>
+            <a:ext uri="{91240B29-F687-4F45-9708-019B960494DF}">
+              <a14:hiddenLine xmlns:a14="http://schemas.microsoft.com/office/drawing/2010/main" w="9525">
+                <a:solidFill>
+                  <a:srgbClr val="000000"/>
+                </a:solidFill>
+                <a:miter lim="800000"/>
+                <a:headEnd/>
+                <a:tailEnd/>
+              </a14:hiddenLine>
+            </a:ext>
+          </a:extLst>
+        </p:spPr>
+        <p:txBody>
+          <a:bodyPr>
+            <a:spAutoFit/>
+          </a:bodyPr>
+          <a:lstStyle>
+            <a:lvl1pPr marL="219075" indent="-219075">
+              <a:defRPr sz="1600">
+                <a:solidFill>
+                  <a:srgbClr val="000000"/>
+                </a:solidFill>
+                <a:latin typeface="Arial" panose="020B0604020202020204" pitchFamily="34" charset="0"/>
+              </a:defRPr>
+            </a:lvl1pPr>
+            <a:lvl2pPr marL="742950" indent="-285750">
+              <a:defRPr sz="1600">
+                <a:solidFill>
+                  <a:srgbClr val="000000"/>
+                </a:solidFill>
+                <a:latin typeface="Arial" panose="020B0604020202020204" pitchFamily="34" charset="0"/>
+              </a:defRPr>
+            </a:lvl2pPr>
+            <a:lvl3pPr marL="1143000" indent="-228600">
+              <a:defRPr sz="1600">
+                <a:solidFill>
+                  <a:srgbClr val="000000"/>
+                </a:solidFill>
+                <a:latin typeface="Arial" panose="020B0604020202020204" pitchFamily="34" charset="0"/>
+              </a:defRPr>
+            </a:lvl3pPr>
+            <a:lvl4pPr marL="1600200" indent="-228600">
+              <a:defRPr sz="1600">
+                <a:solidFill>
+                  <a:srgbClr val="000000"/>
+                </a:solidFill>
+                <a:latin typeface="Arial" panose="020B0604020202020204" pitchFamily="34" charset="0"/>
+              </a:defRPr>
+            </a:lvl4pPr>
+            <a:lvl5pPr marL="2057400" indent="-228600">
+              <a:defRPr sz="1600">
+                <a:solidFill>
+                  <a:srgbClr val="000000"/>
+                </a:solidFill>
+                <a:latin typeface="Arial" panose="020B0604020202020204" pitchFamily="34" charset="0"/>
+              </a:defRPr>
+            </a:lvl5pPr>
+            <a:lvl6pPr marL="2514600" indent="-228600" algn="ctr" eaLnBrk="0" fontAlgn="base" hangingPunct="0">
+              <a:spcBef>
+                <a:spcPct val="50000"/>
+              </a:spcBef>
+              <a:spcAft>
+                <a:spcPct val="0"/>
+              </a:spcAft>
+              <a:defRPr sz="1600">
+                <a:solidFill>
+                  <a:srgbClr val="000000"/>
+                </a:solidFill>
+                <a:latin typeface="Arial" panose="020B0604020202020204" pitchFamily="34" charset="0"/>
+              </a:defRPr>
+            </a:lvl6pPr>
+            <a:lvl7pPr marL="2971800" indent="-228600" algn="ctr" eaLnBrk="0" fontAlgn="base" hangingPunct="0">
+              <a:spcBef>
+                <a:spcPct val="50000"/>
+              </a:spcBef>
+              <a:spcAft>
+                <a:spcPct val="0"/>
+              </a:spcAft>
+              <a:defRPr sz="1600">
+                <a:solidFill>
+                  <a:srgbClr val="000000"/>
+                </a:solidFill>
+                <a:latin typeface="Arial" panose="020B0604020202020204" pitchFamily="34" charset="0"/>
+              </a:defRPr>
+            </a:lvl7pPr>
+            <a:lvl8pPr marL="3429000" indent="-228600" algn="ctr" eaLnBrk="0" fontAlgn="base" hangingPunct="0">
+              <a:spcBef>
+                <a:spcPct val="50000"/>
+              </a:spcBef>
+              <a:spcAft>
+                <a:spcPct val="0"/>
+              </a:spcAft>
+              <a:defRPr sz="1600">
+                <a:solidFill>
+                  <a:srgbClr val="000000"/>
+                </a:solidFill>
+                <a:latin typeface="Arial" panose="020B0604020202020204" pitchFamily="34" charset="0"/>
+              </a:defRPr>
+            </a:lvl8pPr>
+            <a:lvl9pPr marL="3886200" indent="-228600" algn="ctr" eaLnBrk="0" fontAlgn="base" hangingPunct="0">
+              <a:spcBef>
+                <a:spcPct val="50000"/>
+              </a:spcBef>
+              <a:spcAft>
+                <a:spcPct val="0"/>
+              </a:spcAft>
+              <a:defRPr sz="1600">
+                <a:solidFill>
+                  <a:srgbClr val="000000"/>
+                </a:solidFill>
+                <a:latin typeface="Arial" panose="020B0604020202020204" pitchFamily="34" charset="0"/>
+              </a:defRPr>
+            </a:lvl9pPr>
+          </a:lstStyle>
+          <a:p>
+            <a:r>
+              <a:rPr lang="en-US" altLang="en-US"/>
+              <a:t>3</a:t>
+            </a:r>
+          </a:p>
+        </p:txBody>
+      </p:sp>
+      <p:sp>
+        <p:nvSpPr>
+          <p:cNvPr id="78868" name="Text Box 20"/>
+          <p:cNvSpPr txBox="1">
+            <a:spLocks noChangeArrowheads="1"/>
+          </p:cNvSpPr>
+          <p:nvPr/>
+        </p:nvSpPr>
+        <p:spPr bwMode="auto">
+          <a:xfrm>
+            <a:off x="152400" y="3048000"/>
+            <a:ext cx="304800" cy="336550"/>
+          </a:xfrm>
+          <a:prstGeom prst="rect">
+            <a:avLst/>
+          </a:prstGeom>
+          <a:noFill/>
+          <a:ln>
+            <a:noFill/>
+          </a:ln>
+          <a:extLst>
+            <a:ext uri="{909E8E84-426E-40DD-AFC4-6F175D3DCCD1}">
+              <a14:hiddenFill xmlns:a14="http://schemas.microsoft.com/office/drawing/2010/main">
+                <a:solidFill>
+                  <a:srgbClr val="FFFFFF"/>
+                </a:solidFill>
+              </a14:hiddenFill>
+            </a:ext>
+            <a:ext uri="{91240B29-F687-4F45-9708-019B960494DF}">
+              <a14:hiddenLine xmlns:a14="http://schemas.microsoft.com/office/drawing/2010/main" w="9525">
+                <a:solidFill>
+                  <a:srgbClr val="000000"/>
+                </a:solidFill>
+                <a:miter lim="800000"/>
+                <a:headEnd/>
+                <a:tailEnd/>
+              </a14:hiddenLine>
+            </a:ext>
+          </a:extLst>
+        </p:spPr>
+        <p:txBody>
+          <a:bodyPr>
+            <a:spAutoFit/>
+          </a:bodyPr>
+          <a:lstStyle>
+            <a:lvl1pPr marL="219075" indent="-219075">
+              <a:defRPr sz="1600">
+                <a:solidFill>
+                  <a:srgbClr val="000000"/>
+                </a:solidFill>
+                <a:latin typeface="Arial" panose="020B0604020202020204" pitchFamily="34" charset="0"/>
+              </a:defRPr>
+            </a:lvl1pPr>
+            <a:lvl2pPr marL="742950" indent="-285750">
+              <a:defRPr sz="1600">
+                <a:solidFill>
+                  <a:srgbClr val="000000"/>
+                </a:solidFill>
+                <a:latin typeface="Arial" panose="020B0604020202020204" pitchFamily="34" charset="0"/>
+              </a:defRPr>
+            </a:lvl2pPr>
+            <a:lvl3pPr marL="1143000" indent="-228600">
+              <a:defRPr sz="1600">
+                <a:solidFill>
+                  <a:srgbClr val="000000"/>
+                </a:solidFill>
+                <a:latin typeface="Arial" panose="020B0604020202020204" pitchFamily="34" charset="0"/>
+              </a:defRPr>
+            </a:lvl3pPr>
+            <a:lvl4pPr marL="1600200" indent="-228600">
+              <a:defRPr sz="1600">
+                <a:solidFill>
+                  <a:srgbClr val="000000"/>
+                </a:solidFill>
+                <a:latin typeface="Arial" panose="020B0604020202020204" pitchFamily="34" charset="0"/>
+              </a:defRPr>
+            </a:lvl4pPr>
+            <a:lvl5pPr marL="2057400" indent="-228600">
+              <a:defRPr sz="1600">
+                <a:solidFill>
+                  <a:srgbClr val="000000"/>
+                </a:solidFill>
+                <a:latin typeface="Arial" panose="020B0604020202020204" pitchFamily="34" charset="0"/>
+              </a:defRPr>
+            </a:lvl5pPr>
+            <a:lvl6pPr marL="2514600" indent="-228600" algn="ctr" eaLnBrk="0" fontAlgn="base" hangingPunct="0">
+              <a:spcBef>
+                <a:spcPct val="50000"/>
+              </a:spcBef>
+              <a:spcAft>
+                <a:spcPct val="0"/>
+              </a:spcAft>
+              <a:defRPr sz="1600">
+                <a:solidFill>
+                  <a:srgbClr val="000000"/>
+                </a:solidFill>
+                <a:latin typeface="Arial" panose="020B0604020202020204" pitchFamily="34" charset="0"/>
+              </a:defRPr>
+            </a:lvl6pPr>
+            <a:lvl7pPr marL="2971800" indent="-228600" algn="ctr" eaLnBrk="0" fontAlgn="base" hangingPunct="0">
+              <a:spcBef>
+                <a:spcPct val="50000"/>
+              </a:spcBef>
+              <a:spcAft>
+                <a:spcPct val="0"/>
+              </a:spcAft>
+              <a:defRPr sz="1600">
+                <a:solidFill>
+                  <a:srgbClr val="000000"/>
+                </a:solidFill>
+                <a:latin typeface="Arial" panose="020B0604020202020204" pitchFamily="34" charset="0"/>
+              </a:defRPr>
+            </a:lvl7pPr>
+            <a:lvl8pPr marL="3429000" indent="-228600" algn="ctr" eaLnBrk="0" fontAlgn="base" hangingPunct="0">
+              <a:spcBef>
+                <a:spcPct val="50000"/>
+              </a:spcBef>
+              <a:spcAft>
+                <a:spcPct val="0"/>
+              </a:spcAft>
+              <a:defRPr sz="1600">
+                <a:solidFill>
+                  <a:srgbClr val="000000"/>
+                </a:solidFill>
+                <a:latin typeface="Arial" panose="020B0604020202020204" pitchFamily="34" charset="0"/>
+              </a:defRPr>
+            </a:lvl8pPr>
+            <a:lvl9pPr marL="3886200" indent="-228600" algn="ctr" eaLnBrk="0" fontAlgn="base" hangingPunct="0">
+              <a:spcBef>
+                <a:spcPct val="50000"/>
+              </a:spcBef>
+              <a:spcAft>
+                <a:spcPct val="0"/>
+              </a:spcAft>
+              <a:defRPr sz="1600">
+                <a:solidFill>
+                  <a:srgbClr val="000000"/>
+                </a:solidFill>
+                <a:latin typeface="Arial" panose="020B0604020202020204" pitchFamily="34" charset="0"/>
+              </a:defRPr>
+            </a:lvl9pPr>
+          </a:lstStyle>
+          <a:p>
+            <a:r>
+              <a:rPr lang="en-US" altLang="en-US"/>
+              <a:t>2</a:t>
+            </a:r>
+          </a:p>
+        </p:txBody>
+      </p:sp>
+      <p:sp>
+        <p:nvSpPr>
+          <p:cNvPr id="78869" name="Text Box 21"/>
+          <p:cNvSpPr txBox="1">
+            <a:spLocks noChangeArrowheads="1"/>
+          </p:cNvSpPr>
+          <p:nvPr/>
+        </p:nvSpPr>
+        <p:spPr bwMode="auto">
+          <a:xfrm>
+            <a:off x="152400" y="2514600"/>
+            <a:ext cx="304800" cy="336550"/>
+          </a:xfrm>
+          <a:prstGeom prst="rect">
+            <a:avLst/>
+          </a:prstGeom>
+          <a:noFill/>
+          <a:ln>
+            <a:noFill/>
+          </a:ln>
+          <a:extLst>
+            <a:ext uri="{909E8E84-426E-40DD-AFC4-6F175D3DCCD1}">
+              <a14:hiddenFill xmlns:a14="http://schemas.microsoft.com/office/drawing/2010/main">
+                <a:solidFill>
+                  <a:srgbClr val="FFFFFF"/>
+                </a:solidFill>
+              </a14:hiddenFill>
+            </a:ext>
+            <a:ext uri="{91240B29-F687-4F45-9708-019B960494DF}">
+              <a14:hiddenLine xmlns:a14="http://schemas.microsoft.com/office/drawing/2010/main" w="9525">
+                <a:solidFill>
+                  <a:srgbClr val="000000"/>
+                </a:solidFill>
+                <a:miter lim="800000"/>
+                <a:headEnd/>
+                <a:tailEnd/>
+              </a14:hiddenLine>
+            </a:ext>
+          </a:extLst>
+        </p:spPr>
+        <p:txBody>
+          <a:bodyPr>
+            <a:spAutoFit/>
+          </a:bodyPr>
+          <a:lstStyle>
+            <a:lvl1pPr marL="219075" indent="-219075">
+              <a:defRPr sz="1600">
+                <a:solidFill>
+                  <a:srgbClr val="000000"/>
+                </a:solidFill>
+                <a:latin typeface="Arial" panose="020B0604020202020204" pitchFamily="34" charset="0"/>
+              </a:defRPr>
+            </a:lvl1pPr>
+            <a:lvl2pPr marL="742950" indent="-285750">
+              <a:defRPr sz="1600">
+                <a:solidFill>
+                  <a:srgbClr val="000000"/>
+                </a:solidFill>
+                <a:latin typeface="Arial" panose="020B0604020202020204" pitchFamily="34" charset="0"/>
+              </a:defRPr>
+            </a:lvl2pPr>
+            <a:lvl3pPr marL="1143000" indent="-228600">
+              <a:defRPr sz="1600">
+                <a:solidFill>
+                  <a:srgbClr val="000000"/>
+                </a:solidFill>
+                <a:latin typeface="Arial" panose="020B0604020202020204" pitchFamily="34" charset="0"/>
+              </a:defRPr>
+            </a:lvl3pPr>
+            <a:lvl4pPr marL="1600200" indent="-228600">
+              <a:defRPr sz="1600">
+                <a:solidFill>
+                  <a:srgbClr val="000000"/>
+                </a:solidFill>
+                <a:latin typeface="Arial" panose="020B0604020202020204" pitchFamily="34" charset="0"/>
+              </a:defRPr>
+            </a:lvl4pPr>
+            <a:lvl5pPr marL="2057400" indent="-228600">
+              <a:defRPr sz="1600">
+                <a:solidFill>
+                  <a:srgbClr val="000000"/>
+                </a:solidFill>
+                <a:latin typeface="Arial" panose="020B0604020202020204" pitchFamily="34" charset="0"/>
+              </a:defRPr>
+            </a:lvl5pPr>
+            <a:lvl6pPr marL="2514600" indent="-228600" algn="ctr" eaLnBrk="0" fontAlgn="base" hangingPunct="0">
+              <a:spcBef>
+                <a:spcPct val="50000"/>
+              </a:spcBef>
+              <a:spcAft>
+                <a:spcPct val="0"/>
+              </a:spcAft>
+              <a:defRPr sz="1600">
+                <a:solidFill>
+                  <a:srgbClr val="000000"/>
+                </a:solidFill>
+                <a:latin typeface="Arial" panose="020B0604020202020204" pitchFamily="34" charset="0"/>
+              </a:defRPr>
+            </a:lvl6pPr>
+            <a:lvl7pPr marL="2971800" indent="-228600" algn="ctr" eaLnBrk="0" fontAlgn="base" hangingPunct="0">
+              <a:spcBef>
+                <a:spcPct val="50000"/>
+              </a:spcBef>
+              <a:spcAft>
+                <a:spcPct val="0"/>
+              </a:spcAft>
+              <a:defRPr sz="1600">
+                <a:solidFill>
+                  <a:srgbClr val="000000"/>
+                </a:solidFill>
+                <a:latin typeface="Arial" panose="020B0604020202020204" pitchFamily="34" charset="0"/>
+              </a:defRPr>
+            </a:lvl7pPr>
+            <a:lvl8pPr marL="3429000" indent="-228600" algn="ctr" eaLnBrk="0" fontAlgn="base" hangingPunct="0">
+              <a:spcBef>
+                <a:spcPct val="50000"/>
+              </a:spcBef>
+              <a:spcAft>
+                <a:spcPct val="0"/>
+              </a:spcAft>
+              <a:defRPr sz="1600">
+                <a:solidFill>
+                  <a:srgbClr val="000000"/>
+                </a:solidFill>
+                <a:latin typeface="Arial" panose="020B0604020202020204" pitchFamily="34" charset="0"/>
+              </a:defRPr>
+            </a:lvl8pPr>
+            <a:lvl9pPr marL="3886200" indent="-228600" algn="ctr" eaLnBrk="0" fontAlgn="base" hangingPunct="0">
+              <a:spcBef>
+                <a:spcPct val="50000"/>
+              </a:spcBef>
+              <a:spcAft>
+                <a:spcPct val="0"/>
+              </a:spcAft>
+              <a:defRPr sz="1600">
+                <a:solidFill>
+                  <a:srgbClr val="000000"/>
+                </a:solidFill>
+                <a:latin typeface="Arial" panose="020B0604020202020204" pitchFamily="34" charset="0"/>
+              </a:defRPr>
+            </a:lvl9pPr>
+          </a:lstStyle>
+          <a:p>
+            <a:r>
+              <a:rPr lang="en-US" altLang="en-US"/>
+              <a:t>1</a:t>
+            </a:r>
+          </a:p>
+        </p:txBody>
+      </p:sp>
+      <p:sp>
+        <p:nvSpPr>
+          <p:cNvPr id="78870" name="Text Box 22"/>
+          <p:cNvSpPr txBox="1">
+            <a:spLocks noChangeArrowheads="1"/>
+          </p:cNvSpPr>
+          <p:nvPr/>
+        </p:nvSpPr>
+        <p:spPr bwMode="auto">
+          <a:xfrm>
+            <a:off x="152400" y="6096000"/>
+            <a:ext cx="304800" cy="336550"/>
+          </a:xfrm>
+          <a:prstGeom prst="rect">
+            <a:avLst/>
+          </a:prstGeom>
+          <a:noFill/>
+          <a:ln>
+            <a:noFill/>
+          </a:ln>
+          <a:extLst>
+            <a:ext uri="{909E8E84-426E-40DD-AFC4-6F175D3DCCD1}">
+              <a14:hiddenFill xmlns:a14="http://schemas.microsoft.com/office/drawing/2010/main">
+                <a:solidFill>
+                  <a:srgbClr val="FFFFFF"/>
+                </a:solidFill>
+              </a14:hiddenFill>
+            </a:ext>
+            <a:ext uri="{91240B29-F687-4F45-9708-019B960494DF}">
+              <a14:hiddenLine xmlns:a14="http://schemas.microsoft.com/office/drawing/2010/main" w="9525">
+                <a:solidFill>
+                  <a:srgbClr val="000000"/>
+                </a:solidFill>
+                <a:miter lim="800000"/>
+                <a:headEnd/>
+                <a:tailEnd/>
+              </a14:hiddenLine>
+            </a:ext>
+          </a:extLst>
+        </p:spPr>
+        <p:txBody>
+          <a:bodyPr>
+            <a:spAutoFit/>
+          </a:bodyPr>
+          <a:lstStyle>
+            <a:lvl1pPr marL="219075" indent="-219075">
+              <a:defRPr sz="1600">
+                <a:solidFill>
+                  <a:srgbClr val="000000"/>
+                </a:solidFill>
+                <a:latin typeface="Arial" panose="020B0604020202020204" pitchFamily="34" charset="0"/>
+              </a:defRPr>
+            </a:lvl1pPr>
+            <a:lvl2pPr marL="742950" indent="-285750">
+              <a:defRPr sz="1600">
+                <a:solidFill>
+                  <a:srgbClr val="000000"/>
+                </a:solidFill>
+                <a:latin typeface="Arial" panose="020B0604020202020204" pitchFamily="34" charset="0"/>
+              </a:defRPr>
+            </a:lvl2pPr>
+            <a:lvl3pPr marL="1143000" indent="-228600">
+              <a:defRPr sz="1600">
+                <a:solidFill>
+                  <a:srgbClr val="000000"/>
+                </a:solidFill>
+                <a:latin typeface="Arial" panose="020B0604020202020204" pitchFamily="34" charset="0"/>
+              </a:defRPr>
+            </a:lvl3pPr>
+            <a:lvl4pPr marL="1600200" indent="-228600">
+              <a:defRPr sz="1600">
+                <a:solidFill>
+                  <a:srgbClr val="000000"/>
+                </a:solidFill>
+                <a:latin typeface="Arial" panose="020B0604020202020204" pitchFamily="34" charset="0"/>
+              </a:defRPr>
+            </a:lvl4pPr>
+            <a:lvl5pPr marL="2057400" indent="-228600">
+              <a:defRPr sz="1600">
+                <a:solidFill>
+                  <a:srgbClr val="000000"/>
+                </a:solidFill>
+                <a:latin typeface="Arial" panose="020B0604020202020204" pitchFamily="34" charset="0"/>
+              </a:defRPr>
+            </a:lvl5pPr>
+            <a:lvl6pPr marL="2514600" indent="-228600" algn="ctr" eaLnBrk="0" fontAlgn="base" hangingPunct="0">
+              <a:spcBef>
+                <a:spcPct val="50000"/>
+              </a:spcBef>
+              <a:spcAft>
+                <a:spcPct val="0"/>
+              </a:spcAft>
+              <a:defRPr sz="1600">
+                <a:solidFill>
+                  <a:srgbClr val="000000"/>
+                </a:solidFill>
+                <a:latin typeface="Arial" panose="020B0604020202020204" pitchFamily="34" charset="0"/>
+              </a:defRPr>
+            </a:lvl6pPr>
+            <a:lvl7pPr marL="2971800" indent="-228600" algn="ctr" eaLnBrk="0" fontAlgn="base" hangingPunct="0">
+              <a:spcBef>
+                <a:spcPct val="50000"/>
+              </a:spcBef>
+              <a:spcAft>
+                <a:spcPct val="0"/>
+              </a:spcAft>
+              <a:defRPr sz="1600">
+                <a:solidFill>
+                  <a:srgbClr val="000000"/>
+                </a:solidFill>
+                <a:latin typeface="Arial" panose="020B0604020202020204" pitchFamily="34" charset="0"/>
+              </a:defRPr>
+            </a:lvl7pPr>
+            <a:lvl8pPr marL="3429000" indent="-228600" algn="ctr" eaLnBrk="0" fontAlgn="base" hangingPunct="0">
+              <a:spcBef>
+                <a:spcPct val="50000"/>
+              </a:spcBef>
+              <a:spcAft>
+                <a:spcPct val="0"/>
+              </a:spcAft>
+              <a:defRPr sz="1600">
+                <a:solidFill>
+                  <a:srgbClr val="000000"/>
+                </a:solidFill>
+                <a:latin typeface="Arial" panose="020B0604020202020204" pitchFamily="34" charset="0"/>
+              </a:defRPr>
+            </a:lvl8pPr>
+            <a:lvl9pPr marL="3886200" indent="-228600" algn="ctr" eaLnBrk="0" fontAlgn="base" hangingPunct="0">
+              <a:spcBef>
+                <a:spcPct val="50000"/>
+              </a:spcBef>
+              <a:spcAft>
+                <a:spcPct val="0"/>
+              </a:spcAft>
+              <a:defRPr sz="1600">
+                <a:solidFill>
+                  <a:srgbClr val="000000"/>
+                </a:solidFill>
+                <a:latin typeface="Arial" panose="020B0604020202020204" pitchFamily="34" charset="0"/>
+              </a:defRPr>
+            </a:lvl9pPr>
+          </a:lstStyle>
+          <a:p>
+            <a:r>
+              <a:rPr lang="en-US" altLang="en-US"/>
+              <a:t>4</a:t>
+            </a:r>
+          </a:p>
+        </p:txBody>
+      </p:sp>
+      <p:sp>
+        <p:nvSpPr>
+          <p:cNvPr id="78871" name="Text Box 23"/>
+          <p:cNvSpPr txBox="1">
+            <a:spLocks noChangeArrowheads="1"/>
+          </p:cNvSpPr>
+          <p:nvPr/>
+        </p:nvSpPr>
+        <p:spPr bwMode="auto">
+          <a:xfrm>
+            <a:off x="0" y="5410200"/>
+            <a:ext cx="2514600" cy="336550"/>
+          </a:xfrm>
+          <a:prstGeom prst="rect">
+            <a:avLst/>
+          </a:prstGeom>
+          <a:noFill/>
+          <a:ln>
+            <a:noFill/>
+          </a:ln>
+          <a:extLst>
+            <a:ext uri="{909E8E84-426E-40DD-AFC4-6F175D3DCCD1}">
+              <a14:hiddenFill xmlns:a14="http://schemas.microsoft.com/office/drawing/2010/main">
+                <a:solidFill>
+                  <a:srgbClr val="FFFFFF"/>
+                </a:solidFill>
+              </a14:hiddenFill>
+            </a:ext>
+            <a:ext uri="{91240B29-F687-4F45-9708-019B960494DF}">
+              <a14:hiddenLine xmlns:a14="http://schemas.microsoft.com/office/drawing/2010/main" w="9525">
+                <a:solidFill>
+                  <a:srgbClr val="000000"/>
+                </a:solidFill>
+                <a:miter lim="800000"/>
+                <a:headEnd/>
+                <a:tailEnd/>
+              </a14:hiddenLine>
+            </a:ext>
+          </a:extLst>
+        </p:spPr>
+        <p:txBody>
+          <a:bodyPr>
+            <a:spAutoFit/>
+          </a:bodyPr>
+          <a:lstStyle>
+            <a:lvl1pPr marL="219075" indent="-219075">
+              <a:defRPr sz="1600">
+                <a:solidFill>
+                  <a:srgbClr val="000000"/>
+                </a:solidFill>
+                <a:latin typeface="Arial" panose="020B0604020202020204" pitchFamily="34" charset="0"/>
+              </a:defRPr>
+            </a:lvl1pPr>
+            <a:lvl2pPr marL="742950" indent="-285750">
+              <a:defRPr sz="1600">
+                <a:solidFill>
+                  <a:srgbClr val="000000"/>
+                </a:solidFill>
+                <a:latin typeface="Arial" panose="020B0604020202020204" pitchFamily="34" charset="0"/>
+              </a:defRPr>
+            </a:lvl2pPr>
+            <a:lvl3pPr marL="1143000" indent="-228600">
+              <a:defRPr sz="1600">
+                <a:solidFill>
+                  <a:srgbClr val="000000"/>
+                </a:solidFill>
+                <a:latin typeface="Arial" panose="020B0604020202020204" pitchFamily="34" charset="0"/>
+              </a:defRPr>
+            </a:lvl3pPr>
+            <a:lvl4pPr marL="1600200" indent="-228600">
+              <a:defRPr sz="1600">
+                <a:solidFill>
+                  <a:srgbClr val="000000"/>
+                </a:solidFill>
+                <a:latin typeface="Arial" panose="020B0604020202020204" pitchFamily="34" charset="0"/>
+              </a:defRPr>
+            </a:lvl4pPr>
+            <a:lvl5pPr marL="2057400" indent="-228600">
+              <a:defRPr sz="1600">
+                <a:solidFill>
+                  <a:srgbClr val="000000"/>
+                </a:solidFill>
+                <a:latin typeface="Arial" panose="020B0604020202020204" pitchFamily="34" charset="0"/>
+              </a:defRPr>
+            </a:lvl5pPr>
+            <a:lvl6pPr marL="2514600" indent="-228600" algn="ctr" eaLnBrk="0" fontAlgn="base" hangingPunct="0">
+              <a:spcBef>
+                <a:spcPct val="50000"/>
+              </a:spcBef>
+              <a:spcAft>
+                <a:spcPct val="0"/>
+              </a:spcAft>
+              <a:defRPr sz="1600">
+                <a:solidFill>
+                  <a:srgbClr val="000000"/>
+                </a:solidFill>
+                <a:latin typeface="Arial" panose="020B0604020202020204" pitchFamily="34" charset="0"/>
+              </a:defRPr>
+            </a:lvl6pPr>
+            <a:lvl7pPr marL="2971800" indent="-228600" algn="ctr" eaLnBrk="0" fontAlgn="base" hangingPunct="0">
+              <a:spcBef>
+                <a:spcPct val="50000"/>
+              </a:spcBef>
+              <a:spcAft>
+                <a:spcPct val="0"/>
+              </a:spcAft>
+              <a:defRPr sz="1600">
+                <a:solidFill>
+                  <a:srgbClr val="000000"/>
+                </a:solidFill>
+                <a:latin typeface="Arial" panose="020B0604020202020204" pitchFamily="34" charset="0"/>
+              </a:defRPr>
+            </a:lvl7pPr>
+            <a:lvl8pPr marL="3429000" indent="-228600" algn="ctr" eaLnBrk="0" fontAlgn="base" hangingPunct="0">
+              <a:spcBef>
+                <a:spcPct val="50000"/>
+              </a:spcBef>
+              <a:spcAft>
+                <a:spcPct val="0"/>
+              </a:spcAft>
+              <a:defRPr sz="1600">
+                <a:solidFill>
+                  <a:srgbClr val="000000"/>
+                </a:solidFill>
+                <a:latin typeface="Arial" panose="020B0604020202020204" pitchFamily="34" charset="0"/>
+              </a:defRPr>
+            </a:lvl8pPr>
+            <a:lvl9pPr marL="3886200" indent="-228600" algn="ctr" eaLnBrk="0" fontAlgn="base" hangingPunct="0">
+              <a:spcBef>
+                <a:spcPct val="50000"/>
+              </a:spcBef>
+              <a:spcAft>
+                <a:spcPct val="0"/>
+              </a:spcAft>
+              <a:defRPr sz="1600">
+                <a:solidFill>
+                  <a:srgbClr val="000000"/>
+                </a:solidFill>
+                <a:latin typeface="Arial" panose="020B0604020202020204" pitchFamily="34" charset="0"/>
+              </a:defRPr>
+            </a:lvl9pPr>
+          </a:lstStyle>
+          <a:p>
+            <a:r>
+              <a:rPr lang="en-US" altLang="en-US"/>
+              <a:t>4 Conductors/Terminal</a:t>
+            </a:r>
+          </a:p>
+        </p:txBody>
+      </p:sp>
+    </p:spTree>
+    <p:extLst>
+      <p:ext uri="{BB962C8B-B14F-4D97-AF65-F5344CB8AC3E}">
+        <p14:creationId xmlns:p14="http://schemas.microsoft.com/office/powerpoint/2010/main" val="157766922"/>
+      </p:ext>
+    </p:extLst>
+  </p:cSld>
+  <p:clrMapOvr>
+    <a:masterClrMapping/>
+  </p:clrMapOvr>
+</p:sld>
+</file>
+
+<file path=ppt/slides/slide7.xml><?xml version="1.0" encoding="utf-8"?>
+<p:sld xmlns:a="http://schemas.openxmlformats.org/drawingml/2006/main" xmlns:r="http://schemas.openxmlformats.org/officeDocument/2006/relationships" xmlns:p="http://schemas.openxmlformats.org/presentationml/2006/main">
+  <p:cSld>
+    <p:spTree>
+      <p:nvGrpSpPr>
+        <p:cNvPr id="1" name=""/>
+        <p:cNvGrpSpPr/>
+        <p:nvPr/>
+      </p:nvGrpSpPr>
+      <p:grpSpPr>
+        <a:xfrm>
+          <a:off x="0" y="0"/>
+          <a:ext cx="0" cy="0"/>
+          <a:chOff x="0" y="0"/>
+          <a:chExt cx="0" cy="0"/>
+        </a:xfrm>
+      </p:grpSpPr>
+      <p:sp>
+        <p:nvSpPr>
+          <p:cNvPr id="79874" name="Rectangle 2"/>
+          <p:cNvSpPr>
+            <a:spLocks noGrp="1" noChangeArrowheads="1"/>
+          </p:cNvSpPr>
+          <p:nvPr>
+            <p:ph type="title"/>
+          </p:nvPr>
+        </p:nvSpPr>
+        <p:spPr/>
+        <p:txBody>
+          <a:bodyPr/>
+          <a:lstStyle/>
+          <a:p>
+            <a:pPr eaLnBrk="1" hangingPunct="1"/>
+            <a:r>
+              <a:rPr lang="en-US" altLang="en-US" dirty="0"/>
+              <a:t>Generator  - 3-phase Delta connected</a:t>
+            </a:r>
+          </a:p>
+        </p:txBody>
+      </p:sp>
+      <p:pic>
+        <p:nvPicPr>
+          <p:cNvPr id="79875" name="Picture 3"/>
+          <p:cNvPicPr>
+            <a:picLocks noChangeAspect="1" noChangeArrowheads="1"/>
+          </p:cNvPicPr>
+          <p:nvPr/>
+        </p:nvPicPr>
+        <p:blipFill>
+          <a:blip r:embed="rId3" cstate="print">
+            <a:extLst>
+              <a:ext uri="{28A0092B-C50C-407E-A947-70E740481C1C}">
+                <a14:useLocalDpi xmlns:a14="http://schemas.microsoft.com/office/drawing/2010/main" val="0"/>
+              </a:ext>
+            </a:extLst>
+          </a:blip>
+          <a:srcRect/>
+          <a:stretch>
+            <a:fillRect/>
+          </a:stretch>
+        </p:blipFill>
+        <p:spPr bwMode="auto">
+          <a:xfrm>
+            <a:off x="3124200" y="1371600"/>
+            <a:ext cx="3684588" cy="1458913"/>
+          </a:xfrm>
+          <a:prstGeom prst="rect">
+            <a:avLst/>
+          </a:prstGeom>
+          <a:noFill/>
+          <a:ln>
+            <a:noFill/>
+          </a:ln>
+          <a:extLst>
+            <a:ext uri="{909E8E84-426E-40DD-AFC4-6F175D3DCCD1}">
+              <a14:hiddenFill xmlns:a14="http://schemas.microsoft.com/office/drawing/2010/main">
+                <a:solidFill>
+                  <a:srgbClr val="FFFFFF"/>
+                </a:solidFill>
+              </a14:hiddenFill>
+            </a:ext>
+            <a:ext uri="{91240B29-F687-4F45-9708-019B960494DF}">
+              <a14:hiddenLine xmlns:a14="http://schemas.microsoft.com/office/drawing/2010/main" w="9525">
+                <a:solidFill>
+                  <a:srgbClr val="000000"/>
+                </a:solidFill>
+                <a:miter lim="800000"/>
+                <a:headEnd/>
+                <a:tailEnd/>
+              </a14:hiddenLine>
+            </a:ext>
+          </a:extLst>
+        </p:spPr>
+      </p:pic>
+      <p:pic>
+        <p:nvPicPr>
+          <p:cNvPr id="79876" name="Picture 4"/>
+          <p:cNvPicPr>
+            <a:picLocks noChangeAspect="1" noChangeArrowheads="1"/>
+          </p:cNvPicPr>
+          <p:nvPr/>
+        </p:nvPicPr>
+        <p:blipFill>
+          <a:blip r:embed="rId3" cstate="print">
+            <a:extLst>
+              <a:ext uri="{28A0092B-C50C-407E-A947-70E740481C1C}">
+                <a14:useLocalDpi xmlns:a14="http://schemas.microsoft.com/office/drawing/2010/main" val="0"/>
+              </a:ext>
+            </a:extLst>
+          </a:blip>
+          <a:srcRect/>
+          <a:stretch>
+            <a:fillRect/>
+          </a:stretch>
+        </p:blipFill>
+        <p:spPr bwMode="auto">
+          <a:xfrm>
+            <a:off x="3124200" y="3124200"/>
+            <a:ext cx="3684588" cy="1458913"/>
+          </a:xfrm>
+          <a:prstGeom prst="rect">
+            <a:avLst/>
+          </a:prstGeom>
+          <a:noFill/>
+          <a:ln>
+            <a:noFill/>
+          </a:ln>
+          <a:extLst>
+            <a:ext uri="{909E8E84-426E-40DD-AFC4-6F175D3DCCD1}">
+              <a14:hiddenFill xmlns:a14="http://schemas.microsoft.com/office/drawing/2010/main">
+                <a:solidFill>
+                  <a:srgbClr val="FFFFFF"/>
+                </a:solidFill>
+              </a14:hiddenFill>
+            </a:ext>
+            <a:ext uri="{91240B29-F687-4F45-9708-019B960494DF}">
+              <a14:hiddenLine xmlns:a14="http://schemas.microsoft.com/office/drawing/2010/main" w="9525">
+                <a:solidFill>
+                  <a:srgbClr val="000000"/>
+                </a:solidFill>
+                <a:miter lim="800000"/>
+                <a:headEnd/>
+                <a:tailEnd/>
+              </a14:hiddenLine>
+            </a:ext>
+          </a:extLst>
+        </p:spPr>
+      </p:pic>
+      <p:pic>
+        <p:nvPicPr>
+          <p:cNvPr id="79877" name="Picture 5"/>
+          <p:cNvPicPr>
+            <a:picLocks noChangeAspect="1" noChangeArrowheads="1"/>
+          </p:cNvPicPr>
+          <p:nvPr/>
+        </p:nvPicPr>
+        <p:blipFill>
+          <a:blip r:embed="rId3" cstate="print">
+            <a:extLst>
+              <a:ext uri="{28A0092B-C50C-407E-A947-70E740481C1C}">
+                <a14:useLocalDpi xmlns:a14="http://schemas.microsoft.com/office/drawing/2010/main" val="0"/>
+              </a:ext>
+            </a:extLst>
+          </a:blip>
+          <a:srcRect/>
+          <a:stretch>
+            <a:fillRect/>
+          </a:stretch>
+        </p:blipFill>
+        <p:spPr bwMode="auto">
+          <a:xfrm>
+            <a:off x="3124200" y="4953000"/>
+            <a:ext cx="3684588" cy="1458913"/>
+          </a:xfrm>
+          <a:prstGeom prst="rect">
+            <a:avLst/>
+          </a:prstGeom>
+          <a:noFill/>
+          <a:ln>
+            <a:noFill/>
+          </a:ln>
+          <a:extLst>
+            <a:ext uri="{909E8E84-426E-40DD-AFC4-6F175D3DCCD1}">
+              <a14:hiddenFill xmlns:a14="http://schemas.microsoft.com/office/drawing/2010/main">
+                <a:solidFill>
+                  <a:srgbClr val="FFFFFF"/>
+                </a:solidFill>
+              </a14:hiddenFill>
+            </a:ext>
+            <a:ext uri="{91240B29-F687-4F45-9708-019B960494DF}">
+              <a14:hiddenLine xmlns:a14="http://schemas.microsoft.com/office/drawing/2010/main" w="9525">
+                <a:solidFill>
+                  <a:srgbClr val="000000"/>
+                </a:solidFill>
+                <a:miter lim="800000"/>
+                <a:headEnd/>
+                <a:tailEnd/>
+              </a14:hiddenLine>
+            </a:ext>
+          </a:extLst>
+        </p:spPr>
+      </p:pic>
+      <p:sp>
+        <p:nvSpPr>
+          <p:cNvPr id="79878" name="Text Box 6"/>
+          <p:cNvSpPr txBox="1">
+            <a:spLocks noChangeArrowheads="1"/>
+          </p:cNvSpPr>
+          <p:nvPr/>
+        </p:nvSpPr>
+        <p:spPr bwMode="auto">
+          <a:xfrm>
+            <a:off x="6553200" y="1752600"/>
+            <a:ext cx="1447800" cy="336550"/>
+          </a:xfrm>
+          <a:prstGeom prst="rect">
+            <a:avLst/>
+          </a:prstGeom>
+          <a:noFill/>
+          <a:ln>
+            <a:noFill/>
+          </a:ln>
+          <a:extLst>
+            <a:ext uri="{909E8E84-426E-40DD-AFC4-6F175D3DCCD1}">
+              <a14:hiddenFill xmlns:a14="http://schemas.microsoft.com/office/drawing/2010/main">
+                <a:solidFill>
+                  <a:srgbClr val="FFFFFF"/>
+                </a:solidFill>
+              </a14:hiddenFill>
+            </a:ext>
+            <a:ext uri="{91240B29-F687-4F45-9708-019B960494DF}">
+              <a14:hiddenLine xmlns:a14="http://schemas.microsoft.com/office/drawing/2010/main" w="9525">
+                <a:solidFill>
+                  <a:srgbClr val="000000"/>
+                </a:solidFill>
+                <a:miter lim="800000"/>
+                <a:headEnd/>
+                <a:tailEnd/>
+              </a14:hiddenLine>
+            </a:ext>
+          </a:extLst>
+        </p:spPr>
+        <p:txBody>
+          <a:bodyPr>
+            <a:spAutoFit/>
+          </a:bodyPr>
+          <a:lstStyle>
+            <a:lvl1pPr marL="219075" indent="-219075">
+              <a:defRPr sz="1600">
+                <a:solidFill>
+                  <a:srgbClr val="000000"/>
+                </a:solidFill>
+                <a:latin typeface="Arial" panose="020B0604020202020204" pitchFamily="34" charset="0"/>
+              </a:defRPr>
+            </a:lvl1pPr>
+            <a:lvl2pPr marL="742950" indent="-285750">
+              <a:defRPr sz="1600">
+                <a:solidFill>
+                  <a:srgbClr val="000000"/>
+                </a:solidFill>
+                <a:latin typeface="Arial" panose="020B0604020202020204" pitchFamily="34" charset="0"/>
+              </a:defRPr>
+            </a:lvl2pPr>
+            <a:lvl3pPr marL="1143000" indent="-228600">
+              <a:defRPr sz="1600">
+                <a:solidFill>
+                  <a:srgbClr val="000000"/>
+                </a:solidFill>
+                <a:latin typeface="Arial" panose="020B0604020202020204" pitchFamily="34" charset="0"/>
+              </a:defRPr>
+            </a:lvl3pPr>
+            <a:lvl4pPr marL="1600200" indent="-228600">
+              <a:defRPr sz="1600">
+                <a:solidFill>
+                  <a:srgbClr val="000000"/>
+                </a:solidFill>
+                <a:latin typeface="Arial" panose="020B0604020202020204" pitchFamily="34" charset="0"/>
+              </a:defRPr>
+            </a:lvl4pPr>
+            <a:lvl5pPr marL="2057400" indent="-228600">
+              <a:defRPr sz="1600">
+                <a:solidFill>
+                  <a:srgbClr val="000000"/>
+                </a:solidFill>
+                <a:latin typeface="Arial" panose="020B0604020202020204" pitchFamily="34" charset="0"/>
+              </a:defRPr>
+            </a:lvl5pPr>
+            <a:lvl6pPr marL="2514600" indent="-228600" algn="ctr" eaLnBrk="0" fontAlgn="base" hangingPunct="0">
+              <a:spcBef>
+                <a:spcPct val="50000"/>
+              </a:spcBef>
+              <a:spcAft>
+                <a:spcPct val="0"/>
+              </a:spcAft>
+              <a:defRPr sz="1600">
+                <a:solidFill>
+                  <a:srgbClr val="000000"/>
+                </a:solidFill>
+                <a:latin typeface="Arial" panose="020B0604020202020204" pitchFamily="34" charset="0"/>
+              </a:defRPr>
+            </a:lvl6pPr>
+            <a:lvl7pPr marL="2971800" indent="-228600" algn="ctr" eaLnBrk="0" fontAlgn="base" hangingPunct="0">
+              <a:spcBef>
+                <a:spcPct val="50000"/>
+              </a:spcBef>
+              <a:spcAft>
+                <a:spcPct val="0"/>
+              </a:spcAft>
+              <a:defRPr sz="1600">
+                <a:solidFill>
+                  <a:srgbClr val="000000"/>
+                </a:solidFill>
+                <a:latin typeface="Arial" panose="020B0604020202020204" pitchFamily="34" charset="0"/>
+              </a:defRPr>
+            </a:lvl7pPr>
+            <a:lvl8pPr marL="3429000" indent="-228600" algn="ctr" eaLnBrk="0" fontAlgn="base" hangingPunct="0">
+              <a:spcBef>
+                <a:spcPct val="50000"/>
+              </a:spcBef>
+              <a:spcAft>
+                <a:spcPct val="0"/>
+              </a:spcAft>
+              <a:defRPr sz="1600">
+                <a:solidFill>
+                  <a:srgbClr val="000000"/>
+                </a:solidFill>
+                <a:latin typeface="Arial" panose="020B0604020202020204" pitchFamily="34" charset="0"/>
+              </a:defRPr>
+            </a:lvl8pPr>
+            <a:lvl9pPr marL="3886200" indent="-228600" algn="ctr" eaLnBrk="0" fontAlgn="base" hangingPunct="0">
+              <a:spcBef>
+                <a:spcPct val="50000"/>
+              </a:spcBef>
+              <a:spcAft>
+                <a:spcPct val="0"/>
+              </a:spcAft>
+              <a:defRPr sz="1600">
+                <a:solidFill>
+                  <a:srgbClr val="000000"/>
+                </a:solidFill>
+                <a:latin typeface="Arial" panose="020B0604020202020204" pitchFamily="34" charset="0"/>
+              </a:defRPr>
+            </a:lvl9pPr>
+          </a:lstStyle>
+          <a:p>
+            <a:r>
+              <a:rPr lang="en-US" altLang="en-US"/>
+              <a:t>Phase 1</a:t>
+            </a:r>
+          </a:p>
+        </p:txBody>
+      </p:sp>
+      <p:sp>
+        <p:nvSpPr>
+          <p:cNvPr id="79879" name="Text Box 7"/>
+          <p:cNvSpPr txBox="1">
+            <a:spLocks noChangeArrowheads="1"/>
+          </p:cNvSpPr>
+          <p:nvPr/>
+        </p:nvSpPr>
+        <p:spPr bwMode="auto">
+          <a:xfrm>
+            <a:off x="6553200" y="3581400"/>
+            <a:ext cx="1447800" cy="336550"/>
+          </a:xfrm>
+          <a:prstGeom prst="rect">
+            <a:avLst/>
+          </a:prstGeom>
+          <a:noFill/>
+          <a:ln>
+            <a:noFill/>
+          </a:ln>
+          <a:extLst>
+            <a:ext uri="{909E8E84-426E-40DD-AFC4-6F175D3DCCD1}">
+              <a14:hiddenFill xmlns:a14="http://schemas.microsoft.com/office/drawing/2010/main">
+                <a:solidFill>
+                  <a:srgbClr val="FFFFFF"/>
+                </a:solidFill>
+              </a14:hiddenFill>
+            </a:ext>
+            <a:ext uri="{91240B29-F687-4F45-9708-019B960494DF}">
+              <a14:hiddenLine xmlns:a14="http://schemas.microsoft.com/office/drawing/2010/main" w="9525">
+                <a:solidFill>
+                  <a:srgbClr val="000000"/>
+                </a:solidFill>
+                <a:miter lim="800000"/>
+                <a:headEnd/>
+                <a:tailEnd/>
+              </a14:hiddenLine>
+            </a:ext>
+          </a:extLst>
+        </p:spPr>
+        <p:txBody>
+          <a:bodyPr>
+            <a:spAutoFit/>
+          </a:bodyPr>
+          <a:lstStyle>
+            <a:lvl1pPr marL="219075" indent="-219075">
+              <a:defRPr sz="1600">
+                <a:solidFill>
+                  <a:srgbClr val="000000"/>
+                </a:solidFill>
+                <a:latin typeface="Arial" panose="020B0604020202020204" pitchFamily="34" charset="0"/>
+              </a:defRPr>
+            </a:lvl1pPr>
+            <a:lvl2pPr marL="742950" indent="-285750">
+              <a:defRPr sz="1600">
+                <a:solidFill>
+                  <a:srgbClr val="000000"/>
+                </a:solidFill>
+                <a:latin typeface="Arial" panose="020B0604020202020204" pitchFamily="34" charset="0"/>
+              </a:defRPr>
+            </a:lvl2pPr>
+            <a:lvl3pPr marL="1143000" indent="-228600">
+              <a:defRPr sz="1600">
+                <a:solidFill>
+                  <a:srgbClr val="000000"/>
+                </a:solidFill>
+                <a:latin typeface="Arial" panose="020B0604020202020204" pitchFamily="34" charset="0"/>
+              </a:defRPr>
+            </a:lvl3pPr>
+            <a:lvl4pPr marL="1600200" indent="-228600">
+              <a:defRPr sz="1600">
+                <a:solidFill>
+                  <a:srgbClr val="000000"/>
+                </a:solidFill>
+                <a:latin typeface="Arial" panose="020B0604020202020204" pitchFamily="34" charset="0"/>
+              </a:defRPr>
+            </a:lvl4pPr>
+            <a:lvl5pPr marL="2057400" indent="-228600">
+              <a:defRPr sz="1600">
+                <a:solidFill>
+                  <a:srgbClr val="000000"/>
+                </a:solidFill>
+                <a:latin typeface="Arial" panose="020B0604020202020204" pitchFamily="34" charset="0"/>
+              </a:defRPr>
+            </a:lvl5pPr>
+            <a:lvl6pPr marL="2514600" indent="-228600" algn="ctr" eaLnBrk="0" fontAlgn="base" hangingPunct="0">
+              <a:spcBef>
+                <a:spcPct val="50000"/>
+              </a:spcBef>
+              <a:spcAft>
+                <a:spcPct val="0"/>
+              </a:spcAft>
+              <a:defRPr sz="1600">
+                <a:solidFill>
+                  <a:srgbClr val="000000"/>
+                </a:solidFill>
+                <a:latin typeface="Arial" panose="020B0604020202020204" pitchFamily="34" charset="0"/>
+              </a:defRPr>
+            </a:lvl6pPr>
+            <a:lvl7pPr marL="2971800" indent="-228600" algn="ctr" eaLnBrk="0" fontAlgn="base" hangingPunct="0">
+              <a:spcBef>
+                <a:spcPct val="50000"/>
+              </a:spcBef>
+              <a:spcAft>
+                <a:spcPct val="0"/>
+              </a:spcAft>
+              <a:defRPr sz="1600">
+                <a:solidFill>
+                  <a:srgbClr val="000000"/>
+                </a:solidFill>
+                <a:latin typeface="Arial" panose="020B0604020202020204" pitchFamily="34" charset="0"/>
+              </a:defRPr>
+            </a:lvl7pPr>
+            <a:lvl8pPr marL="3429000" indent="-228600" algn="ctr" eaLnBrk="0" fontAlgn="base" hangingPunct="0">
+              <a:spcBef>
+                <a:spcPct val="50000"/>
+              </a:spcBef>
+              <a:spcAft>
+                <a:spcPct val="0"/>
+              </a:spcAft>
+              <a:defRPr sz="1600">
+                <a:solidFill>
+                  <a:srgbClr val="000000"/>
+                </a:solidFill>
+                <a:latin typeface="Arial" panose="020B0604020202020204" pitchFamily="34" charset="0"/>
+              </a:defRPr>
+            </a:lvl8pPr>
+            <a:lvl9pPr marL="3886200" indent="-228600" algn="ctr" eaLnBrk="0" fontAlgn="base" hangingPunct="0">
+              <a:spcBef>
+                <a:spcPct val="50000"/>
+              </a:spcBef>
+              <a:spcAft>
+                <a:spcPct val="0"/>
+              </a:spcAft>
+              <a:defRPr sz="1600">
+                <a:solidFill>
+                  <a:srgbClr val="000000"/>
+                </a:solidFill>
+                <a:latin typeface="Arial" panose="020B0604020202020204" pitchFamily="34" charset="0"/>
+              </a:defRPr>
+            </a:lvl9pPr>
+          </a:lstStyle>
+          <a:p>
+            <a:r>
+              <a:rPr lang="en-US" altLang="en-US"/>
+              <a:t>Phase 2</a:t>
+            </a:r>
+          </a:p>
+        </p:txBody>
+      </p:sp>
+      <p:sp>
+        <p:nvSpPr>
+          <p:cNvPr id="79880" name="Text Box 8"/>
+          <p:cNvSpPr txBox="1">
+            <a:spLocks noChangeArrowheads="1"/>
+          </p:cNvSpPr>
+          <p:nvPr/>
+        </p:nvSpPr>
+        <p:spPr bwMode="auto">
+          <a:xfrm>
+            <a:off x="6553200" y="5410200"/>
+            <a:ext cx="1447800" cy="336550"/>
+          </a:xfrm>
+          <a:prstGeom prst="rect">
+            <a:avLst/>
+          </a:prstGeom>
+          <a:noFill/>
+          <a:ln>
+            <a:noFill/>
+          </a:ln>
+          <a:extLst>
+            <a:ext uri="{909E8E84-426E-40DD-AFC4-6F175D3DCCD1}">
+              <a14:hiddenFill xmlns:a14="http://schemas.microsoft.com/office/drawing/2010/main">
+                <a:solidFill>
+                  <a:srgbClr val="FFFFFF"/>
+                </a:solidFill>
+              </a14:hiddenFill>
+            </a:ext>
+            <a:ext uri="{91240B29-F687-4F45-9708-019B960494DF}">
+              <a14:hiddenLine xmlns:a14="http://schemas.microsoft.com/office/drawing/2010/main" w="9525">
+                <a:solidFill>
+                  <a:srgbClr val="000000"/>
+                </a:solidFill>
+                <a:miter lim="800000"/>
+                <a:headEnd/>
+                <a:tailEnd/>
+              </a14:hiddenLine>
+            </a:ext>
+          </a:extLst>
+        </p:spPr>
+        <p:txBody>
+          <a:bodyPr>
+            <a:spAutoFit/>
+          </a:bodyPr>
+          <a:lstStyle>
+            <a:lvl1pPr marL="219075" indent="-219075">
+              <a:defRPr sz="1600">
+                <a:solidFill>
+                  <a:srgbClr val="000000"/>
+                </a:solidFill>
+                <a:latin typeface="Arial" panose="020B0604020202020204" pitchFamily="34" charset="0"/>
+              </a:defRPr>
+            </a:lvl1pPr>
+            <a:lvl2pPr marL="742950" indent="-285750">
+              <a:defRPr sz="1600">
+                <a:solidFill>
+                  <a:srgbClr val="000000"/>
+                </a:solidFill>
+                <a:latin typeface="Arial" panose="020B0604020202020204" pitchFamily="34" charset="0"/>
+              </a:defRPr>
+            </a:lvl2pPr>
+            <a:lvl3pPr marL="1143000" indent="-228600">
+              <a:defRPr sz="1600">
+                <a:solidFill>
+                  <a:srgbClr val="000000"/>
+                </a:solidFill>
+                <a:latin typeface="Arial" panose="020B0604020202020204" pitchFamily="34" charset="0"/>
+              </a:defRPr>
+            </a:lvl3pPr>
+            <a:lvl4pPr marL="1600200" indent="-228600">
+              <a:defRPr sz="1600">
+                <a:solidFill>
+                  <a:srgbClr val="000000"/>
+                </a:solidFill>
+                <a:latin typeface="Arial" panose="020B0604020202020204" pitchFamily="34" charset="0"/>
+              </a:defRPr>
+            </a:lvl4pPr>
+            <a:lvl5pPr marL="2057400" indent="-228600">
+              <a:defRPr sz="1600">
+                <a:solidFill>
+                  <a:srgbClr val="000000"/>
+                </a:solidFill>
+                <a:latin typeface="Arial" panose="020B0604020202020204" pitchFamily="34" charset="0"/>
+              </a:defRPr>
+            </a:lvl5pPr>
+            <a:lvl6pPr marL="2514600" indent="-228600" algn="ctr" eaLnBrk="0" fontAlgn="base" hangingPunct="0">
+              <a:spcBef>
+                <a:spcPct val="50000"/>
+              </a:spcBef>
+              <a:spcAft>
+                <a:spcPct val="0"/>
+              </a:spcAft>
+              <a:defRPr sz="1600">
+                <a:solidFill>
+                  <a:srgbClr val="000000"/>
+                </a:solidFill>
+                <a:latin typeface="Arial" panose="020B0604020202020204" pitchFamily="34" charset="0"/>
+              </a:defRPr>
+            </a:lvl6pPr>
+            <a:lvl7pPr marL="2971800" indent="-228600" algn="ctr" eaLnBrk="0" fontAlgn="base" hangingPunct="0">
+              <a:spcBef>
+                <a:spcPct val="50000"/>
+              </a:spcBef>
+              <a:spcAft>
+                <a:spcPct val="0"/>
+              </a:spcAft>
+              <a:defRPr sz="1600">
+                <a:solidFill>
+                  <a:srgbClr val="000000"/>
+                </a:solidFill>
+                <a:latin typeface="Arial" panose="020B0604020202020204" pitchFamily="34" charset="0"/>
+              </a:defRPr>
+            </a:lvl7pPr>
+            <a:lvl8pPr marL="3429000" indent="-228600" algn="ctr" eaLnBrk="0" fontAlgn="base" hangingPunct="0">
+              <a:spcBef>
+                <a:spcPct val="50000"/>
+              </a:spcBef>
+              <a:spcAft>
+                <a:spcPct val="0"/>
+              </a:spcAft>
+              <a:defRPr sz="1600">
+                <a:solidFill>
+                  <a:srgbClr val="000000"/>
+                </a:solidFill>
+                <a:latin typeface="Arial" panose="020B0604020202020204" pitchFamily="34" charset="0"/>
+              </a:defRPr>
+            </a:lvl8pPr>
+            <a:lvl9pPr marL="3886200" indent="-228600" algn="ctr" eaLnBrk="0" fontAlgn="base" hangingPunct="0">
+              <a:spcBef>
+                <a:spcPct val="50000"/>
+              </a:spcBef>
+              <a:spcAft>
+                <a:spcPct val="0"/>
+              </a:spcAft>
+              <a:defRPr sz="1600">
+                <a:solidFill>
+                  <a:srgbClr val="000000"/>
+                </a:solidFill>
+                <a:latin typeface="Arial" panose="020B0604020202020204" pitchFamily="34" charset="0"/>
+              </a:defRPr>
+            </a:lvl9pPr>
+          </a:lstStyle>
+          <a:p>
+            <a:r>
+              <a:rPr lang="en-US" altLang="en-US"/>
+              <a:t>Phase 3</a:t>
+            </a:r>
+          </a:p>
+        </p:txBody>
+      </p:sp>
+      <p:sp>
+        <p:nvSpPr>
+          <p:cNvPr id="79881" name="Oval 9"/>
+          <p:cNvSpPr>
+            <a:spLocks noChangeArrowheads="1"/>
+          </p:cNvSpPr>
+          <p:nvPr/>
+        </p:nvSpPr>
+        <p:spPr bwMode="auto">
+          <a:xfrm>
+            <a:off x="2819400" y="4724400"/>
+            <a:ext cx="152400" cy="152400"/>
+          </a:xfrm>
+          <a:prstGeom prst="ellipse">
+            <a:avLst/>
+          </a:prstGeom>
+          <a:solidFill>
+            <a:srgbClr val="0033CC"/>
+          </a:solidFill>
+          <a:ln w="9525">
+            <a:solidFill>
+              <a:schemeClr val="tx1"/>
+            </a:solidFill>
+            <a:round/>
+            <a:headEnd/>
+            <a:tailEnd/>
+          </a:ln>
+        </p:spPr>
+        <p:txBody>
+          <a:bodyPr wrap="none" anchor="ctr"/>
+          <a:lstStyle>
+            <a:lvl1pPr>
+              <a:defRPr sz="1600">
+                <a:solidFill>
+                  <a:srgbClr val="000000"/>
+                </a:solidFill>
+                <a:latin typeface="Arial" panose="020B0604020202020204" pitchFamily="34" charset="0"/>
+              </a:defRPr>
+            </a:lvl1pPr>
+            <a:lvl2pPr marL="742950" indent="-285750">
+              <a:defRPr sz="1600">
+                <a:solidFill>
+                  <a:srgbClr val="000000"/>
+                </a:solidFill>
+                <a:latin typeface="Arial" panose="020B0604020202020204" pitchFamily="34" charset="0"/>
+              </a:defRPr>
+            </a:lvl2pPr>
+            <a:lvl3pPr marL="1143000" indent="-228600">
+              <a:defRPr sz="1600">
+                <a:solidFill>
+                  <a:srgbClr val="000000"/>
+                </a:solidFill>
+                <a:latin typeface="Arial" panose="020B0604020202020204" pitchFamily="34" charset="0"/>
+              </a:defRPr>
+            </a:lvl3pPr>
+            <a:lvl4pPr marL="1600200" indent="-228600">
+              <a:defRPr sz="1600">
+                <a:solidFill>
+                  <a:srgbClr val="000000"/>
+                </a:solidFill>
+                <a:latin typeface="Arial" panose="020B0604020202020204" pitchFamily="34" charset="0"/>
+              </a:defRPr>
+            </a:lvl4pPr>
+            <a:lvl5pPr marL="2057400" indent="-228600">
+              <a:defRPr sz="1600">
+                <a:solidFill>
+                  <a:srgbClr val="000000"/>
+                </a:solidFill>
+                <a:latin typeface="Arial" panose="020B0604020202020204" pitchFamily="34" charset="0"/>
+              </a:defRPr>
+            </a:lvl5pPr>
+            <a:lvl6pPr marL="2514600" indent="-228600" algn="ctr" eaLnBrk="0" fontAlgn="base" hangingPunct="0">
+              <a:spcBef>
+                <a:spcPct val="50000"/>
+              </a:spcBef>
+              <a:spcAft>
+                <a:spcPct val="0"/>
+              </a:spcAft>
+              <a:defRPr sz="1600">
+                <a:solidFill>
+                  <a:srgbClr val="000000"/>
+                </a:solidFill>
+                <a:latin typeface="Arial" panose="020B0604020202020204" pitchFamily="34" charset="0"/>
+              </a:defRPr>
+            </a:lvl6pPr>
+            <a:lvl7pPr marL="2971800" indent="-228600" algn="ctr" eaLnBrk="0" fontAlgn="base" hangingPunct="0">
+              <a:spcBef>
+                <a:spcPct val="50000"/>
+              </a:spcBef>
+              <a:spcAft>
+                <a:spcPct val="0"/>
+              </a:spcAft>
+              <a:defRPr sz="1600">
+                <a:solidFill>
+                  <a:srgbClr val="000000"/>
+                </a:solidFill>
+                <a:latin typeface="Arial" panose="020B0604020202020204" pitchFamily="34" charset="0"/>
+              </a:defRPr>
+            </a:lvl7pPr>
+            <a:lvl8pPr marL="3429000" indent="-228600" algn="ctr" eaLnBrk="0" fontAlgn="base" hangingPunct="0">
+              <a:spcBef>
+                <a:spcPct val="50000"/>
+              </a:spcBef>
+              <a:spcAft>
+                <a:spcPct val="0"/>
+              </a:spcAft>
+              <a:defRPr sz="1600">
+                <a:solidFill>
+                  <a:srgbClr val="000000"/>
+                </a:solidFill>
+                <a:latin typeface="Arial" panose="020B0604020202020204" pitchFamily="34" charset="0"/>
+              </a:defRPr>
+            </a:lvl8pPr>
+            <a:lvl9pPr marL="3886200" indent="-228600" algn="ctr" eaLnBrk="0" fontAlgn="base" hangingPunct="0">
+              <a:spcBef>
+                <a:spcPct val="50000"/>
+              </a:spcBef>
+              <a:spcAft>
+                <a:spcPct val="0"/>
+              </a:spcAft>
+              <a:defRPr sz="1600">
+                <a:solidFill>
+                  <a:srgbClr val="000000"/>
+                </a:solidFill>
+                <a:latin typeface="Arial" panose="020B0604020202020204" pitchFamily="34" charset="0"/>
+              </a:defRPr>
+            </a:lvl9pPr>
+          </a:lstStyle>
+          <a:p>
+            <a:endParaRPr lang="en-US" altLang="en-US"/>
+          </a:p>
+        </p:txBody>
+      </p:sp>
+      <p:sp>
+        <p:nvSpPr>
+          <p:cNvPr id="79882" name="Oval 10"/>
+          <p:cNvSpPr>
+            <a:spLocks noChangeArrowheads="1"/>
+          </p:cNvSpPr>
+          <p:nvPr/>
+        </p:nvSpPr>
+        <p:spPr bwMode="auto">
+          <a:xfrm>
+            <a:off x="2819400" y="2895600"/>
+            <a:ext cx="152400" cy="152400"/>
+          </a:xfrm>
+          <a:prstGeom prst="ellipse">
+            <a:avLst/>
+          </a:prstGeom>
+          <a:solidFill>
+            <a:srgbClr val="0033CC"/>
+          </a:solidFill>
+          <a:ln w="9525">
+            <a:solidFill>
+              <a:schemeClr val="tx1"/>
+            </a:solidFill>
+            <a:round/>
+            <a:headEnd/>
+            <a:tailEnd/>
+          </a:ln>
+        </p:spPr>
+        <p:txBody>
+          <a:bodyPr wrap="none" anchor="ctr"/>
+          <a:lstStyle>
+            <a:lvl1pPr>
+              <a:defRPr sz="1600">
+                <a:solidFill>
+                  <a:srgbClr val="000000"/>
+                </a:solidFill>
+                <a:latin typeface="Arial" panose="020B0604020202020204" pitchFamily="34" charset="0"/>
+              </a:defRPr>
+            </a:lvl1pPr>
+            <a:lvl2pPr marL="742950" indent="-285750">
+              <a:defRPr sz="1600">
+                <a:solidFill>
+                  <a:srgbClr val="000000"/>
+                </a:solidFill>
+                <a:latin typeface="Arial" panose="020B0604020202020204" pitchFamily="34" charset="0"/>
+              </a:defRPr>
+            </a:lvl2pPr>
+            <a:lvl3pPr marL="1143000" indent="-228600">
+              <a:defRPr sz="1600">
+                <a:solidFill>
+                  <a:srgbClr val="000000"/>
+                </a:solidFill>
+                <a:latin typeface="Arial" panose="020B0604020202020204" pitchFamily="34" charset="0"/>
+              </a:defRPr>
+            </a:lvl3pPr>
+            <a:lvl4pPr marL="1600200" indent="-228600">
+              <a:defRPr sz="1600">
+                <a:solidFill>
+                  <a:srgbClr val="000000"/>
+                </a:solidFill>
+                <a:latin typeface="Arial" panose="020B0604020202020204" pitchFamily="34" charset="0"/>
+              </a:defRPr>
+            </a:lvl4pPr>
+            <a:lvl5pPr marL="2057400" indent="-228600">
+              <a:defRPr sz="1600">
+                <a:solidFill>
+                  <a:srgbClr val="000000"/>
+                </a:solidFill>
+                <a:latin typeface="Arial" panose="020B0604020202020204" pitchFamily="34" charset="0"/>
+              </a:defRPr>
+            </a:lvl5pPr>
+            <a:lvl6pPr marL="2514600" indent="-228600" algn="ctr" eaLnBrk="0" fontAlgn="base" hangingPunct="0">
+              <a:spcBef>
+                <a:spcPct val="50000"/>
+              </a:spcBef>
+              <a:spcAft>
+                <a:spcPct val="0"/>
+              </a:spcAft>
+              <a:defRPr sz="1600">
+                <a:solidFill>
+                  <a:srgbClr val="000000"/>
+                </a:solidFill>
+                <a:latin typeface="Arial" panose="020B0604020202020204" pitchFamily="34" charset="0"/>
+              </a:defRPr>
+            </a:lvl6pPr>
+            <a:lvl7pPr marL="2971800" indent="-228600" algn="ctr" eaLnBrk="0" fontAlgn="base" hangingPunct="0">
+              <a:spcBef>
+                <a:spcPct val="50000"/>
+              </a:spcBef>
+              <a:spcAft>
+                <a:spcPct val="0"/>
+              </a:spcAft>
+              <a:defRPr sz="1600">
+                <a:solidFill>
+                  <a:srgbClr val="000000"/>
+                </a:solidFill>
+                <a:latin typeface="Arial" panose="020B0604020202020204" pitchFamily="34" charset="0"/>
+              </a:defRPr>
+            </a:lvl7pPr>
+            <a:lvl8pPr marL="3429000" indent="-228600" algn="ctr" eaLnBrk="0" fontAlgn="base" hangingPunct="0">
+              <a:spcBef>
+                <a:spcPct val="50000"/>
+              </a:spcBef>
+              <a:spcAft>
+                <a:spcPct val="0"/>
+              </a:spcAft>
+              <a:defRPr sz="1600">
+                <a:solidFill>
+                  <a:srgbClr val="000000"/>
+                </a:solidFill>
+                <a:latin typeface="Arial" panose="020B0604020202020204" pitchFamily="34" charset="0"/>
+              </a:defRPr>
+            </a:lvl8pPr>
+            <a:lvl9pPr marL="3886200" indent="-228600" algn="ctr" eaLnBrk="0" fontAlgn="base" hangingPunct="0">
+              <a:spcBef>
+                <a:spcPct val="50000"/>
+              </a:spcBef>
+              <a:spcAft>
+                <a:spcPct val="0"/>
+              </a:spcAft>
+              <a:defRPr sz="1600">
+                <a:solidFill>
+                  <a:srgbClr val="000000"/>
+                </a:solidFill>
+                <a:latin typeface="Arial" panose="020B0604020202020204" pitchFamily="34" charset="0"/>
+              </a:defRPr>
+            </a:lvl9pPr>
+          </a:lstStyle>
+          <a:p>
+            <a:endParaRPr lang="en-US" altLang="en-US"/>
+          </a:p>
+        </p:txBody>
+      </p:sp>
+      <p:sp>
+        <p:nvSpPr>
+          <p:cNvPr id="79883" name="Oval 11"/>
+          <p:cNvSpPr>
+            <a:spLocks noChangeArrowheads="1"/>
+          </p:cNvSpPr>
+          <p:nvPr/>
+        </p:nvSpPr>
+        <p:spPr bwMode="auto">
+          <a:xfrm>
+            <a:off x="2133600" y="3657600"/>
+            <a:ext cx="152400" cy="152400"/>
+          </a:xfrm>
+          <a:prstGeom prst="ellipse">
+            <a:avLst/>
+          </a:prstGeom>
+          <a:solidFill>
+            <a:srgbClr val="0033CC"/>
+          </a:solidFill>
+          <a:ln w="9525">
+            <a:solidFill>
+              <a:schemeClr val="tx1"/>
+            </a:solidFill>
+            <a:round/>
+            <a:headEnd/>
+            <a:tailEnd/>
+          </a:ln>
+        </p:spPr>
+        <p:txBody>
+          <a:bodyPr wrap="none" anchor="ctr"/>
+          <a:lstStyle>
+            <a:lvl1pPr>
+              <a:defRPr sz="1600">
+                <a:solidFill>
+                  <a:srgbClr val="000000"/>
+                </a:solidFill>
+                <a:latin typeface="Arial" panose="020B0604020202020204" pitchFamily="34" charset="0"/>
+              </a:defRPr>
+            </a:lvl1pPr>
+            <a:lvl2pPr marL="742950" indent="-285750">
+              <a:defRPr sz="1600">
+                <a:solidFill>
+                  <a:srgbClr val="000000"/>
+                </a:solidFill>
+                <a:latin typeface="Arial" panose="020B0604020202020204" pitchFamily="34" charset="0"/>
+              </a:defRPr>
+            </a:lvl2pPr>
+            <a:lvl3pPr marL="1143000" indent="-228600">
+              <a:defRPr sz="1600">
+                <a:solidFill>
+                  <a:srgbClr val="000000"/>
+                </a:solidFill>
+                <a:latin typeface="Arial" panose="020B0604020202020204" pitchFamily="34" charset="0"/>
+              </a:defRPr>
+            </a:lvl3pPr>
+            <a:lvl4pPr marL="1600200" indent="-228600">
+              <a:defRPr sz="1600">
+                <a:solidFill>
+                  <a:srgbClr val="000000"/>
+                </a:solidFill>
+                <a:latin typeface="Arial" panose="020B0604020202020204" pitchFamily="34" charset="0"/>
+              </a:defRPr>
+            </a:lvl4pPr>
+            <a:lvl5pPr marL="2057400" indent="-228600">
+              <a:defRPr sz="1600">
+                <a:solidFill>
+                  <a:srgbClr val="000000"/>
+                </a:solidFill>
+                <a:latin typeface="Arial" panose="020B0604020202020204" pitchFamily="34" charset="0"/>
+              </a:defRPr>
+            </a:lvl5pPr>
+            <a:lvl6pPr marL="2514600" indent="-228600" algn="ctr" eaLnBrk="0" fontAlgn="base" hangingPunct="0">
+              <a:spcBef>
+                <a:spcPct val="50000"/>
+              </a:spcBef>
+              <a:spcAft>
+                <a:spcPct val="0"/>
+              </a:spcAft>
+              <a:defRPr sz="1600">
+                <a:solidFill>
+                  <a:srgbClr val="000000"/>
+                </a:solidFill>
+                <a:latin typeface="Arial" panose="020B0604020202020204" pitchFamily="34" charset="0"/>
+              </a:defRPr>
+            </a:lvl6pPr>
+            <a:lvl7pPr marL="2971800" indent="-228600" algn="ctr" eaLnBrk="0" fontAlgn="base" hangingPunct="0">
+              <a:spcBef>
+                <a:spcPct val="50000"/>
+              </a:spcBef>
+              <a:spcAft>
+                <a:spcPct val="0"/>
+              </a:spcAft>
+              <a:defRPr sz="1600">
+                <a:solidFill>
+                  <a:srgbClr val="000000"/>
+                </a:solidFill>
+                <a:latin typeface="Arial" panose="020B0604020202020204" pitchFamily="34" charset="0"/>
+              </a:defRPr>
+            </a:lvl7pPr>
+            <a:lvl8pPr marL="3429000" indent="-228600" algn="ctr" eaLnBrk="0" fontAlgn="base" hangingPunct="0">
+              <a:spcBef>
+                <a:spcPct val="50000"/>
+              </a:spcBef>
+              <a:spcAft>
+                <a:spcPct val="0"/>
+              </a:spcAft>
+              <a:defRPr sz="1600">
+                <a:solidFill>
+                  <a:srgbClr val="000000"/>
+                </a:solidFill>
+                <a:latin typeface="Arial" panose="020B0604020202020204" pitchFamily="34" charset="0"/>
+              </a:defRPr>
+            </a:lvl8pPr>
+            <a:lvl9pPr marL="3886200" indent="-228600" algn="ctr" eaLnBrk="0" fontAlgn="base" hangingPunct="0">
+              <a:spcBef>
+                <a:spcPct val="50000"/>
+              </a:spcBef>
+              <a:spcAft>
+                <a:spcPct val="0"/>
+              </a:spcAft>
+              <a:defRPr sz="1600">
+                <a:solidFill>
+                  <a:srgbClr val="000000"/>
+                </a:solidFill>
+                <a:latin typeface="Arial" panose="020B0604020202020204" pitchFamily="34" charset="0"/>
+              </a:defRPr>
+            </a:lvl9pPr>
+          </a:lstStyle>
+          <a:p>
+            <a:endParaRPr lang="en-US" altLang="en-US"/>
+          </a:p>
+        </p:txBody>
+      </p:sp>
+      <p:sp>
+        <p:nvSpPr>
+          <p:cNvPr id="79884" name="Text Box 12"/>
+          <p:cNvSpPr txBox="1">
+            <a:spLocks noChangeArrowheads="1"/>
+          </p:cNvSpPr>
+          <p:nvPr/>
+        </p:nvSpPr>
+        <p:spPr bwMode="auto">
+          <a:xfrm>
+            <a:off x="2667000" y="4343400"/>
+            <a:ext cx="304800" cy="336550"/>
+          </a:xfrm>
+          <a:prstGeom prst="rect">
+            <a:avLst/>
+          </a:prstGeom>
+          <a:noFill/>
+          <a:ln>
+            <a:noFill/>
+          </a:ln>
+          <a:extLst>
+            <a:ext uri="{909E8E84-426E-40DD-AFC4-6F175D3DCCD1}">
+              <a14:hiddenFill xmlns:a14="http://schemas.microsoft.com/office/drawing/2010/main">
+                <a:solidFill>
+                  <a:srgbClr val="FFFFFF"/>
+                </a:solidFill>
+              </a14:hiddenFill>
+            </a:ext>
+            <a:ext uri="{91240B29-F687-4F45-9708-019B960494DF}">
+              <a14:hiddenLine xmlns:a14="http://schemas.microsoft.com/office/drawing/2010/main" w="9525">
+                <a:solidFill>
+                  <a:srgbClr val="000000"/>
+                </a:solidFill>
+                <a:miter lim="800000"/>
+                <a:headEnd/>
+                <a:tailEnd/>
+              </a14:hiddenLine>
+            </a:ext>
+          </a:extLst>
+        </p:spPr>
+        <p:txBody>
+          <a:bodyPr>
+            <a:spAutoFit/>
+          </a:bodyPr>
+          <a:lstStyle>
+            <a:lvl1pPr marL="219075" indent="-219075">
+              <a:defRPr sz="1600">
+                <a:solidFill>
+                  <a:srgbClr val="000000"/>
+                </a:solidFill>
+                <a:latin typeface="Arial" panose="020B0604020202020204" pitchFamily="34" charset="0"/>
+              </a:defRPr>
+            </a:lvl1pPr>
+            <a:lvl2pPr marL="742950" indent="-285750">
+              <a:defRPr sz="1600">
+                <a:solidFill>
+                  <a:srgbClr val="000000"/>
+                </a:solidFill>
+                <a:latin typeface="Arial" panose="020B0604020202020204" pitchFamily="34" charset="0"/>
+              </a:defRPr>
+            </a:lvl2pPr>
+            <a:lvl3pPr marL="1143000" indent="-228600">
+              <a:defRPr sz="1600">
+                <a:solidFill>
+                  <a:srgbClr val="000000"/>
+                </a:solidFill>
+                <a:latin typeface="Arial" panose="020B0604020202020204" pitchFamily="34" charset="0"/>
+              </a:defRPr>
+            </a:lvl3pPr>
+            <a:lvl4pPr marL="1600200" indent="-228600">
+              <a:defRPr sz="1600">
+                <a:solidFill>
+                  <a:srgbClr val="000000"/>
+                </a:solidFill>
+                <a:latin typeface="Arial" panose="020B0604020202020204" pitchFamily="34" charset="0"/>
+              </a:defRPr>
+            </a:lvl4pPr>
+            <a:lvl5pPr marL="2057400" indent="-228600">
+              <a:defRPr sz="1600">
+                <a:solidFill>
+                  <a:srgbClr val="000000"/>
+                </a:solidFill>
+                <a:latin typeface="Arial" panose="020B0604020202020204" pitchFamily="34" charset="0"/>
+              </a:defRPr>
+            </a:lvl5pPr>
+            <a:lvl6pPr marL="2514600" indent="-228600" algn="ctr" eaLnBrk="0" fontAlgn="base" hangingPunct="0">
+              <a:spcBef>
+                <a:spcPct val="50000"/>
+              </a:spcBef>
+              <a:spcAft>
+                <a:spcPct val="0"/>
+              </a:spcAft>
+              <a:defRPr sz="1600">
+                <a:solidFill>
+                  <a:srgbClr val="000000"/>
+                </a:solidFill>
+                <a:latin typeface="Arial" panose="020B0604020202020204" pitchFamily="34" charset="0"/>
+              </a:defRPr>
+            </a:lvl6pPr>
+            <a:lvl7pPr marL="2971800" indent="-228600" algn="ctr" eaLnBrk="0" fontAlgn="base" hangingPunct="0">
+              <a:spcBef>
+                <a:spcPct val="50000"/>
+              </a:spcBef>
+              <a:spcAft>
+                <a:spcPct val="0"/>
+              </a:spcAft>
+              <a:defRPr sz="1600">
+                <a:solidFill>
+                  <a:srgbClr val="000000"/>
+                </a:solidFill>
+                <a:latin typeface="Arial" panose="020B0604020202020204" pitchFamily="34" charset="0"/>
+              </a:defRPr>
+            </a:lvl7pPr>
+            <a:lvl8pPr marL="3429000" indent="-228600" algn="ctr" eaLnBrk="0" fontAlgn="base" hangingPunct="0">
+              <a:spcBef>
+                <a:spcPct val="50000"/>
+              </a:spcBef>
+              <a:spcAft>
+                <a:spcPct val="0"/>
+              </a:spcAft>
+              <a:defRPr sz="1600">
+                <a:solidFill>
+                  <a:srgbClr val="000000"/>
+                </a:solidFill>
+                <a:latin typeface="Arial" panose="020B0604020202020204" pitchFamily="34" charset="0"/>
+              </a:defRPr>
+            </a:lvl8pPr>
+            <a:lvl9pPr marL="3886200" indent="-228600" algn="ctr" eaLnBrk="0" fontAlgn="base" hangingPunct="0">
+              <a:spcBef>
+                <a:spcPct val="50000"/>
+              </a:spcBef>
+              <a:spcAft>
+                <a:spcPct val="0"/>
+              </a:spcAft>
+              <a:defRPr sz="1600">
+                <a:solidFill>
+                  <a:srgbClr val="000000"/>
+                </a:solidFill>
+                <a:latin typeface="Arial" panose="020B0604020202020204" pitchFamily="34" charset="0"/>
+              </a:defRPr>
+            </a:lvl9pPr>
+          </a:lstStyle>
+          <a:p>
+            <a:r>
+              <a:rPr lang="en-US" altLang="en-US"/>
+              <a:t>3</a:t>
+            </a:r>
+          </a:p>
+        </p:txBody>
+      </p:sp>
+      <p:sp>
+        <p:nvSpPr>
+          <p:cNvPr id="79885" name="Text Box 13"/>
+          <p:cNvSpPr txBox="1">
+            <a:spLocks noChangeArrowheads="1"/>
+          </p:cNvSpPr>
+          <p:nvPr/>
+        </p:nvSpPr>
+        <p:spPr bwMode="auto">
+          <a:xfrm>
+            <a:off x="2743200" y="2514600"/>
+            <a:ext cx="304800" cy="336550"/>
+          </a:xfrm>
+          <a:prstGeom prst="rect">
+            <a:avLst/>
+          </a:prstGeom>
+          <a:noFill/>
+          <a:ln>
+            <a:noFill/>
+          </a:ln>
+          <a:extLst>
+            <a:ext uri="{909E8E84-426E-40DD-AFC4-6F175D3DCCD1}">
+              <a14:hiddenFill xmlns:a14="http://schemas.microsoft.com/office/drawing/2010/main">
+                <a:solidFill>
+                  <a:srgbClr val="FFFFFF"/>
+                </a:solidFill>
+              </a14:hiddenFill>
+            </a:ext>
+            <a:ext uri="{91240B29-F687-4F45-9708-019B960494DF}">
+              <a14:hiddenLine xmlns:a14="http://schemas.microsoft.com/office/drawing/2010/main" w="9525">
+                <a:solidFill>
+                  <a:srgbClr val="000000"/>
+                </a:solidFill>
+                <a:miter lim="800000"/>
+                <a:headEnd/>
+                <a:tailEnd/>
+              </a14:hiddenLine>
+            </a:ext>
+          </a:extLst>
+        </p:spPr>
+        <p:txBody>
+          <a:bodyPr>
+            <a:spAutoFit/>
+          </a:bodyPr>
+          <a:lstStyle>
+            <a:lvl1pPr marL="219075" indent="-219075">
+              <a:defRPr sz="1600">
+                <a:solidFill>
+                  <a:srgbClr val="000000"/>
+                </a:solidFill>
+                <a:latin typeface="Arial" panose="020B0604020202020204" pitchFamily="34" charset="0"/>
+              </a:defRPr>
+            </a:lvl1pPr>
+            <a:lvl2pPr marL="742950" indent="-285750">
+              <a:defRPr sz="1600">
+                <a:solidFill>
+                  <a:srgbClr val="000000"/>
+                </a:solidFill>
+                <a:latin typeface="Arial" panose="020B0604020202020204" pitchFamily="34" charset="0"/>
+              </a:defRPr>
+            </a:lvl2pPr>
+            <a:lvl3pPr marL="1143000" indent="-228600">
+              <a:defRPr sz="1600">
+                <a:solidFill>
+                  <a:srgbClr val="000000"/>
+                </a:solidFill>
+                <a:latin typeface="Arial" panose="020B0604020202020204" pitchFamily="34" charset="0"/>
+              </a:defRPr>
+            </a:lvl3pPr>
+            <a:lvl4pPr marL="1600200" indent="-228600">
+              <a:defRPr sz="1600">
+                <a:solidFill>
+                  <a:srgbClr val="000000"/>
+                </a:solidFill>
+                <a:latin typeface="Arial" panose="020B0604020202020204" pitchFamily="34" charset="0"/>
+              </a:defRPr>
+            </a:lvl4pPr>
+            <a:lvl5pPr marL="2057400" indent="-228600">
+              <a:defRPr sz="1600">
+                <a:solidFill>
+                  <a:srgbClr val="000000"/>
+                </a:solidFill>
+                <a:latin typeface="Arial" panose="020B0604020202020204" pitchFamily="34" charset="0"/>
+              </a:defRPr>
+            </a:lvl5pPr>
+            <a:lvl6pPr marL="2514600" indent="-228600" algn="ctr" eaLnBrk="0" fontAlgn="base" hangingPunct="0">
+              <a:spcBef>
+                <a:spcPct val="50000"/>
+              </a:spcBef>
+              <a:spcAft>
+                <a:spcPct val="0"/>
+              </a:spcAft>
+              <a:defRPr sz="1600">
+                <a:solidFill>
+                  <a:srgbClr val="000000"/>
+                </a:solidFill>
+                <a:latin typeface="Arial" panose="020B0604020202020204" pitchFamily="34" charset="0"/>
+              </a:defRPr>
+            </a:lvl6pPr>
+            <a:lvl7pPr marL="2971800" indent="-228600" algn="ctr" eaLnBrk="0" fontAlgn="base" hangingPunct="0">
+              <a:spcBef>
+                <a:spcPct val="50000"/>
+              </a:spcBef>
+              <a:spcAft>
+                <a:spcPct val="0"/>
+              </a:spcAft>
+              <a:defRPr sz="1600">
+                <a:solidFill>
+                  <a:srgbClr val="000000"/>
+                </a:solidFill>
+                <a:latin typeface="Arial" panose="020B0604020202020204" pitchFamily="34" charset="0"/>
+              </a:defRPr>
+            </a:lvl7pPr>
+            <a:lvl8pPr marL="3429000" indent="-228600" algn="ctr" eaLnBrk="0" fontAlgn="base" hangingPunct="0">
+              <a:spcBef>
+                <a:spcPct val="50000"/>
+              </a:spcBef>
+              <a:spcAft>
+                <a:spcPct val="0"/>
+              </a:spcAft>
+              <a:defRPr sz="1600">
+                <a:solidFill>
+                  <a:srgbClr val="000000"/>
+                </a:solidFill>
+                <a:latin typeface="Arial" panose="020B0604020202020204" pitchFamily="34" charset="0"/>
+              </a:defRPr>
+            </a:lvl8pPr>
+            <a:lvl9pPr marL="3886200" indent="-228600" algn="ctr" eaLnBrk="0" fontAlgn="base" hangingPunct="0">
+              <a:spcBef>
+                <a:spcPct val="50000"/>
+              </a:spcBef>
+              <a:spcAft>
+                <a:spcPct val="0"/>
+              </a:spcAft>
+              <a:defRPr sz="1600">
+                <a:solidFill>
+                  <a:srgbClr val="000000"/>
+                </a:solidFill>
+                <a:latin typeface="Arial" panose="020B0604020202020204" pitchFamily="34" charset="0"/>
+              </a:defRPr>
+            </a:lvl9pPr>
+          </a:lstStyle>
+          <a:p>
+            <a:r>
+              <a:rPr lang="en-US" altLang="en-US"/>
+              <a:t>2</a:t>
+            </a:r>
+          </a:p>
+        </p:txBody>
+      </p:sp>
+      <p:sp>
+        <p:nvSpPr>
+          <p:cNvPr id="79886" name="Text Box 14"/>
+          <p:cNvSpPr txBox="1">
+            <a:spLocks noChangeArrowheads="1"/>
+          </p:cNvSpPr>
+          <p:nvPr/>
+        </p:nvSpPr>
+        <p:spPr bwMode="auto">
+          <a:xfrm>
+            <a:off x="1905000" y="3352800"/>
+            <a:ext cx="304800" cy="336550"/>
+          </a:xfrm>
+          <a:prstGeom prst="rect">
+            <a:avLst/>
+          </a:prstGeom>
+          <a:noFill/>
+          <a:ln>
+            <a:noFill/>
+          </a:ln>
+          <a:extLst>
+            <a:ext uri="{909E8E84-426E-40DD-AFC4-6F175D3DCCD1}">
+              <a14:hiddenFill xmlns:a14="http://schemas.microsoft.com/office/drawing/2010/main">
+                <a:solidFill>
+                  <a:srgbClr val="FFFFFF"/>
+                </a:solidFill>
+              </a14:hiddenFill>
+            </a:ext>
+            <a:ext uri="{91240B29-F687-4F45-9708-019B960494DF}">
+              <a14:hiddenLine xmlns:a14="http://schemas.microsoft.com/office/drawing/2010/main" w="9525">
+                <a:solidFill>
+                  <a:srgbClr val="000000"/>
+                </a:solidFill>
+                <a:miter lim="800000"/>
+                <a:headEnd/>
+                <a:tailEnd/>
+              </a14:hiddenLine>
+            </a:ext>
+          </a:extLst>
+        </p:spPr>
+        <p:txBody>
+          <a:bodyPr>
+            <a:spAutoFit/>
+          </a:bodyPr>
+          <a:lstStyle>
+            <a:lvl1pPr marL="219075" indent="-219075">
+              <a:defRPr sz="1600">
+                <a:solidFill>
+                  <a:srgbClr val="000000"/>
+                </a:solidFill>
+                <a:latin typeface="Arial" panose="020B0604020202020204" pitchFamily="34" charset="0"/>
+              </a:defRPr>
+            </a:lvl1pPr>
+            <a:lvl2pPr marL="742950" indent="-285750">
+              <a:defRPr sz="1600">
+                <a:solidFill>
+                  <a:srgbClr val="000000"/>
+                </a:solidFill>
+                <a:latin typeface="Arial" panose="020B0604020202020204" pitchFamily="34" charset="0"/>
+              </a:defRPr>
+            </a:lvl2pPr>
+            <a:lvl3pPr marL="1143000" indent="-228600">
+              <a:defRPr sz="1600">
+                <a:solidFill>
+                  <a:srgbClr val="000000"/>
+                </a:solidFill>
+                <a:latin typeface="Arial" panose="020B0604020202020204" pitchFamily="34" charset="0"/>
+              </a:defRPr>
+            </a:lvl3pPr>
+            <a:lvl4pPr marL="1600200" indent="-228600">
+              <a:defRPr sz="1600">
+                <a:solidFill>
+                  <a:srgbClr val="000000"/>
+                </a:solidFill>
+                <a:latin typeface="Arial" panose="020B0604020202020204" pitchFamily="34" charset="0"/>
+              </a:defRPr>
+            </a:lvl4pPr>
+            <a:lvl5pPr marL="2057400" indent="-228600">
+              <a:defRPr sz="1600">
+                <a:solidFill>
+                  <a:srgbClr val="000000"/>
+                </a:solidFill>
+                <a:latin typeface="Arial" panose="020B0604020202020204" pitchFamily="34" charset="0"/>
+              </a:defRPr>
+            </a:lvl5pPr>
+            <a:lvl6pPr marL="2514600" indent="-228600" algn="ctr" eaLnBrk="0" fontAlgn="base" hangingPunct="0">
+              <a:spcBef>
+                <a:spcPct val="50000"/>
+              </a:spcBef>
+              <a:spcAft>
+                <a:spcPct val="0"/>
+              </a:spcAft>
+              <a:defRPr sz="1600">
+                <a:solidFill>
+                  <a:srgbClr val="000000"/>
+                </a:solidFill>
+                <a:latin typeface="Arial" panose="020B0604020202020204" pitchFamily="34" charset="0"/>
+              </a:defRPr>
+            </a:lvl6pPr>
+            <a:lvl7pPr marL="2971800" indent="-228600" algn="ctr" eaLnBrk="0" fontAlgn="base" hangingPunct="0">
+              <a:spcBef>
+                <a:spcPct val="50000"/>
+              </a:spcBef>
+              <a:spcAft>
+                <a:spcPct val="0"/>
+              </a:spcAft>
+              <a:defRPr sz="1600">
+                <a:solidFill>
+                  <a:srgbClr val="000000"/>
+                </a:solidFill>
+                <a:latin typeface="Arial" panose="020B0604020202020204" pitchFamily="34" charset="0"/>
+              </a:defRPr>
+            </a:lvl7pPr>
+            <a:lvl8pPr marL="3429000" indent="-228600" algn="ctr" eaLnBrk="0" fontAlgn="base" hangingPunct="0">
+              <a:spcBef>
+                <a:spcPct val="50000"/>
+              </a:spcBef>
+              <a:spcAft>
+                <a:spcPct val="0"/>
+              </a:spcAft>
+              <a:defRPr sz="1600">
+                <a:solidFill>
+                  <a:srgbClr val="000000"/>
+                </a:solidFill>
+                <a:latin typeface="Arial" panose="020B0604020202020204" pitchFamily="34" charset="0"/>
+              </a:defRPr>
+            </a:lvl8pPr>
+            <a:lvl9pPr marL="3886200" indent="-228600" algn="ctr" eaLnBrk="0" fontAlgn="base" hangingPunct="0">
+              <a:spcBef>
+                <a:spcPct val="50000"/>
+              </a:spcBef>
+              <a:spcAft>
+                <a:spcPct val="0"/>
+              </a:spcAft>
+              <a:defRPr sz="1600">
+                <a:solidFill>
+                  <a:srgbClr val="000000"/>
+                </a:solidFill>
+                <a:latin typeface="Arial" panose="020B0604020202020204" pitchFamily="34" charset="0"/>
+              </a:defRPr>
+            </a:lvl9pPr>
+          </a:lstStyle>
+          <a:p>
+            <a:r>
+              <a:rPr lang="en-US" altLang="en-US"/>
+              <a:t>1</a:t>
+            </a:r>
+          </a:p>
+        </p:txBody>
+      </p:sp>
+      <p:sp>
+        <p:nvSpPr>
+          <p:cNvPr id="79887" name="Text Box 15"/>
+          <p:cNvSpPr txBox="1">
+            <a:spLocks noChangeArrowheads="1"/>
+          </p:cNvSpPr>
+          <p:nvPr/>
+        </p:nvSpPr>
+        <p:spPr bwMode="auto">
+          <a:xfrm>
+            <a:off x="0" y="5410200"/>
+            <a:ext cx="2514600" cy="336550"/>
+          </a:xfrm>
+          <a:prstGeom prst="rect">
+            <a:avLst/>
+          </a:prstGeom>
+          <a:noFill/>
+          <a:ln>
+            <a:noFill/>
+          </a:ln>
+          <a:extLst>
+            <a:ext uri="{909E8E84-426E-40DD-AFC4-6F175D3DCCD1}">
+              <a14:hiddenFill xmlns:a14="http://schemas.microsoft.com/office/drawing/2010/main">
+                <a:solidFill>
+                  <a:srgbClr val="FFFFFF"/>
+                </a:solidFill>
+              </a14:hiddenFill>
+            </a:ext>
+            <a:ext uri="{91240B29-F687-4F45-9708-019B960494DF}">
+              <a14:hiddenLine xmlns:a14="http://schemas.microsoft.com/office/drawing/2010/main" w="9525">
+                <a:solidFill>
+                  <a:srgbClr val="000000"/>
+                </a:solidFill>
+                <a:miter lim="800000"/>
+                <a:headEnd/>
+                <a:tailEnd/>
+              </a14:hiddenLine>
+            </a:ext>
+          </a:extLst>
+        </p:spPr>
+        <p:txBody>
+          <a:bodyPr>
+            <a:spAutoFit/>
+          </a:bodyPr>
+          <a:lstStyle>
+            <a:lvl1pPr marL="219075" indent="-219075">
+              <a:defRPr sz="1600">
+                <a:solidFill>
+                  <a:srgbClr val="000000"/>
+                </a:solidFill>
+                <a:latin typeface="Arial" panose="020B0604020202020204" pitchFamily="34" charset="0"/>
+              </a:defRPr>
+            </a:lvl1pPr>
+            <a:lvl2pPr marL="742950" indent="-285750">
+              <a:defRPr sz="1600">
+                <a:solidFill>
+                  <a:srgbClr val="000000"/>
+                </a:solidFill>
+                <a:latin typeface="Arial" panose="020B0604020202020204" pitchFamily="34" charset="0"/>
+              </a:defRPr>
+            </a:lvl2pPr>
+            <a:lvl3pPr marL="1143000" indent="-228600">
+              <a:defRPr sz="1600">
+                <a:solidFill>
+                  <a:srgbClr val="000000"/>
+                </a:solidFill>
+                <a:latin typeface="Arial" panose="020B0604020202020204" pitchFamily="34" charset="0"/>
+              </a:defRPr>
+            </a:lvl3pPr>
+            <a:lvl4pPr marL="1600200" indent="-228600">
+              <a:defRPr sz="1600">
+                <a:solidFill>
+                  <a:srgbClr val="000000"/>
+                </a:solidFill>
+                <a:latin typeface="Arial" panose="020B0604020202020204" pitchFamily="34" charset="0"/>
+              </a:defRPr>
+            </a:lvl4pPr>
+            <a:lvl5pPr marL="2057400" indent="-228600">
+              <a:defRPr sz="1600">
+                <a:solidFill>
+                  <a:srgbClr val="000000"/>
+                </a:solidFill>
+                <a:latin typeface="Arial" panose="020B0604020202020204" pitchFamily="34" charset="0"/>
+              </a:defRPr>
+            </a:lvl5pPr>
+            <a:lvl6pPr marL="2514600" indent="-228600" algn="ctr" eaLnBrk="0" fontAlgn="base" hangingPunct="0">
+              <a:spcBef>
+                <a:spcPct val="50000"/>
+              </a:spcBef>
+              <a:spcAft>
+                <a:spcPct val="0"/>
+              </a:spcAft>
+              <a:defRPr sz="1600">
+                <a:solidFill>
+                  <a:srgbClr val="000000"/>
+                </a:solidFill>
+                <a:latin typeface="Arial" panose="020B0604020202020204" pitchFamily="34" charset="0"/>
+              </a:defRPr>
+            </a:lvl6pPr>
+            <a:lvl7pPr marL="2971800" indent="-228600" algn="ctr" eaLnBrk="0" fontAlgn="base" hangingPunct="0">
+              <a:spcBef>
+                <a:spcPct val="50000"/>
+              </a:spcBef>
+              <a:spcAft>
+                <a:spcPct val="0"/>
+              </a:spcAft>
+              <a:defRPr sz="1600">
+                <a:solidFill>
+                  <a:srgbClr val="000000"/>
+                </a:solidFill>
+                <a:latin typeface="Arial" panose="020B0604020202020204" pitchFamily="34" charset="0"/>
+              </a:defRPr>
+            </a:lvl7pPr>
+            <a:lvl8pPr marL="3429000" indent="-228600" algn="ctr" eaLnBrk="0" fontAlgn="base" hangingPunct="0">
+              <a:spcBef>
+                <a:spcPct val="50000"/>
+              </a:spcBef>
+              <a:spcAft>
+                <a:spcPct val="0"/>
+              </a:spcAft>
+              <a:defRPr sz="1600">
+                <a:solidFill>
+                  <a:srgbClr val="000000"/>
+                </a:solidFill>
+                <a:latin typeface="Arial" panose="020B0604020202020204" pitchFamily="34" charset="0"/>
+              </a:defRPr>
+            </a:lvl8pPr>
+            <a:lvl9pPr marL="3886200" indent="-228600" algn="ctr" eaLnBrk="0" fontAlgn="base" hangingPunct="0">
+              <a:spcBef>
+                <a:spcPct val="50000"/>
+              </a:spcBef>
+              <a:spcAft>
+                <a:spcPct val="0"/>
+              </a:spcAft>
+              <a:defRPr sz="1600">
+                <a:solidFill>
+                  <a:srgbClr val="000000"/>
+                </a:solidFill>
+                <a:latin typeface="Arial" panose="020B0604020202020204" pitchFamily="34" charset="0"/>
+              </a:defRPr>
+            </a:lvl9pPr>
+          </a:lstStyle>
+          <a:p>
+            <a:r>
+              <a:rPr lang="en-US" altLang="en-US"/>
+              <a:t>3 Conductors/Terminal</a:t>
+            </a:r>
+          </a:p>
+        </p:txBody>
+      </p:sp>
+      <p:sp>
+        <p:nvSpPr>
+          <p:cNvPr id="79888" name="Freeform 16"/>
+          <p:cNvSpPr>
+            <a:spLocks/>
+          </p:cNvSpPr>
+          <p:nvPr/>
+        </p:nvSpPr>
+        <p:spPr bwMode="auto">
+          <a:xfrm>
+            <a:off x="2895600" y="2743200"/>
+            <a:ext cx="457200" cy="457200"/>
+          </a:xfrm>
+          <a:custGeom>
+            <a:avLst/>
+            <a:gdLst>
+              <a:gd name="T0" fmla="*/ 2147483647 w 288"/>
+              <a:gd name="T1" fmla="*/ 0 h 288"/>
+              <a:gd name="T2" fmla="*/ 0 w 288"/>
+              <a:gd name="T3" fmla="*/ 2147483647 h 288"/>
+              <a:gd name="T4" fmla="*/ 2147483647 w 288"/>
+              <a:gd name="T5" fmla="*/ 2147483647 h 288"/>
+              <a:gd name="T6" fmla="*/ 0 60000 65536"/>
+              <a:gd name="T7" fmla="*/ 0 60000 65536"/>
+              <a:gd name="T8" fmla="*/ 0 60000 65536"/>
+              <a:gd name="T9" fmla="*/ 0 w 288"/>
+              <a:gd name="T10" fmla="*/ 0 h 288"/>
+              <a:gd name="T11" fmla="*/ 288 w 288"/>
+              <a:gd name="T12" fmla="*/ 288 h 288"/>
+            </a:gdLst>
+            <a:ahLst/>
+            <a:cxnLst>
+              <a:cxn ang="T6">
+                <a:pos x="T0" y="T1"/>
+              </a:cxn>
+              <a:cxn ang="T7">
+                <a:pos x="T2" y="T3"/>
+              </a:cxn>
+              <a:cxn ang="T8">
+                <a:pos x="T4" y="T5"/>
+              </a:cxn>
+            </a:cxnLst>
+            <a:rect l="T9" t="T10" r="T11" b="T12"/>
+            <a:pathLst>
+              <a:path w="288" h="288">
+                <a:moveTo>
+                  <a:pt x="288" y="0"/>
+                </a:moveTo>
+                <a:cubicBezTo>
+                  <a:pt x="144" y="48"/>
+                  <a:pt x="0" y="96"/>
+                  <a:pt x="0" y="144"/>
+                </a:cubicBezTo>
+                <a:cubicBezTo>
+                  <a:pt x="0" y="192"/>
+                  <a:pt x="240" y="264"/>
+                  <a:pt x="288" y="288"/>
+                </a:cubicBezTo>
+              </a:path>
+            </a:pathLst>
+          </a:custGeom>
+          <a:noFill/>
+          <a:ln w="9525" cap="flat" cmpd="sng">
+            <a:solidFill>
+              <a:schemeClr val="tx1"/>
+            </a:solidFill>
+            <a:prstDash val="solid"/>
+            <a:round/>
+            <a:headEnd/>
+            <a:tailEnd/>
+          </a:ln>
+          <a:extLst>
+            <a:ext uri="{909E8E84-426E-40DD-AFC4-6F175D3DCCD1}">
+              <a14:hiddenFill xmlns:a14="http://schemas.microsoft.com/office/drawing/2010/main">
+                <a:solidFill>
+                  <a:srgbClr val="FFFFFF"/>
+                </a:solidFill>
+              </a14:hiddenFill>
+            </a:ext>
+          </a:extLst>
+        </p:spPr>
+        <p:txBody>
+          <a:bodyPr anchor="ctr"/>
+          <a:lstStyle/>
+          <a:p>
+            <a:endParaRPr lang="en-US"/>
+          </a:p>
+        </p:txBody>
+      </p:sp>
+      <p:sp>
+        <p:nvSpPr>
+          <p:cNvPr id="79889" name="Freeform 17"/>
+          <p:cNvSpPr>
+            <a:spLocks/>
+          </p:cNvSpPr>
+          <p:nvPr/>
+        </p:nvSpPr>
+        <p:spPr bwMode="auto">
+          <a:xfrm>
+            <a:off x="2895600" y="4495800"/>
+            <a:ext cx="457200" cy="533400"/>
+          </a:xfrm>
+          <a:custGeom>
+            <a:avLst/>
+            <a:gdLst>
+              <a:gd name="T0" fmla="*/ 2147483647 w 288"/>
+              <a:gd name="T1" fmla="*/ 0 h 288"/>
+              <a:gd name="T2" fmla="*/ 0 w 288"/>
+              <a:gd name="T3" fmla="*/ 2147483647 h 288"/>
+              <a:gd name="T4" fmla="*/ 2147483647 w 288"/>
+              <a:gd name="T5" fmla="*/ 2147483647 h 288"/>
+              <a:gd name="T6" fmla="*/ 0 60000 65536"/>
+              <a:gd name="T7" fmla="*/ 0 60000 65536"/>
+              <a:gd name="T8" fmla="*/ 0 60000 65536"/>
+              <a:gd name="T9" fmla="*/ 0 w 288"/>
+              <a:gd name="T10" fmla="*/ 0 h 288"/>
+              <a:gd name="T11" fmla="*/ 288 w 288"/>
+              <a:gd name="T12" fmla="*/ 288 h 288"/>
+            </a:gdLst>
+            <a:ahLst/>
+            <a:cxnLst>
+              <a:cxn ang="T6">
+                <a:pos x="T0" y="T1"/>
+              </a:cxn>
+              <a:cxn ang="T7">
+                <a:pos x="T2" y="T3"/>
+              </a:cxn>
+              <a:cxn ang="T8">
+                <a:pos x="T4" y="T5"/>
+              </a:cxn>
+            </a:cxnLst>
+            <a:rect l="T9" t="T10" r="T11" b="T12"/>
+            <a:pathLst>
+              <a:path w="288" h="288">
+                <a:moveTo>
+                  <a:pt x="288" y="0"/>
+                </a:moveTo>
+                <a:cubicBezTo>
+                  <a:pt x="144" y="48"/>
+                  <a:pt x="0" y="96"/>
+                  <a:pt x="0" y="144"/>
+                </a:cubicBezTo>
+                <a:cubicBezTo>
+                  <a:pt x="0" y="192"/>
+                  <a:pt x="240" y="264"/>
+                  <a:pt x="288" y="288"/>
+                </a:cubicBezTo>
+              </a:path>
+            </a:pathLst>
+          </a:custGeom>
+          <a:noFill/>
+          <a:ln w="9525" cap="flat" cmpd="sng">
+            <a:solidFill>
+              <a:schemeClr val="tx1"/>
+            </a:solidFill>
+            <a:prstDash val="solid"/>
+            <a:round/>
+            <a:headEnd/>
+            <a:tailEnd/>
+          </a:ln>
+          <a:extLst>
+            <a:ext uri="{909E8E84-426E-40DD-AFC4-6F175D3DCCD1}">
+              <a14:hiddenFill xmlns:a14="http://schemas.microsoft.com/office/drawing/2010/main">
+                <a:solidFill>
+                  <a:srgbClr val="FFFFFF"/>
+                </a:solidFill>
+              </a14:hiddenFill>
+            </a:ext>
+          </a:extLst>
+        </p:spPr>
+        <p:txBody>
+          <a:bodyPr anchor="ctr"/>
+          <a:lstStyle/>
+          <a:p>
+            <a:endParaRPr lang="en-US"/>
+          </a:p>
+        </p:txBody>
+      </p:sp>
+      <p:sp>
+        <p:nvSpPr>
+          <p:cNvPr id="79890" name="Freeform 18"/>
+          <p:cNvSpPr>
+            <a:spLocks/>
+          </p:cNvSpPr>
+          <p:nvPr/>
+        </p:nvSpPr>
+        <p:spPr bwMode="auto">
+          <a:xfrm>
+            <a:off x="2209800" y="1447800"/>
+            <a:ext cx="1143000" cy="4876800"/>
+          </a:xfrm>
+          <a:custGeom>
+            <a:avLst/>
+            <a:gdLst>
+              <a:gd name="T0" fmla="*/ 2147483647 w 288"/>
+              <a:gd name="T1" fmla="*/ 0 h 288"/>
+              <a:gd name="T2" fmla="*/ 0 w 288"/>
+              <a:gd name="T3" fmla="*/ 2147483647 h 288"/>
+              <a:gd name="T4" fmla="*/ 2147483647 w 288"/>
+              <a:gd name="T5" fmla="*/ 2147483647 h 288"/>
+              <a:gd name="T6" fmla="*/ 0 60000 65536"/>
+              <a:gd name="T7" fmla="*/ 0 60000 65536"/>
+              <a:gd name="T8" fmla="*/ 0 60000 65536"/>
+              <a:gd name="T9" fmla="*/ 0 w 288"/>
+              <a:gd name="T10" fmla="*/ 0 h 288"/>
+              <a:gd name="T11" fmla="*/ 288 w 288"/>
+              <a:gd name="T12" fmla="*/ 288 h 288"/>
+            </a:gdLst>
+            <a:ahLst/>
+            <a:cxnLst>
+              <a:cxn ang="T6">
+                <a:pos x="T0" y="T1"/>
+              </a:cxn>
+              <a:cxn ang="T7">
+                <a:pos x="T2" y="T3"/>
+              </a:cxn>
+              <a:cxn ang="T8">
+                <a:pos x="T4" y="T5"/>
+              </a:cxn>
+            </a:cxnLst>
+            <a:rect l="T9" t="T10" r="T11" b="T12"/>
+            <a:pathLst>
+              <a:path w="288" h="288">
+                <a:moveTo>
+                  <a:pt x="288" y="0"/>
+                </a:moveTo>
+                <a:cubicBezTo>
+                  <a:pt x="144" y="48"/>
+                  <a:pt x="0" y="96"/>
+                  <a:pt x="0" y="144"/>
+                </a:cubicBezTo>
+                <a:cubicBezTo>
+                  <a:pt x="0" y="192"/>
+                  <a:pt x="240" y="264"/>
+                  <a:pt x="288" y="288"/>
+                </a:cubicBezTo>
+              </a:path>
+            </a:pathLst>
+          </a:custGeom>
+          <a:noFill/>
+          <a:ln w="9525" cap="flat" cmpd="sng">
+            <a:solidFill>
+              <a:schemeClr val="tx1"/>
+            </a:solidFill>
+            <a:prstDash val="solid"/>
+            <a:round/>
+            <a:headEnd/>
+            <a:tailEnd/>
+          </a:ln>
+          <a:extLst>
+            <a:ext uri="{909E8E84-426E-40DD-AFC4-6F175D3DCCD1}">
+              <a14:hiddenFill xmlns:a14="http://schemas.microsoft.com/office/drawing/2010/main">
+                <a:solidFill>
+                  <a:srgbClr val="FFFFFF"/>
+                </a:solidFill>
+              </a14:hiddenFill>
+            </a:ext>
+          </a:extLst>
+        </p:spPr>
+        <p:txBody>
+          <a:bodyPr anchor="ctr"/>
+          <a:lstStyle/>
+          <a:p>
+            <a:endParaRPr lang="en-US"/>
+          </a:p>
+        </p:txBody>
+      </p:sp>
+    </p:spTree>
+    <p:extLst>
+      <p:ext uri="{BB962C8B-B14F-4D97-AF65-F5344CB8AC3E}">
+        <p14:creationId xmlns:p14="http://schemas.microsoft.com/office/powerpoint/2010/main" val="3669594719"/>
+      </p:ext>
+    </p:extLst>
+  </p:cSld>
+  <p:clrMapOvr>
+    <a:masterClrMapping/>
+  </p:clrMapOvr>
+</p:sld>
+</file>
+
+<file path=ppt/slides/slide8.xml><?xml version="1.0" encoding="utf-8"?>
+<p:sld xmlns:a="http://schemas.openxmlformats.org/drawingml/2006/main" xmlns:r="http://schemas.openxmlformats.org/officeDocument/2006/relationships" xmlns:p="http://schemas.openxmlformats.org/presentationml/2006/main">
+  <p:cSld>
+    <p:spTree>
+      <p:nvGrpSpPr>
+        <p:cNvPr id="1" name=""/>
+        <p:cNvGrpSpPr/>
+        <p:nvPr/>
+      </p:nvGrpSpPr>
+      <p:grpSpPr>
+        <a:xfrm>
+          <a:off x="0" y="0"/>
+          <a:ext cx="0" cy="0"/>
+          <a:chOff x="0" y="0"/>
+          <a:chExt cx="0" cy="0"/>
+        </a:xfrm>
+      </p:grpSpPr>
+      <p:sp>
+        <p:nvSpPr>
+          <p:cNvPr id="80898" name="Rectangle 2"/>
+          <p:cNvSpPr>
+            <a:spLocks noGrp="1" noChangeArrowheads="1"/>
+          </p:cNvSpPr>
+          <p:nvPr>
+            <p:ph type="title"/>
+          </p:nvPr>
+        </p:nvSpPr>
+        <p:spPr/>
+        <p:txBody>
+          <a:bodyPr/>
+          <a:lstStyle/>
+          <a:p>
+            <a:pPr eaLnBrk="1" hangingPunct="1"/>
+            <a:r>
+              <a:rPr lang="en-US" altLang="en-US" dirty="0"/>
+              <a:t>Generator Models  (Present version)</a:t>
+            </a:r>
+          </a:p>
+        </p:txBody>
+      </p:sp>
+      <p:sp>
+        <p:nvSpPr>
+          <p:cNvPr id="80899" name="Rectangle 3"/>
+          <p:cNvSpPr>
+            <a:spLocks noGrp="1" noChangeArrowheads="1"/>
+          </p:cNvSpPr>
+          <p:nvPr>
+            <p:ph type="body" idx="1"/>
+          </p:nvPr>
+        </p:nvSpPr>
+        <p:spPr>
+          <a:xfrm>
+            <a:off x="457200" y="1676400"/>
+            <a:ext cx="8226425" cy="4675188"/>
+          </a:xfrm>
+        </p:spPr>
+        <p:txBody>
+          <a:bodyPr/>
+          <a:lstStyle/>
+          <a:p>
+            <a:pPr eaLnBrk="1" hangingPunct="1">
+              <a:buFontTx/>
+              <a:buNone/>
+            </a:pPr>
+            <a:r>
+              <a:rPr lang="en-US" altLang="en-US" dirty="0"/>
+              <a:t>1: Injects constant P at specified PF (Default)</a:t>
+            </a:r>
+          </a:p>
+          <a:p>
+            <a:pPr eaLnBrk="1" hangingPunct="1">
+              <a:buFontTx/>
+              <a:buNone/>
+            </a:pPr>
+            <a:r>
+              <a:rPr lang="en-US" altLang="en-US" dirty="0"/>
+              <a:t>2: Constant admittance </a:t>
+            </a:r>
+          </a:p>
+          <a:p>
+            <a:pPr eaLnBrk="1" hangingPunct="1">
+              <a:buFontTx/>
+              <a:buNone/>
+            </a:pPr>
+            <a:r>
+              <a:rPr lang="en-US" altLang="en-US" dirty="0"/>
+              <a:t>3: </a:t>
+            </a:r>
+            <a:r>
+              <a:rPr lang="en-US" altLang="en-US" dirty="0" err="1"/>
+              <a:t>Const</a:t>
+            </a:r>
+            <a:r>
+              <a:rPr lang="en-US" altLang="en-US" dirty="0"/>
+              <a:t> P, V (Similar to conventional </a:t>
+            </a:r>
+            <a:r>
+              <a:rPr lang="en-US" altLang="en-US" dirty="0" err="1"/>
+              <a:t>Pflow</a:t>
+            </a:r>
+            <a:r>
+              <a:rPr lang="en-US" altLang="en-US" dirty="0"/>
+              <a:t> Generator bus)</a:t>
+            </a:r>
+          </a:p>
+          <a:p>
+            <a:pPr eaLnBrk="1" hangingPunct="1">
+              <a:buFontTx/>
+              <a:buNone/>
+            </a:pPr>
+            <a:r>
+              <a:rPr lang="en-US" altLang="en-US" dirty="0"/>
+              <a:t>4: </a:t>
+            </a:r>
+            <a:r>
+              <a:rPr lang="en-US" altLang="en-US" dirty="0" err="1"/>
+              <a:t>Const</a:t>
+            </a:r>
+            <a:r>
+              <a:rPr lang="en-US" altLang="en-US" dirty="0"/>
+              <a:t> P, Fixed Q (Q never varies).</a:t>
+            </a:r>
+          </a:p>
+          <a:p>
+            <a:pPr eaLnBrk="1" hangingPunct="1">
+              <a:buFontTx/>
+              <a:buNone/>
+            </a:pPr>
+            <a:r>
+              <a:rPr lang="en-US" altLang="en-US" dirty="0"/>
+              <a:t>5: </a:t>
+            </a:r>
+            <a:r>
+              <a:rPr lang="en-US" altLang="en-US" dirty="0" err="1"/>
+              <a:t>Const</a:t>
+            </a:r>
+            <a:r>
+              <a:rPr lang="en-US" altLang="en-US" dirty="0"/>
+              <a:t> P, Fixed Impedance Q</a:t>
+            </a:r>
+          </a:p>
+          <a:p>
+            <a:pPr eaLnBrk="1" hangingPunct="1">
+              <a:buFontTx/>
+              <a:buNone/>
+            </a:pPr>
+            <a:r>
+              <a:rPr lang="en-US" altLang="en-US" dirty="0"/>
+              <a:t>6: Compute P, Q from User-Written model</a:t>
+            </a:r>
+          </a:p>
+          <a:p>
+            <a:pPr eaLnBrk="1" hangingPunct="1">
+              <a:buFontTx/>
+              <a:buNone/>
+            </a:pPr>
+            <a:r>
+              <a:rPr lang="en-US" altLang="en-US" dirty="0"/>
+              <a:t>7: Constant P, Q, but current-limited below </a:t>
+            </a:r>
+            <a:r>
+              <a:rPr lang="en-US" altLang="en-US" dirty="0" err="1"/>
+              <a:t>VminPU</a:t>
+            </a:r>
+            <a:r>
+              <a:rPr lang="en-US" altLang="en-US" dirty="0"/>
+              <a:t>.</a:t>
+            </a:r>
+          </a:p>
+          <a:p>
+            <a:pPr eaLnBrk="1" hangingPunct="1">
+              <a:buFontTx/>
+              <a:buNone/>
+            </a:pPr>
+            <a:r>
+              <a:rPr lang="en-US" altLang="en-US" dirty="0"/>
+              <a:t>		Approximates a simple inverter</a:t>
+            </a:r>
+          </a:p>
+        </p:txBody>
+      </p:sp>
+    </p:spTree>
+    <p:extLst>
+      <p:ext uri="{BB962C8B-B14F-4D97-AF65-F5344CB8AC3E}">
+        <p14:creationId xmlns:p14="http://schemas.microsoft.com/office/powerpoint/2010/main" val="1940023979"/>
+      </p:ext>
+    </p:extLst>
+  </p:cSld>
+  <p:clrMapOvr>
+    <a:masterClrMapping/>
+  </p:clrMapOvr>
+</p:sld>
+</file>
+
+<file path=ppt/slides/slide9.xml><?xml version="1.0" encoding="utf-8"?>
+<p:sld xmlns:a="http://schemas.openxmlformats.org/drawingml/2006/main" xmlns:r="http://schemas.openxmlformats.org/officeDocument/2006/relationships" xmlns:p="http://schemas.openxmlformats.org/presentationml/2006/main">
+  <p:cSld>
+    <p:spTree>
+      <p:nvGrpSpPr>
+        <p:cNvPr id="1" name=""/>
+        <p:cNvGrpSpPr/>
+        <p:nvPr/>
+      </p:nvGrpSpPr>
+      <p:grpSpPr>
+        <a:xfrm>
+          <a:off x="0" y="0"/>
+          <a:ext cx="0" cy="0"/>
+          <a:chOff x="0" y="0"/>
+          <a:chExt cx="0" cy="0"/>
+        </a:xfrm>
+      </p:grpSpPr>
+      <p:sp>
+        <p:nvSpPr>
+          <p:cNvPr id="2" name="Title 1"/>
+          <p:cNvSpPr>
+            <a:spLocks noGrp="1"/>
+          </p:cNvSpPr>
+          <p:nvPr>
+            <p:ph type="title"/>
+          </p:nvPr>
+        </p:nvSpPr>
+        <p:spPr/>
+        <p:txBody>
+          <a:bodyPr/>
+          <a:lstStyle/>
+          <a:p>
+            <a:r>
+              <a:rPr lang="en-US" dirty="0"/>
+              <a:t>Typical Definition</a:t>
+            </a:r>
+          </a:p>
+        </p:txBody>
+      </p:sp>
+      <p:sp>
+        <p:nvSpPr>
+          <p:cNvPr id="3" name="Content Placeholder 2"/>
+          <p:cNvSpPr>
+            <a:spLocks noGrp="1"/>
+          </p:cNvSpPr>
+          <p:nvPr>
+            <p:ph idx="1"/>
+          </p:nvPr>
+        </p:nvSpPr>
+        <p:spPr/>
+        <p:txBody>
+          <a:bodyPr/>
+          <a:lstStyle/>
+          <a:p>
+            <a:r>
+              <a:rPr lang="en-US" dirty="0"/>
+              <a:t>For power flow</a:t>
+            </a:r>
+          </a:p>
+          <a:p>
+            <a:pPr lvl="1"/>
+            <a:r>
+              <a:rPr lang="en-US" dirty="0"/>
+              <a:t>New Generator.G1 Bus1=</a:t>
+            </a:r>
+            <a:r>
+              <a:rPr lang="en-US" dirty="0" err="1"/>
+              <a:t>GenBus</a:t>
+            </a:r>
+            <a:r>
+              <a:rPr lang="en-US" dirty="0"/>
+              <a:t> kW=1000 PF=1 kV=0.480</a:t>
+            </a:r>
+          </a:p>
+          <a:p>
+            <a:pPr lvl="1"/>
+            <a:r>
+              <a:rPr lang="en-US" dirty="0"/>
+              <a:t>Don’t forget kV= !!</a:t>
+            </a:r>
+          </a:p>
+          <a:p>
+            <a:pPr lvl="1"/>
+            <a:r>
+              <a:rPr lang="en-US" dirty="0"/>
+              <a:t>This assumes Model=1</a:t>
+            </a:r>
+          </a:p>
+          <a:p>
+            <a:pPr lvl="1"/>
+            <a:endParaRPr lang="en-US" dirty="0"/>
+          </a:p>
+          <a:p>
+            <a:r>
+              <a:rPr lang="en-US" dirty="0"/>
+              <a:t>Wind Generator QSTS Model</a:t>
+            </a:r>
+          </a:p>
+          <a:p>
+            <a:r>
+              <a:rPr lang="en-US" sz="1600" dirty="0">
+                <a:latin typeface="Courier New" panose="02070309020205020404" pitchFamily="49" charset="0"/>
+                <a:cs typeface="Courier New" panose="02070309020205020404" pitchFamily="49" charset="0"/>
+              </a:rPr>
+              <a:t>New "Generator.windgen1" bus1=Bg2 </a:t>
+            </a:r>
+            <a:r>
+              <a:rPr lang="en-US" sz="1600" dirty="0" err="1">
+                <a:latin typeface="Courier New" panose="02070309020205020404" pitchFamily="49" charset="0"/>
+                <a:cs typeface="Courier New" panose="02070309020205020404" pitchFamily="49" charset="0"/>
+              </a:rPr>
+              <a:t>kv</a:t>
+            </a:r>
+            <a:r>
+              <a:rPr lang="en-US" sz="1600" dirty="0">
+                <a:latin typeface="Courier New" panose="02070309020205020404" pitchFamily="49" charset="0"/>
+                <a:cs typeface="Courier New" panose="02070309020205020404" pitchFamily="49" charset="0"/>
+              </a:rPr>
+              <a:t>=0.48 kW=1200 conn=delta kVA=1500.000 H=6 </a:t>
+            </a:r>
+            <a:r>
+              <a:rPr lang="en-US" sz="1600" b="1" dirty="0">
+                <a:latin typeface="Courier New" panose="02070309020205020404" pitchFamily="49" charset="0"/>
+                <a:cs typeface="Courier New" panose="02070309020205020404" pitchFamily="49" charset="0"/>
+              </a:rPr>
+              <a:t>duty=Wind2400</a:t>
+            </a:r>
+            <a:r>
+              <a:rPr lang="en-US" sz="1600" dirty="0">
+                <a:latin typeface="Courier New" panose="02070309020205020404" pitchFamily="49" charset="0"/>
+                <a:cs typeface="Courier New" panose="02070309020205020404" pitchFamily="49" charset="0"/>
+              </a:rPr>
+              <a:t> model=1 pf=1.000 </a:t>
+            </a:r>
+            <a:r>
+              <a:rPr lang="en-US" sz="1600" dirty="0" err="1">
+                <a:latin typeface="Courier New" panose="02070309020205020404" pitchFamily="49" charset="0"/>
+                <a:cs typeface="Courier New" panose="02070309020205020404" pitchFamily="49" charset="0"/>
+              </a:rPr>
+              <a:t>Xdp</a:t>
+            </a:r>
+            <a:r>
+              <a:rPr lang="en-US" sz="1600" dirty="0">
+                <a:latin typeface="Courier New" panose="02070309020205020404" pitchFamily="49" charset="0"/>
+                <a:cs typeface="Courier New" panose="02070309020205020404" pitchFamily="49" charset="0"/>
+              </a:rPr>
+              <a:t>=0.192 </a:t>
+            </a:r>
+            <a:r>
+              <a:rPr lang="en-US" sz="1600" dirty="0" err="1">
+                <a:latin typeface="Courier New" panose="02070309020205020404" pitchFamily="49" charset="0"/>
+                <a:cs typeface="Courier New" panose="02070309020205020404" pitchFamily="49" charset="0"/>
+              </a:rPr>
+              <a:t>Xdpp</a:t>
+            </a:r>
+            <a:r>
+              <a:rPr lang="en-US" sz="1600" dirty="0">
+                <a:latin typeface="Courier New" panose="02070309020205020404" pitchFamily="49" charset="0"/>
+                <a:cs typeface="Courier New" panose="02070309020205020404" pitchFamily="49" charset="0"/>
+              </a:rPr>
+              <a:t>=0.15</a:t>
+            </a:r>
+          </a:p>
+          <a:p>
+            <a:endParaRPr lang="en-US" dirty="0"/>
+          </a:p>
+          <a:p>
+            <a:endParaRPr lang="en-US" dirty="0"/>
+          </a:p>
+          <a:p>
+            <a:endParaRPr lang="en-US" dirty="0"/>
+          </a:p>
+        </p:txBody>
+      </p:sp>
+      <p:sp>
+        <p:nvSpPr>
+          <p:cNvPr id="5" name="TextBox 4"/>
+          <p:cNvSpPr txBox="1"/>
+          <p:nvPr/>
+        </p:nvSpPr>
+        <p:spPr>
+          <a:xfrm>
+            <a:off x="2633472" y="5567422"/>
+            <a:ext cx="5538254" cy="338554"/>
+          </a:xfrm>
+          <a:prstGeom prst="rect">
+            <a:avLst/>
+          </a:prstGeom>
+          <a:noFill/>
+        </p:spPr>
+        <p:txBody>
+          <a:bodyPr wrap="square" rtlCol="0">
+            <a:spAutoFit/>
+          </a:bodyPr>
+          <a:lstStyle/>
+          <a:p>
+            <a:r>
+              <a:rPr lang="en-US" dirty="0"/>
+              <a:t>Follows </a:t>
+            </a:r>
+            <a:r>
+              <a:rPr lang="en-US" dirty="0" err="1"/>
+              <a:t>Loadshape</a:t>
+            </a:r>
+            <a:r>
+              <a:rPr lang="en-US" dirty="0"/>
+              <a:t> object called “Wind2400”</a:t>
+            </a:r>
+          </a:p>
+        </p:txBody>
+      </p:sp>
+      <p:cxnSp>
+        <p:nvCxnSpPr>
+          <p:cNvPr id="7" name="Straight Arrow Connector 6"/>
+          <p:cNvCxnSpPr/>
+          <p:nvPr/>
+        </p:nvCxnSpPr>
+        <p:spPr bwMode="auto">
+          <a:xfrm flipH="1" flipV="1">
+            <a:off x="3877519" y="4051139"/>
+            <a:ext cx="1169043" cy="1203767"/>
+          </a:xfrm>
+          <a:prstGeom prst="straightConnector1">
+            <a:avLst/>
+          </a:prstGeom>
+          <a:solidFill>
+            <a:schemeClr val="accent1"/>
+          </a:solidFill>
+          <a:ln w="76200" cap="flat" cmpd="sng" algn="ctr">
+            <a:solidFill>
+              <a:srgbClr val="FF0000"/>
+            </a:solidFill>
+            <a:prstDash val="solid"/>
+            <a:round/>
+            <a:headEnd type="none" w="med" len="med"/>
+            <a:tailEnd type="triangle"/>
+          </a:ln>
+          <a:effectLst/>
+        </p:spPr>
+      </p:cxnSp>
+    </p:spTree>
+    <p:extLst>
+      <p:ext uri="{BB962C8B-B14F-4D97-AF65-F5344CB8AC3E}">
+        <p14:creationId xmlns:p14="http://schemas.microsoft.com/office/powerpoint/2010/main" val="3169190857"/>
       </p:ext>
     </p:extLst>
   </p:cSld>
@@ -5628,23 +13497,6 @@
 </file>
 
 <file path=customXml/item1.xml><?xml version="1.0" encoding="utf-8"?>
-<?mso-contentType ?>
-<FormTemplates xmlns="http://schemas.microsoft.com/sharepoint/v3/contenttype/forms">
-  <Display>DocumentLibraryForm</Display>
-  <Edit>DocumentLibraryForm</Edit>
-  <New>DocumentLibraryForm</New>
-</FormTemplates>
-</file>
-
-<file path=customXml/item2.xml><?xml version="1.0" encoding="utf-8"?>
-<p:properties xmlns:p="http://schemas.microsoft.com/office/2006/metadata/properties" xmlns:xsi="http://www.w3.org/2001/XMLSchema-instance" xmlns:pc="http://schemas.microsoft.com/office/infopath/2007/PartnerControls">
-  <documentManagement>
-    <Category xmlns="9d4eb815-23ed-48d9-b0c1-2b9ce0016f4e">EPRI PowerPoint Template</Category>
-  </documentManagement>
-</p:properties>
-</file>
-
-<file path=customXml/item3.xml><?xml version="1.0" encoding="utf-8"?>
 <ct:contentTypeSchema xmlns:ct="http://schemas.microsoft.com/office/2006/metadata/contentType" xmlns:ma="http://schemas.microsoft.com/office/2006/metadata/properties/metaAttributes" ct:_="" ma:_="" ma:contentTypeName="Document" ma:contentTypeID="0x010100D67101F030D76349B9BDDCB7E839049A" ma:contentTypeVersion="1" ma:contentTypeDescription="Create a new document." ma:contentTypeScope="" ma:versionID="734fc11b70f2696fea1b768389187637">
   <xsd:schema xmlns:xsd="http://www.w3.org/2001/XMLSchema" xmlns:xs="http://www.w3.org/2001/XMLSchema" xmlns:p="http://schemas.microsoft.com/office/2006/metadata/properties" xmlns:ns2="9d4eb815-23ed-48d9-b0c1-2b9ce0016f4e" targetNamespace="http://schemas.microsoft.com/office/2006/metadata/properties" ma:root="true" ma:fieldsID="2b4a09c436e99444c649b2400fdb07dc" ns2:_="">
     <xsd:import namespace="9d4eb815-23ed-48d9-b0c1-2b9ce0016f4e"/>
@@ -5776,10 +13628,37 @@
 </ct:contentTypeSchema>
 </file>
 
+<file path=customXml/item2.xml><?xml version="1.0" encoding="utf-8"?>
+<p:properties xmlns:p="http://schemas.microsoft.com/office/2006/metadata/properties" xmlns:xsi="http://www.w3.org/2001/XMLSchema-instance" xmlns:pc="http://schemas.microsoft.com/office/infopath/2007/PartnerControls">
+  <documentManagement>
+    <Category xmlns="9d4eb815-23ed-48d9-b0c1-2b9ce0016f4e">EPRI PowerPoint Template</Category>
+  </documentManagement>
+</p:properties>
+</file>
+
+<file path=customXml/item3.xml><?xml version="1.0" encoding="utf-8"?>
+<?mso-contentType ?>
+<FormTemplates xmlns="http://schemas.microsoft.com/sharepoint/v3/contenttype/forms">
+  <Display>DocumentLibraryForm</Display>
+  <Edit>DocumentLibraryForm</Edit>
+  <New>DocumentLibraryForm</New>
+</FormTemplates>
+</file>
+
 <file path=customXml/itemProps1.xml><?xml version="1.0" encoding="utf-8"?>
-<ds:datastoreItem xmlns:ds="http://schemas.openxmlformats.org/officeDocument/2006/customXml" ds:itemID="{F99B5431-8C26-478B-808F-26BED01B748B}">
+<ds:datastoreItem xmlns:ds="http://schemas.openxmlformats.org/officeDocument/2006/customXml" ds:itemID="{04AC8A55-24A3-47CA-BC47-DFAAE86ABF30}">
   <ds:schemaRefs>
-    <ds:schemaRef ds:uri="http://schemas.microsoft.com/sharepoint/v3/contenttype/forms"/>
+    <ds:schemaRef ds:uri="http://schemas.microsoft.com/office/2006/metadata/contentType"/>
+    <ds:schemaRef ds:uri="http://schemas.microsoft.com/office/2006/metadata/properties/metaAttributes"/>
+    <ds:schemaRef ds:uri="http://www.w3.org/2001/XMLSchema"/>
+    <ds:schemaRef ds:uri="http://schemas.microsoft.com/office/2006/metadata/properties"/>
+    <ds:schemaRef ds:uri="9d4eb815-23ed-48d9-b0c1-2b9ce0016f4e"/>
+    <ds:schemaRef ds:uri="http://schemas.microsoft.com/office/2006/documentManagement/types"/>
+    <ds:schemaRef ds:uri="http://schemas.microsoft.com/office/infopath/2007/PartnerControls"/>
+    <ds:schemaRef ds:uri="http://schemas.openxmlformats.org/package/2006/metadata/core-properties"/>
+    <ds:schemaRef ds:uri="http://purl.org/dc/elements/1.1/"/>
+    <ds:schemaRef ds:uri="http://purl.org/dc/terms/"/>
+    <ds:schemaRef ds:uri="http://schemas.microsoft.com/internal/obd"/>
   </ds:schemaRefs>
 </ds:datastoreItem>
 </file>
@@ -5801,19 +13680,9 @@
 </file>
 
 <file path=customXml/itemProps3.xml><?xml version="1.0" encoding="utf-8"?>
-<ds:datastoreItem xmlns:ds="http://schemas.openxmlformats.org/officeDocument/2006/customXml" ds:itemID="{04AC8A55-24A3-47CA-BC47-DFAAE86ABF30}">
+<ds:datastoreItem xmlns:ds="http://schemas.openxmlformats.org/officeDocument/2006/customXml" ds:itemID="{F99B5431-8C26-478B-808F-26BED01B748B}">
   <ds:schemaRefs>
-    <ds:schemaRef ds:uri="http://schemas.microsoft.com/office/2006/metadata/contentType"/>
-    <ds:schemaRef ds:uri="http://schemas.microsoft.com/office/2006/metadata/properties/metaAttributes"/>
-    <ds:schemaRef ds:uri="http://www.w3.org/2001/XMLSchema"/>
-    <ds:schemaRef ds:uri="http://schemas.microsoft.com/office/2006/metadata/properties"/>
-    <ds:schemaRef ds:uri="9d4eb815-23ed-48d9-b0c1-2b9ce0016f4e"/>
-    <ds:schemaRef ds:uri="http://schemas.microsoft.com/office/2006/documentManagement/types"/>
-    <ds:schemaRef ds:uri="http://schemas.microsoft.com/office/infopath/2007/PartnerControls"/>
-    <ds:schemaRef ds:uri="http://schemas.openxmlformats.org/package/2006/metadata/core-properties"/>
-    <ds:schemaRef ds:uri="http://purl.org/dc/elements/1.1/"/>
-    <ds:schemaRef ds:uri="http://purl.org/dc/terms/"/>
-    <ds:schemaRef ds:uri="http://schemas.microsoft.com/internal/obd"/>
+    <ds:schemaRef ds:uri="http://schemas.microsoft.com/sharepoint/v3/contenttype/forms"/>
   </ds:schemaRefs>
 </ds:datastoreItem>
 </file>
--- a/trunk/Training/GAPQ2017/PPT/14 Generator Model.pptx
+++ b/trunk/Training/GAPQ2017/PPT/14 Generator Model.pptx
@@ -243,7 +243,7 @@
           <a:p>
             <a:fld id="{21D603EA-85D6-422C-AB10-17A2A7923832}" type="datetimeFigureOut">
               <a:rPr lang="en-US" smtClean="0"/>
-              <a:t>6/19/2017</a:t>
+              <a:t>6/23/2017</a:t>
             </a:fld>
             <a:endParaRPr lang="en-US" dirty="0"/>
           </a:p>
@@ -5954,6 +5954,9 @@
             </a:pPr>
             <a:r>
               <a:rPr lang="en-US" sz="1800" b="1" dirty="0">
+                <a:solidFill>
+                  <a:srgbClr val="FF0000"/>
+                </a:solidFill>
                 <a:latin typeface="Courier New" panose="02070309020205020404" pitchFamily="49" charset="0"/>
                 <a:cs typeface="Courier New" panose="02070309020205020404" pitchFamily="49" charset="0"/>
               </a:rPr>
@@ -5961,6 +5964,9 @@
             </a:r>
             <a:r>
               <a:rPr lang="en-US" sz="1800" b="1" dirty="0" err="1">
+                <a:solidFill>
+                  <a:srgbClr val="FF0000"/>
+                </a:solidFill>
                 <a:latin typeface="Courier New" panose="02070309020205020404" pitchFamily="49" charset="0"/>
                 <a:cs typeface="Courier New" panose="02070309020205020404" pitchFamily="49" charset="0"/>
               </a:rPr>
@@ -5968,6 +5974,9 @@
             </a:r>
             <a:r>
               <a:rPr lang="en-US" sz="1800" b="1" dirty="0">
+                <a:solidFill>
+                  <a:srgbClr val="FF0000"/>
+                </a:solidFill>
                 <a:latin typeface="Courier New" panose="02070309020205020404" pitchFamily="49" charset="0"/>
                 <a:cs typeface="Courier New" panose="02070309020205020404" pitchFamily="49" charset="0"/>
               </a:rPr>
@@ -5980,6 +5989,9 @@
             </a:pPr>
             <a:r>
               <a:rPr lang="en-US" sz="1800" b="1" dirty="0">
+                <a:solidFill>
+                  <a:srgbClr val="FF0000"/>
+                </a:solidFill>
                 <a:latin typeface="Courier New" panose="02070309020205020404" pitchFamily="49" charset="0"/>
                 <a:cs typeface="Courier New" panose="02070309020205020404" pitchFamily="49" charset="0"/>
               </a:rPr>
@@ -5987,6 +5999,9 @@
             </a:r>
             <a:r>
               <a:rPr lang="en-US" sz="1800" b="1" dirty="0" err="1">
+                <a:solidFill>
+                  <a:srgbClr val="FF0000"/>
+                </a:solidFill>
                 <a:latin typeface="Courier New" panose="02070309020205020404" pitchFamily="49" charset="0"/>
                 <a:cs typeface="Courier New" panose="02070309020205020404" pitchFamily="49" charset="0"/>
               </a:rPr>
@@ -5994,6 +6009,9 @@
             </a:r>
             <a:r>
               <a:rPr lang="en-US" sz="1800" b="1" dirty="0">
+                <a:solidFill>
+                  <a:srgbClr val="FF0000"/>
+                </a:solidFill>
                 <a:latin typeface="Courier New" panose="02070309020205020404" pitchFamily="49" charset="0"/>
                 <a:cs typeface="Courier New" panose="02070309020205020404" pitchFamily="49" charset="0"/>
               </a:rPr>
@@ -6001,6 +6019,9 @@
             </a:r>
             <a:r>
               <a:rPr lang="en-US" sz="1800" b="1" dirty="0" err="1">
+                <a:solidFill>
+                  <a:srgbClr val="FF0000"/>
+                </a:solidFill>
                 <a:latin typeface="Courier New" panose="02070309020205020404" pitchFamily="49" charset="0"/>
                 <a:cs typeface="Courier New" panose="02070309020205020404" pitchFamily="49" charset="0"/>
               </a:rPr>
@@ -6008,6 +6029,9 @@
             </a:r>
             <a:r>
               <a:rPr lang="en-US" sz="1800" b="1" dirty="0">
+                <a:solidFill>
+                  <a:srgbClr val="FF0000"/>
+                </a:solidFill>
                 <a:latin typeface="Courier New" panose="02070309020205020404" pitchFamily="49" charset="0"/>
                 <a:cs typeface="Courier New" panose="02070309020205020404" pitchFamily="49" charset="0"/>
               </a:rPr>
@@ -6015,6 +6039,9 @@
             </a:r>
             <a:r>
               <a:rPr lang="en-US" sz="1800" b="1" dirty="0" err="1">
+                <a:solidFill>
+                  <a:srgbClr val="FF0000"/>
+                </a:solidFill>
                 <a:latin typeface="Courier New" panose="02070309020205020404" pitchFamily="49" charset="0"/>
                 <a:cs typeface="Courier New" panose="02070309020205020404" pitchFamily="49" charset="0"/>
               </a:rPr>
@@ -6022,6 +6049,9 @@
             </a:r>
             <a:r>
               <a:rPr lang="en-US" sz="1800" b="1" dirty="0">
+                <a:solidFill>
+                  <a:srgbClr val="FF0000"/>
+                </a:solidFill>
                 <a:latin typeface="Courier New" panose="02070309020205020404" pitchFamily="49" charset="0"/>
                 <a:cs typeface="Courier New" panose="02070309020205020404" pitchFamily="49" charset="0"/>
               </a:rPr>
@@ -6029,6 +6059,9 @@
             </a:r>
             <a:r>
               <a:rPr lang="en-US" sz="1800" b="1" dirty="0" err="1">
+                <a:solidFill>
+                  <a:srgbClr val="FF0000"/>
+                </a:solidFill>
                 <a:latin typeface="Courier New" panose="02070309020205020404" pitchFamily="49" charset="0"/>
                 <a:cs typeface="Courier New" panose="02070309020205020404" pitchFamily="49" charset="0"/>
               </a:rPr>
@@ -6036,6 +6069,9 @@
             </a:r>
             <a:r>
               <a:rPr lang="en-US" sz="1800" b="1" dirty="0">
+                <a:solidFill>
+                  <a:srgbClr val="FF0000"/>
+                </a:solidFill>
                 <a:latin typeface="Courier New" panose="02070309020205020404" pitchFamily="49" charset="0"/>
                 <a:cs typeface="Courier New" panose="02070309020205020404" pitchFamily="49" charset="0"/>
               </a:rPr>
@@ -6043,6 +6079,9 @@
             </a:r>
             <a:r>
               <a:rPr lang="en-US" sz="1800" b="1" dirty="0" err="1">
+                <a:solidFill>
+                  <a:srgbClr val="FF0000"/>
+                </a:solidFill>
                 <a:latin typeface="Courier New" panose="02070309020205020404" pitchFamily="49" charset="0"/>
                 <a:cs typeface="Courier New" panose="02070309020205020404" pitchFamily="49" charset="0"/>
               </a:rPr>
@@ -6050,6 +6089,9 @@
             </a:r>
             <a:r>
               <a:rPr lang="en-US" sz="1800" b="1" dirty="0">
+                <a:solidFill>
+                  <a:srgbClr val="FF0000"/>
+                </a:solidFill>
                 <a:latin typeface="Courier New" panose="02070309020205020404" pitchFamily="49" charset="0"/>
                 <a:cs typeface="Courier New" panose="02070309020205020404" pitchFamily="49" charset="0"/>
               </a:rPr>
@@ -6057,6 +6099,9 @@
             </a:r>
             <a:r>
               <a:rPr lang="en-US" sz="1800" b="1" dirty="0" err="1">
+                <a:solidFill>
+                  <a:srgbClr val="FF0000"/>
+                </a:solidFill>
                 <a:latin typeface="Courier New" panose="02070309020205020404" pitchFamily="49" charset="0"/>
                 <a:cs typeface="Courier New" panose="02070309020205020404" pitchFamily="49" charset="0"/>
               </a:rPr>
@@ -6064,6 +6109,9 @@
             </a:r>
             <a:r>
               <a:rPr lang="en-US" sz="1800" b="1" dirty="0">
+                <a:solidFill>
+                  <a:srgbClr val="FF0000"/>
+                </a:solidFill>
                 <a:latin typeface="Courier New" panose="02070309020205020404" pitchFamily="49" charset="0"/>
                 <a:cs typeface="Courier New" panose="02070309020205020404" pitchFamily="49" charset="0"/>
               </a:rPr>
@@ -6071,6 +6119,9 @@
             </a:r>
             <a:r>
               <a:rPr lang="en-US" sz="1800" b="1" dirty="0" err="1">
+                <a:solidFill>
+                  <a:srgbClr val="FF0000"/>
+                </a:solidFill>
                 <a:latin typeface="Courier New" panose="02070309020205020404" pitchFamily="49" charset="0"/>
                 <a:cs typeface="Courier New" panose="02070309020205020404" pitchFamily="49" charset="0"/>
               </a:rPr>
@@ -6078,6 +6129,9 @@
             </a:r>
             <a:r>
               <a:rPr lang="en-US" sz="1800" b="1" dirty="0">
+                <a:solidFill>
+                  <a:srgbClr val="FF0000"/>
+                </a:solidFill>
                 <a:latin typeface="Courier New" panose="02070309020205020404" pitchFamily="49" charset="0"/>
                 <a:cs typeface="Courier New" panose="02070309020205020404" pitchFamily="49" charset="0"/>
               </a:rPr>
@@ -6110,7 +6164,7 @@
             </a:r>
             <a:r>
               <a:rPr lang="en-US" dirty="0"/>
-              <a:t> is now a permanent model in </a:t>
+              <a:t> is now a built-in model in </a:t>
             </a:r>
             <a:r>
               <a:rPr lang="en-US" dirty="0" err="1"/>
@@ -7410,7 +7464,7 @@
           <a:p>
             <a:r>
               <a:rPr lang="en-US" dirty="0"/>
-              <a:t>Differences</a:t>
+              <a:t>Differences from LOAD</a:t>
             </a:r>
           </a:p>
           <a:p>
@@ -12041,7 +12095,15 @@
             </a:r>
             <a:r>
               <a:rPr lang="en-US" dirty="0"/>
-              <a:t> kW=1000 PF=1 kV=0.480</a:t>
+              <a:t> kW=1000 PF=1 </a:t>
+            </a:r>
+            <a:r>
+              <a:rPr lang="en-US" dirty="0">
+                <a:solidFill>
+                  <a:srgbClr val="FF0000"/>
+                </a:solidFill>
+              </a:rPr>
+              <a:t>kV=0.480</a:t>
             </a:r>
           </a:p>
           <a:p>
@@ -12065,7 +12127,7 @@
           <a:p>
             <a:r>
               <a:rPr lang="en-US" dirty="0"/>
-              <a:t>Wind Generator QSTS Model</a:t>
+              <a:t>Wind Generator PQ Model for QSTS</a:t>
             </a:r>
           </a:p>
           <a:p>
@@ -13497,6 +13559,14 @@
 </file>
 
 <file path=customXml/item1.xml><?xml version="1.0" encoding="utf-8"?>
+<p:properties xmlns:p="http://schemas.microsoft.com/office/2006/metadata/properties" xmlns:xsi="http://www.w3.org/2001/XMLSchema-instance" xmlns:pc="http://schemas.microsoft.com/office/infopath/2007/PartnerControls">
+  <documentManagement>
+    <Category xmlns="9d4eb815-23ed-48d9-b0c1-2b9ce0016f4e">EPRI PowerPoint Template</Category>
+  </documentManagement>
+</p:properties>
+</file>
+
+<file path=customXml/item2.xml><?xml version="1.0" encoding="utf-8"?>
 <ct:contentTypeSchema xmlns:ct="http://schemas.microsoft.com/office/2006/metadata/contentType" xmlns:ma="http://schemas.microsoft.com/office/2006/metadata/properties/metaAttributes" ct:_="" ma:_="" ma:contentTypeName="Document" ma:contentTypeID="0x010100D67101F030D76349B9BDDCB7E839049A" ma:contentTypeVersion="1" ma:contentTypeDescription="Create a new document." ma:contentTypeScope="" ma:versionID="734fc11b70f2696fea1b768389187637">
   <xsd:schema xmlns:xsd="http://www.w3.org/2001/XMLSchema" xmlns:xs="http://www.w3.org/2001/XMLSchema" xmlns:p="http://schemas.microsoft.com/office/2006/metadata/properties" xmlns:ns2="9d4eb815-23ed-48d9-b0c1-2b9ce0016f4e" targetNamespace="http://schemas.microsoft.com/office/2006/metadata/properties" ma:root="true" ma:fieldsID="2b4a09c436e99444c649b2400fdb07dc" ns2:_="">
     <xsd:import namespace="9d4eb815-23ed-48d9-b0c1-2b9ce0016f4e"/>
@@ -13628,14 +13698,6 @@
 </ct:contentTypeSchema>
 </file>
 
-<file path=customXml/item2.xml><?xml version="1.0" encoding="utf-8"?>
-<p:properties xmlns:p="http://schemas.microsoft.com/office/2006/metadata/properties" xmlns:xsi="http://www.w3.org/2001/XMLSchema-instance" xmlns:pc="http://schemas.microsoft.com/office/infopath/2007/PartnerControls">
-  <documentManagement>
-    <Category xmlns="9d4eb815-23ed-48d9-b0c1-2b9ce0016f4e">EPRI PowerPoint Template</Category>
-  </documentManagement>
-</p:properties>
-</file>
-
 <file path=customXml/item3.xml><?xml version="1.0" encoding="utf-8"?>
 <?mso-contentType ?>
 <FormTemplates xmlns="http://schemas.microsoft.com/sharepoint/v3/contenttype/forms">
@@ -13646,6 +13708,22 @@
 </file>
 
 <file path=customXml/itemProps1.xml><?xml version="1.0" encoding="utf-8"?>
+<ds:datastoreItem xmlns:ds="http://schemas.openxmlformats.org/officeDocument/2006/customXml" ds:itemID="{CB3A9CD0-2239-4A17-AE12-8DE9BDDF5A58}">
+  <ds:schemaRefs>
+    <ds:schemaRef ds:uri="http://purl.org/dc/elements/1.1/"/>
+    <ds:schemaRef ds:uri="http://schemas.microsoft.com/office/2006/metadata/properties"/>
+    <ds:schemaRef ds:uri="9d4eb815-23ed-48d9-b0c1-2b9ce0016f4e"/>
+    <ds:schemaRef ds:uri="http://purl.org/dc/terms/"/>
+    <ds:schemaRef ds:uri="http://schemas.openxmlformats.org/package/2006/metadata/core-properties"/>
+    <ds:schemaRef ds:uri="http://schemas.microsoft.com/office/2006/documentManagement/types"/>
+    <ds:schemaRef ds:uri="http://schemas.microsoft.com/office/infopath/2007/PartnerControls"/>
+    <ds:schemaRef ds:uri="http://www.w3.org/XML/1998/namespace"/>
+    <ds:schemaRef ds:uri="http://purl.org/dc/dcmitype/"/>
+  </ds:schemaRefs>
+</ds:datastoreItem>
+</file>
+
+<file path=customXml/itemProps2.xml><?xml version="1.0" encoding="utf-8"?>
 <ds:datastoreItem xmlns:ds="http://schemas.openxmlformats.org/officeDocument/2006/customXml" ds:itemID="{04AC8A55-24A3-47CA-BC47-DFAAE86ABF30}">
   <ds:schemaRefs>
     <ds:schemaRef ds:uri="http://schemas.microsoft.com/office/2006/metadata/contentType"/>
@@ -13663,22 +13741,6 @@
 </ds:datastoreItem>
 </file>
 
-<file path=customXml/itemProps2.xml><?xml version="1.0" encoding="utf-8"?>
-<ds:datastoreItem xmlns:ds="http://schemas.openxmlformats.org/officeDocument/2006/customXml" ds:itemID="{CB3A9CD0-2239-4A17-AE12-8DE9BDDF5A58}">
-  <ds:schemaRefs>
-    <ds:schemaRef ds:uri="http://purl.org/dc/elements/1.1/"/>
-    <ds:schemaRef ds:uri="http://schemas.microsoft.com/office/2006/metadata/properties"/>
-    <ds:schemaRef ds:uri="9d4eb815-23ed-48d9-b0c1-2b9ce0016f4e"/>
-    <ds:schemaRef ds:uri="http://purl.org/dc/terms/"/>
-    <ds:schemaRef ds:uri="http://schemas.openxmlformats.org/package/2006/metadata/core-properties"/>
-    <ds:schemaRef ds:uri="http://schemas.microsoft.com/office/2006/documentManagement/types"/>
-    <ds:schemaRef ds:uri="http://schemas.microsoft.com/office/infopath/2007/PartnerControls"/>
-    <ds:schemaRef ds:uri="http://www.w3.org/XML/1998/namespace"/>
-    <ds:schemaRef ds:uri="http://purl.org/dc/dcmitype/"/>
-  </ds:schemaRefs>
-</ds:datastoreItem>
-</file>
-
 <file path=customXml/itemProps3.xml><?xml version="1.0" encoding="utf-8"?>
 <ds:datastoreItem xmlns:ds="http://schemas.openxmlformats.org/officeDocument/2006/customXml" ds:itemID="{F99B5431-8C26-478B-808F-26BED01B748B}">
   <ds:schemaRefs>
